--- a/SPL-1/SPL-1 Mid.pptx
+++ b/SPL-1/SPL-1 Mid.pptx
@@ -5,40 +5,48 @@
     <p:sldMasterId id="2147483663" r:id="rId1"/>
   </p:sldMasterIdLst>
   <p:notesMasterIdLst>
-    <p:notesMasterId r:id="rId11"/>
+    <p:notesMasterId r:id="rId19"/>
   </p:notesMasterIdLst>
   <p:sldIdLst>
     <p:sldId id="281" r:id="rId2"/>
     <p:sldId id="282" r:id="rId3"/>
     <p:sldId id="256" r:id="rId4"/>
-    <p:sldId id="257" r:id="rId5"/>
-    <p:sldId id="278" r:id="rId6"/>
-    <p:sldId id="279" r:id="rId7"/>
-    <p:sldId id="280" r:id="rId8"/>
-    <p:sldId id="283" r:id="rId9"/>
-    <p:sldId id="284" r:id="rId10"/>
+    <p:sldId id="287" r:id="rId5"/>
+    <p:sldId id="288" r:id="rId6"/>
+    <p:sldId id="278" r:id="rId7"/>
+    <p:sldId id="279" r:id="rId8"/>
+    <p:sldId id="280" r:id="rId9"/>
+    <p:sldId id="290" r:id="rId10"/>
+    <p:sldId id="291" r:id="rId11"/>
+    <p:sldId id="292" r:id="rId12"/>
+    <p:sldId id="293" r:id="rId13"/>
+    <p:sldId id="294" r:id="rId14"/>
+    <p:sldId id="295" r:id="rId15"/>
+    <p:sldId id="289" r:id="rId16"/>
+    <p:sldId id="283" r:id="rId17"/>
+    <p:sldId id="284" r:id="rId18"/>
   </p:sldIdLst>
   <p:sldSz cx="9144000" cy="5143500" type="screen16x9"/>
   <p:notesSz cx="6858000" cy="9144000"/>
   <p:embeddedFontLst>
     <p:embeddedFont>
       <p:font typeface="Helvetica Neue" panose="020B0604020202020204" charset="0"/>
-      <p:regular r:id="rId12"/>
-      <p:bold r:id="rId13"/>
-      <p:italic r:id="rId14"/>
-      <p:boldItalic r:id="rId15"/>
+      <p:regular r:id="rId20"/>
+      <p:bold r:id="rId21"/>
+      <p:italic r:id="rId22"/>
+      <p:boldItalic r:id="rId23"/>
     </p:embeddedFont>
     <p:embeddedFont>
       <p:font typeface="Tahoma" panose="020B0604030504040204" pitchFamily="34" charset="0"/>
-      <p:regular r:id="rId16"/>
-      <p:bold r:id="rId17"/>
+      <p:regular r:id="rId24"/>
+      <p:bold r:id="rId25"/>
     </p:embeddedFont>
     <p:embeddedFont>
       <p:font typeface="Verdana" panose="020B0604030504040204" pitchFamily="34" charset="0"/>
-      <p:regular r:id="rId18"/>
-      <p:bold r:id="rId19"/>
-      <p:italic r:id="rId20"/>
-      <p:boldItalic r:id="rId21"/>
+      <p:regular r:id="rId26"/>
+      <p:bold r:id="rId27"/>
+      <p:italic r:id="rId28"/>
+      <p:boldItalic r:id="rId29"/>
     </p:embeddedFont>
   </p:embeddedFontLst>
   <p:defaultTextStyle>
@@ -857,6 +865,932 @@
 </p:notes>
 </file>
 
+<file path=ppt/notesSlides/notesSlide10.xml><?xml version="1.0" encoding="utf-8"?>
+<p:notes xmlns:a="http://schemas.openxmlformats.org/drawingml/2006/main" xmlns:r="http://schemas.openxmlformats.org/officeDocument/2006/relationships" xmlns:p="http://schemas.openxmlformats.org/presentationml/2006/main" showMasterSp="0" showMasterPhAnim="0">
+  <p:cSld>
+    <p:spTree>
+      <p:nvGrpSpPr>
+        <p:cNvPr id="1" name="Shape 116"/>
+        <p:cNvGrpSpPr/>
+        <p:nvPr/>
+      </p:nvGrpSpPr>
+      <p:grpSpPr>
+        <a:xfrm>
+          <a:off x="0" y="0"/>
+          <a:ext cx="0" cy="0"/>
+          <a:chOff x="0" y="0"/>
+          <a:chExt cx="0" cy="0"/>
+        </a:xfrm>
+      </p:grpSpPr>
+      <p:sp>
+        <p:nvSpPr>
+          <p:cNvPr id="117" name="Google Shape;117;g2429a99f062_0_112:notes"/>
+          <p:cNvSpPr>
+            <a:spLocks noGrp="1" noRot="1" noChangeAspect="1"/>
+          </p:cNvSpPr>
+          <p:nvPr>
+            <p:ph type="sldImg" idx="2"/>
+          </p:nvPr>
+        </p:nvSpPr>
+        <p:spPr>
+          <a:xfrm>
+            <a:off x="381000" y="685800"/>
+            <a:ext cx="6096000" cy="3429000"/>
+          </a:xfrm>
+          <a:custGeom>
+            <a:avLst/>
+            <a:gdLst/>
+            <a:ahLst/>
+            <a:cxnLst/>
+            <a:rect l="l" t="t" r="r" b="b"/>
+            <a:pathLst>
+              <a:path w="120000" h="120000" extrusionOk="0">
+                <a:moveTo>
+                  <a:pt x="0" y="0"/>
+                </a:moveTo>
+                <a:lnTo>
+                  <a:pt x="120000" y="0"/>
+                </a:lnTo>
+                <a:lnTo>
+                  <a:pt x="120000" y="120000"/>
+                </a:lnTo>
+                <a:lnTo>
+                  <a:pt x="0" y="120000"/>
+                </a:lnTo>
+                <a:close/>
+              </a:path>
+            </a:pathLst>
+          </a:custGeom>
+        </p:spPr>
+      </p:sp>
+      <p:sp>
+        <p:nvSpPr>
+          <p:cNvPr id="118" name="Google Shape;118;g2429a99f062_0_112:notes"/>
+          <p:cNvSpPr txBox="1">
+            <a:spLocks noGrp="1"/>
+          </p:cNvSpPr>
+          <p:nvPr>
+            <p:ph type="body" idx="1"/>
+          </p:nvPr>
+        </p:nvSpPr>
+        <p:spPr>
+          <a:xfrm>
+            <a:off x="685800" y="4343400"/>
+            <a:ext cx="5486400" cy="4114800"/>
+          </a:xfrm>
+          <a:prstGeom prst="rect">
+            <a:avLst/>
+          </a:prstGeom>
+        </p:spPr>
+        <p:txBody>
+          <a:bodyPr spcFirstLastPara="1" wrap="square" lIns="91425" tIns="91425" rIns="91425" bIns="91425" anchor="t" anchorCtr="0">
+            <a:noAutofit/>
+          </a:bodyPr>
+          <a:lstStyle/>
+          <a:p>
+            <a:pPr marL="0" lvl="0" indent="0" algn="l" rtl="0">
+              <a:spcBef>
+                <a:spcPts val="0"/>
+              </a:spcBef>
+              <a:spcAft>
+                <a:spcPts val="0"/>
+              </a:spcAft>
+              <a:buNone/>
+            </a:pPr>
+            <a:endParaRPr/>
+          </a:p>
+        </p:txBody>
+      </p:sp>
+    </p:spTree>
+    <p:extLst>
+      <p:ext uri="{BB962C8B-B14F-4D97-AF65-F5344CB8AC3E}">
+        <p14:creationId xmlns:p14="http://schemas.microsoft.com/office/powerpoint/2010/main" val="1161835988"/>
+      </p:ext>
+    </p:extLst>
+  </p:cSld>
+  <p:clrMapOvr>
+    <a:masterClrMapping/>
+  </p:clrMapOvr>
+</p:notes>
+</file>
+
+<file path=ppt/notesSlides/notesSlide11.xml><?xml version="1.0" encoding="utf-8"?>
+<p:notes xmlns:a="http://schemas.openxmlformats.org/drawingml/2006/main" xmlns:r="http://schemas.openxmlformats.org/officeDocument/2006/relationships" xmlns:p="http://schemas.openxmlformats.org/presentationml/2006/main" showMasterSp="0" showMasterPhAnim="0">
+  <p:cSld>
+    <p:spTree>
+      <p:nvGrpSpPr>
+        <p:cNvPr id="1" name="Shape 116"/>
+        <p:cNvGrpSpPr/>
+        <p:nvPr/>
+      </p:nvGrpSpPr>
+      <p:grpSpPr>
+        <a:xfrm>
+          <a:off x="0" y="0"/>
+          <a:ext cx="0" cy="0"/>
+          <a:chOff x="0" y="0"/>
+          <a:chExt cx="0" cy="0"/>
+        </a:xfrm>
+      </p:grpSpPr>
+      <p:sp>
+        <p:nvSpPr>
+          <p:cNvPr id="117" name="Google Shape;117;g2429a99f062_0_112:notes"/>
+          <p:cNvSpPr>
+            <a:spLocks noGrp="1" noRot="1" noChangeAspect="1"/>
+          </p:cNvSpPr>
+          <p:nvPr>
+            <p:ph type="sldImg" idx="2"/>
+          </p:nvPr>
+        </p:nvSpPr>
+        <p:spPr>
+          <a:xfrm>
+            <a:off x="381000" y="685800"/>
+            <a:ext cx="6096000" cy="3429000"/>
+          </a:xfrm>
+          <a:custGeom>
+            <a:avLst/>
+            <a:gdLst/>
+            <a:ahLst/>
+            <a:cxnLst/>
+            <a:rect l="l" t="t" r="r" b="b"/>
+            <a:pathLst>
+              <a:path w="120000" h="120000" extrusionOk="0">
+                <a:moveTo>
+                  <a:pt x="0" y="0"/>
+                </a:moveTo>
+                <a:lnTo>
+                  <a:pt x="120000" y="0"/>
+                </a:lnTo>
+                <a:lnTo>
+                  <a:pt x="120000" y="120000"/>
+                </a:lnTo>
+                <a:lnTo>
+                  <a:pt x="0" y="120000"/>
+                </a:lnTo>
+                <a:close/>
+              </a:path>
+            </a:pathLst>
+          </a:custGeom>
+        </p:spPr>
+      </p:sp>
+      <p:sp>
+        <p:nvSpPr>
+          <p:cNvPr id="118" name="Google Shape;118;g2429a99f062_0_112:notes"/>
+          <p:cNvSpPr txBox="1">
+            <a:spLocks noGrp="1"/>
+          </p:cNvSpPr>
+          <p:nvPr>
+            <p:ph type="body" idx="1"/>
+          </p:nvPr>
+        </p:nvSpPr>
+        <p:spPr>
+          <a:xfrm>
+            <a:off x="685800" y="4343400"/>
+            <a:ext cx="5486400" cy="4114800"/>
+          </a:xfrm>
+          <a:prstGeom prst="rect">
+            <a:avLst/>
+          </a:prstGeom>
+        </p:spPr>
+        <p:txBody>
+          <a:bodyPr spcFirstLastPara="1" wrap="square" lIns="91425" tIns="91425" rIns="91425" bIns="91425" anchor="t" anchorCtr="0">
+            <a:noAutofit/>
+          </a:bodyPr>
+          <a:lstStyle/>
+          <a:p>
+            <a:pPr marL="0" lvl="0" indent="0" algn="l" rtl="0">
+              <a:spcBef>
+                <a:spcPts val="0"/>
+              </a:spcBef>
+              <a:spcAft>
+                <a:spcPts val="0"/>
+              </a:spcAft>
+              <a:buNone/>
+            </a:pPr>
+            <a:endParaRPr/>
+          </a:p>
+        </p:txBody>
+      </p:sp>
+    </p:spTree>
+    <p:extLst>
+      <p:ext uri="{BB962C8B-B14F-4D97-AF65-F5344CB8AC3E}">
+        <p14:creationId xmlns:p14="http://schemas.microsoft.com/office/powerpoint/2010/main" val="2665443416"/>
+      </p:ext>
+    </p:extLst>
+  </p:cSld>
+  <p:clrMapOvr>
+    <a:masterClrMapping/>
+  </p:clrMapOvr>
+</p:notes>
+</file>
+
+<file path=ppt/notesSlides/notesSlide12.xml><?xml version="1.0" encoding="utf-8"?>
+<p:notes xmlns:a="http://schemas.openxmlformats.org/drawingml/2006/main" xmlns:r="http://schemas.openxmlformats.org/officeDocument/2006/relationships" xmlns:p="http://schemas.openxmlformats.org/presentationml/2006/main" showMasterSp="0" showMasterPhAnim="0">
+  <p:cSld>
+    <p:spTree>
+      <p:nvGrpSpPr>
+        <p:cNvPr id="1" name="Shape 116"/>
+        <p:cNvGrpSpPr/>
+        <p:nvPr/>
+      </p:nvGrpSpPr>
+      <p:grpSpPr>
+        <a:xfrm>
+          <a:off x="0" y="0"/>
+          <a:ext cx="0" cy="0"/>
+          <a:chOff x="0" y="0"/>
+          <a:chExt cx="0" cy="0"/>
+        </a:xfrm>
+      </p:grpSpPr>
+      <p:sp>
+        <p:nvSpPr>
+          <p:cNvPr id="117" name="Google Shape;117;g2429a99f062_0_112:notes"/>
+          <p:cNvSpPr>
+            <a:spLocks noGrp="1" noRot="1" noChangeAspect="1"/>
+          </p:cNvSpPr>
+          <p:nvPr>
+            <p:ph type="sldImg" idx="2"/>
+          </p:nvPr>
+        </p:nvSpPr>
+        <p:spPr>
+          <a:xfrm>
+            <a:off x="381000" y="685800"/>
+            <a:ext cx="6096000" cy="3429000"/>
+          </a:xfrm>
+          <a:custGeom>
+            <a:avLst/>
+            <a:gdLst/>
+            <a:ahLst/>
+            <a:cxnLst/>
+            <a:rect l="l" t="t" r="r" b="b"/>
+            <a:pathLst>
+              <a:path w="120000" h="120000" extrusionOk="0">
+                <a:moveTo>
+                  <a:pt x="0" y="0"/>
+                </a:moveTo>
+                <a:lnTo>
+                  <a:pt x="120000" y="0"/>
+                </a:lnTo>
+                <a:lnTo>
+                  <a:pt x="120000" y="120000"/>
+                </a:lnTo>
+                <a:lnTo>
+                  <a:pt x="0" y="120000"/>
+                </a:lnTo>
+                <a:close/>
+              </a:path>
+            </a:pathLst>
+          </a:custGeom>
+        </p:spPr>
+      </p:sp>
+      <p:sp>
+        <p:nvSpPr>
+          <p:cNvPr id="118" name="Google Shape;118;g2429a99f062_0_112:notes"/>
+          <p:cNvSpPr txBox="1">
+            <a:spLocks noGrp="1"/>
+          </p:cNvSpPr>
+          <p:nvPr>
+            <p:ph type="body" idx="1"/>
+          </p:nvPr>
+        </p:nvSpPr>
+        <p:spPr>
+          <a:xfrm>
+            <a:off x="685800" y="4343400"/>
+            <a:ext cx="5486400" cy="4114800"/>
+          </a:xfrm>
+          <a:prstGeom prst="rect">
+            <a:avLst/>
+          </a:prstGeom>
+        </p:spPr>
+        <p:txBody>
+          <a:bodyPr spcFirstLastPara="1" wrap="square" lIns="91425" tIns="91425" rIns="91425" bIns="91425" anchor="t" anchorCtr="0">
+            <a:noAutofit/>
+          </a:bodyPr>
+          <a:lstStyle/>
+          <a:p>
+            <a:pPr marL="0" lvl="0" indent="0" algn="l" rtl="0">
+              <a:spcBef>
+                <a:spcPts val="0"/>
+              </a:spcBef>
+              <a:spcAft>
+                <a:spcPts val="0"/>
+              </a:spcAft>
+              <a:buNone/>
+            </a:pPr>
+            <a:endParaRPr/>
+          </a:p>
+        </p:txBody>
+      </p:sp>
+    </p:spTree>
+    <p:extLst>
+      <p:ext uri="{BB962C8B-B14F-4D97-AF65-F5344CB8AC3E}">
+        <p14:creationId xmlns:p14="http://schemas.microsoft.com/office/powerpoint/2010/main" val="1191062867"/>
+      </p:ext>
+    </p:extLst>
+  </p:cSld>
+  <p:clrMapOvr>
+    <a:masterClrMapping/>
+  </p:clrMapOvr>
+</p:notes>
+</file>
+
+<file path=ppt/notesSlides/notesSlide13.xml><?xml version="1.0" encoding="utf-8"?>
+<p:notes xmlns:a="http://schemas.openxmlformats.org/drawingml/2006/main" xmlns:r="http://schemas.openxmlformats.org/officeDocument/2006/relationships" xmlns:p="http://schemas.openxmlformats.org/presentationml/2006/main" showMasterSp="0" showMasterPhAnim="0">
+  <p:cSld>
+    <p:spTree>
+      <p:nvGrpSpPr>
+        <p:cNvPr id="1" name="Shape 116"/>
+        <p:cNvGrpSpPr/>
+        <p:nvPr/>
+      </p:nvGrpSpPr>
+      <p:grpSpPr>
+        <a:xfrm>
+          <a:off x="0" y="0"/>
+          <a:ext cx="0" cy="0"/>
+          <a:chOff x="0" y="0"/>
+          <a:chExt cx="0" cy="0"/>
+        </a:xfrm>
+      </p:grpSpPr>
+      <p:sp>
+        <p:nvSpPr>
+          <p:cNvPr id="117" name="Google Shape;117;g2429a99f062_0_112:notes"/>
+          <p:cNvSpPr>
+            <a:spLocks noGrp="1" noRot="1" noChangeAspect="1"/>
+          </p:cNvSpPr>
+          <p:nvPr>
+            <p:ph type="sldImg" idx="2"/>
+          </p:nvPr>
+        </p:nvSpPr>
+        <p:spPr>
+          <a:xfrm>
+            <a:off x="381000" y="685800"/>
+            <a:ext cx="6096000" cy="3429000"/>
+          </a:xfrm>
+          <a:custGeom>
+            <a:avLst/>
+            <a:gdLst/>
+            <a:ahLst/>
+            <a:cxnLst/>
+            <a:rect l="l" t="t" r="r" b="b"/>
+            <a:pathLst>
+              <a:path w="120000" h="120000" extrusionOk="0">
+                <a:moveTo>
+                  <a:pt x="0" y="0"/>
+                </a:moveTo>
+                <a:lnTo>
+                  <a:pt x="120000" y="0"/>
+                </a:lnTo>
+                <a:lnTo>
+                  <a:pt x="120000" y="120000"/>
+                </a:lnTo>
+                <a:lnTo>
+                  <a:pt x="0" y="120000"/>
+                </a:lnTo>
+                <a:close/>
+              </a:path>
+            </a:pathLst>
+          </a:custGeom>
+        </p:spPr>
+      </p:sp>
+      <p:sp>
+        <p:nvSpPr>
+          <p:cNvPr id="118" name="Google Shape;118;g2429a99f062_0_112:notes"/>
+          <p:cNvSpPr txBox="1">
+            <a:spLocks noGrp="1"/>
+          </p:cNvSpPr>
+          <p:nvPr>
+            <p:ph type="body" idx="1"/>
+          </p:nvPr>
+        </p:nvSpPr>
+        <p:spPr>
+          <a:xfrm>
+            <a:off x="685800" y="4343400"/>
+            <a:ext cx="5486400" cy="4114800"/>
+          </a:xfrm>
+          <a:prstGeom prst="rect">
+            <a:avLst/>
+          </a:prstGeom>
+        </p:spPr>
+        <p:txBody>
+          <a:bodyPr spcFirstLastPara="1" wrap="square" lIns="91425" tIns="91425" rIns="91425" bIns="91425" anchor="t" anchorCtr="0">
+            <a:noAutofit/>
+          </a:bodyPr>
+          <a:lstStyle/>
+          <a:p>
+            <a:pPr marL="0" lvl="0" indent="0" algn="l" rtl="0">
+              <a:spcBef>
+                <a:spcPts val="0"/>
+              </a:spcBef>
+              <a:spcAft>
+                <a:spcPts val="0"/>
+              </a:spcAft>
+              <a:buNone/>
+            </a:pPr>
+            <a:endParaRPr/>
+          </a:p>
+        </p:txBody>
+      </p:sp>
+    </p:spTree>
+    <p:extLst>
+      <p:ext uri="{BB962C8B-B14F-4D97-AF65-F5344CB8AC3E}">
+        <p14:creationId xmlns:p14="http://schemas.microsoft.com/office/powerpoint/2010/main" val="3445788875"/>
+      </p:ext>
+    </p:extLst>
+  </p:cSld>
+  <p:clrMapOvr>
+    <a:masterClrMapping/>
+  </p:clrMapOvr>
+</p:notes>
+</file>
+
+<file path=ppt/notesSlides/notesSlide14.xml><?xml version="1.0" encoding="utf-8"?>
+<p:notes xmlns:a="http://schemas.openxmlformats.org/drawingml/2006/main" xmlns:r="http://schemas.openxmlformats.org/officeDocument/2006/relationships" xmlns:p="http://schemas.openxmlformats.org/presentationml/2006/main" showMasterSp="0" showMasterPhAnim="0">
+  <p:cSld>
+    <p:spTree>
+      <p:nvGrpSpPr>
+        <p:cNvPr id="1" name="Shape 116"/>
+        <p:cNvGrpSpPr/>
+        <p:nvPr/>
+      </p:nvGrpSpPr>
+      <p:grpSpPr>
+        <a:xfrm>
+          <a:off x="0" y="0"/>
+          <a:ext cx="0" cy="0"/>
+          <a:chOff x="0" y="0"/>
+          <a:chExt cx="0" cy="0"/>
+        </a:xfrm>
+      </p:grpSpPr>
+      <p:sp>
+        <p:nvSpPr>
+          <p:cNvPr id="117" name="Google Shape;117;g2429a99f062_0_112:notes"/>
+          <p:cNvSpPr>
+            <a:spLocks noGrp="1" noRot="1" noChangeAspect="1"/>
+          </p:cNvSpPr>
+          <p:nvPr>
+            <p:ph type="sldImg" idx="2"/>
+          </p:nvPr>
+        </p:nvSpPr>
+        <p:spPr>
+          <a:xfrm>
+            <a:off x="381000" y="685800"/>
+            <a:ext cx="6096000" cy="3429000"/>
+          </a:xfrm>
+          <a:custGeom>
+            <a:avLst/>
+            <a:gdLst/>
+            <a:ahLst/>
+            <a:cxnLst/>
+            <a:rect l="l" t="t" r="r" b="b"/>
+            <a:pathLst>
+              <a:path w="120000" h="120000" extrusionOk="0">
+                <a:moveTo>
+                  <a:pt x="0" y="0"/>
+                </a:moveTo>
+                <a:lnTo>
+                  <a:pt x="120000" y="0"/>
+                </a:lnTo>
+                <a:lnTo>
+                  <a:pt x="120000" y="120000"/>
+                </a:lnTo>
+                <a:lnTo>
+                  <a:pt x="0" y="120000"/>
+                </a:lnTo>
+                <a:close/>
+              </a:path>
+            </a:pathLst>
+          </a:custGeom>
+        </p:spPr>
+      </p:sp>
+      <p:sp>
+        <p:nvSpPr>
+          <p:cNvPr id="118" name="Google Shape;118;g2429a99f062_0_112:notes"/>
+          <p:cNvSpPr txBox="1">
+            <a:spLocks noGrp="1"/>
+          </p:cNvSpPr>
+          <p:nvPr>
+            <p:ph type="body" idx="1"/>
+          </p:nvPr>
+        </p:nvSpPr>
+        <p:spPr>
+          <a:xfrm>
+            <a:off x="685800" y="4343400"/>
+            <a:ext cx="5486400" cy="4114800"/>
+          </a:xfrm>
+          <a:prstGeom prst="rect">
+            <a:avLst/>
+          </a:prstGeom>
+        </p:spPr>
+        <p:txBody>
+          <a:bodyPr spcFirstLastPara="1" wrap="square" lIns="91425" tIns="91425" rIns="91425" bIns="91425" anchor="t" anchorCtr="0">
+            <a:noAutofit/>
+          </a:bodyPr>
+          <a:lstStyle/>
+          <a:p>
+            <a:pPr marL="0" lvl="0" indent="0" algn="l" rtl="0">
+              <a:spcBef>
+                <a:spcPts val="0"/>
+              </a:spcBef>
+              <a:spcAft>
+                <a:spcPts val="0"/>
+              </a:spcAft>
+              <a:buNone/>
+            </a:pPr>
+            <a:endParaRPr/>
+          </a:p>
+        </p:txBody>
+      </p:sp>
+    </p:spTree>
+    <p:extLst>
+      <p:ext uri="{BB962C8B-B14F-4D97-AF65-F5344CB8AC3E}">
+        <p14:creationId xmlns:p14="http://schemas.microsoft.com/office/powerpoint/2010/main" val="753662189"/>
+      </p:ext>
+    </p:extLst>
+  </p:cSld>
+  <p:clrMapOvr>
+    <a:masterClrMapping/>
+  </p:clrMapOvr>
+</p:notes>
+</file>
+
+<file path=ppt/notesSlides/notesSlide15.xml><?xml version="1.0" encoding="utf-8"?>
+<p:notes xmlns:a="http://schemas.openxmlformats.org/drawingml/2006/main" xmlns:r="http://schemas.openxmlformats.org/officeDocument/2006/relationships" xmlns:p="http://schemas.openxmlformats.org/presentationml/2006/main" showMasterSp="0" showMasterPhAnim="0">
+  <p:cSld>
+    <p:spTree>
+      <p:nvGrpSpPr>
+        <p:cNvPr id="1" name="Shape 36"/>
+        <p:cNvGrpSpPr/>
+        <p:nvPr/>
+      </p:nvGrpSpPr>
+      <p:grpSpPr>
+        <a:xfrm>
+          <a:off x="0" y="0"/>
+          <a:ext cx="0" cy="0"/>
+          <a:chOff x="0" y="0"/>
+          <a:chExt cx="0" cy="0"/>
+        </a:xfrm>
+      </p:grpSpPr>
+      <p:sp>
+        <p:nvSpPr>
+          <p:cNvPr id="37" name="Google Shape;37;p3:notes"/>
+          <p:cNvSpPr>
+            <a:spLocks noGrp="1" noRot="1" noChangeAspect="1"/>
+          </p:cNvSpPr>
+          <p:nvPr>
+            <p:ph type="sldImg" idx="2"/>
+          </p:nvPr>
+        </p:nvSpPr>
+        <p:spPr>
+          <a:xfrm>
+            <a:off x="381000" y="685800"/>
+            <a:ext cx="6096000" cy="3429000"/>
+          </a:xfrm>
+          <a:custGeom>
+            <a:avLst/>
+            <a:gdLst/>
+            <a:ahLst/>
+            <a:cxnLst/>
+            <a:rect l="l" t="t" r="r" b="b"/>
+            <a:pathLst>
+              <a:path w="120000" h="120000" extrusionOk="0">
+                <a:moveTo>
+                  <a:pt x="0" y="0"/>
+                </a:moveTo>
+                <a:lnTo>
+                  <a:pt x="120000" y="0"/>
+                </a:lnTo>
+                <a:lnTo>
+                  <a:pt x="120000" y="120000"/>
+                </a:lnTo>
+                <a:lnTo>
+                  <a:pt x="0" y="120000"/>
+                </a:lnTo>
+                <a:close/>
+              </a:path>
+            </a:pathLst>
+          </a:custGeom>
+          <a:noFill/>
+          <a:ln w="9525" cap="flat" cmpd="sng">
+            <a:solidFill>
+              <a:srgbClr val="000000"/>
+            </a:solidFill>
+            <a:prstDash val="solid"/>
+            <a:round/>
+            <a:headEnd type="none" w="sm" len="sm"/>
+            <a:tailEnd type="none" w="sm" len="sm"/>
+          </a:ln>
+        </p:spPr>
+      </p:sp>
+      <p:sp>
+        <p:nvSpPr>
+          <p:cNvPr id="38" name="Google Shape;38;p3:notes"/>
+          <p:cNvSpPr txBox="1">
+            <a:spLocks noGrp="1"/>
+          </p:cNvSpPr>
+          <p:nvPr>
+            <p:ph type="body" idx="1"/>
+          </p:nvPr>
+        </p:nvSpPr>
+        <p:spPr>
+          <a:xfrm>
+            <a:off x="685800" y="4343400"/>
+            <a:ext cx="5486400" cy="4114800"/>
+          </a:xfrm>
+          <a:prstGeom prst="rect">
+            <a:avLst/>
+          </a:prstGeom>
+          <a:noFill/>
+          <a:ln>
+            <a:noFill/>
+          </a:ln>
+        </p:spPr>
+        <p:txBody>
+          <a:bodyPr spcFirstLastPara="1" wrap="square" lIns="91425" tIns="91425" rIns="91425" bIns="91425" anchor="t" anchorCtr="0">
+            <a:noAutofit/>
+          </a:bodyPr>
+          <a:lstStyle/>
+          <a:p>
+            <a:pPr marL="0" lvl="0" indent="0" algn="l" rtl="0">
+              <a:lnSpc>
+                <a:spcPct val="100000"/>
+              </a:lnSpc>
+              <a:spcBef>
+                <a:spcPts val="0"/>
+              </a:spcBef>
+              <a:spcAft>
+                <a:spcPts val="0"/>
+              </a:spcAft>
+              <a:buSzPts val="1400"/>
+              <a:buNone/>
+            </a:pPr>
+            <a:endParaRPr/>
+          </a:p>
+        </p:txBody>
+      </p:sp>
+    </p:spTree>
+    <p:extLst>
+      <p:ext uri="{BB962C8B-B14F-4D97-AF65-F5344CB8AC3E}">
+        <p14:creationId xmlns:p14="http://schemas.microsoft.com/office/powerpoint/2010/main" val="2433409247"/>
+      </p:ext>
+    </p:extLst>
+  </p:cSld>
+  <p:clrMapOvr>
+    <a:masterClrMapping/>
+  </p:clrMapOvr>
+</p:notes>
+</file>
+
+<file path=ppt/notesSlides/notesSlide16.xml><?xml version="1.0" encoding="utf-8"?>
+<p:notes xmlns:a="http://schemas.openxmlformats.org/drawingml/2006/main" xmlns:r="http://schemas.openxmlformats.org/officeDocument/2006/relationships" xmlns:p="http://schemas.openxmlformats.org/presentationml/2006/main" showMasterSp="0" showMasterPhAnim="0">
+  <p:cSld>
+    <p:spTree>
+      <p:nvGrpSpPr>
+        <p:cNvPr id="1" name="Shape 36"/>
+        <p:cNvGrpSpPr/>
+        <p:nvPr/>
+      </p:nvGrpSpPr>
+      <p:grpSpPr>
+        <a:xfrm>
+          <a:off x="0" y="0"/>
+          <a:ext cx="0" cy="0"/>
+          <a:chOff x="0" y="0"/>
+          <a:chExt cx="0" cy="0"/>
+        </a:xfrm>
+      </p:grpSpPr>
+      <p:sp>
+        <p:nvSpPr>
+          <p:cNvPr id="37" name="Google Shape;37;p3:notes"/>
+          <p:cNvSpPr>
+            <a:spLocks noGrp="1" noRot="1" noChangeAspect="1"/>
+          </p:cNvSpPr>
+          <p:nvPr>
+            <p:ph type="sldImg" idx="2"/>
+          </p:nvPr>
+        </p:nvSpPr>
+        <p:spPr>
+          <a:xfrm>
+            <a:off x="381000" y="685800"/>
+            <a:ext cx="6096000" cy="3429000"/>
+          </a:xfrm>
+          <a:custGeom>
+            <a:avLst/>
+            <a:gdLst/>
+            <a:ahLst/>
+            <a:cxnLst/>
+            <a:rect l="l" t="t" r="r" b="b"/>
+            <a:pathLst>
+              <a:path w="120000" h="120000" extrusionOk="0">
+                <a:moveTo>
+                  <a:pt x="0" y="0"/>
+                </a:moveTo>
+                <a:lnTo>
+                  <a:pt x="120000" y="0"/>
+                </a:lnTo>
+                <a:lnTo>
+                  <a:pt x="120000" y="120000"/>
+                </a:lnTo>
+                <a:lnTo>
+                  <a:pt x="0" y="120000"/>
+                </a:lnTo>
+                <a:close/>
+              </a:path>
+            </a:pathLst>
+          </a:custGeom>
+          <a:noFill/>
+          <a:ln w="9525" cap="flat" cmpd="sng">
+            <a:solidFill>
+              <a:srgbClr val="000000"/>
+            </a:solidFill>
+            <a:prstDash val="solid"/>
+            <a:round/>
+            <a:headEnd type="none" w="sm" len="sm"/>
+            <a:tailEnd type="none" w="sm" len="sm"/>
+          </a:ln>
+        </p:spPr>
+      </p:sp>
+      <p:sp>
+        <p:nvSpPr>
+          <p:cNvPr id="38" name="Google Shape;38;p3:notes"/>
+          <p:cNvSpPr txBox="1">
+            <a:spLocks noGrp="1"/>
+          </p:cNvSpPr>
+          <p:nvPr>
+            <p:ph type="body" idx="1"/>
+          </p:nvPr>
+        </p:nvSpPr>
+        <p:spPr>
+          <a:xfrm>
+            <a:off x="685800" y="4343400"/>
+            <a:ext cx="5486400" cy="4114800"/>
+          </a:xfrm>
+          <a:prstGeom prst="rect">
+            <a:avLst/>
+          </a:prstGeom>
+          <a:noFill/>
+          <a:ln>
+            <a:noFill/>
+          </a:ln>
+        </p:spPr>
+        <p:txBody>
+          <a:bodyPr spcFirstLastPara="1" wrap="square" lIns="91425" tIns="91425" rIns="91425" bIns="91425" anchor="t" anchorCtr="0">
+            <a:noAutofit/>
+          </a:bodyPr>
+          <a:lstStyle/>
+          <a:p>
+            <a:pPr marL="0" lvl="0" indent="0" algn="l" rtl="0">
+              <a:lnSpc>
+                <a:spcPct val="100000"/>
+              </a:lnSpc>
+              <a:spcBef>
+                <a:spcPts val="0"/>
+              </a:spcBef>
+              <a:spcAft>
+                <a:spcPts val="0"/>
+              </a:spcAft>
+              <a:buSzPts val="1400"/>
+              <a:buNone/>
+            </a:pPr>
+            <a:endParaRPr/>
+          </a:p>
+        </p:txBody>
+      </p:sp>
+    </p:spTree>
+    <p:extLst>
+      <p:ext uri="{BB962C8B-B14F-4D97-AF65-F5344CB8AC3E}">
+        <p14:creationId xmlns:p14="http://schemas.microsoft.com/office/powerpoint/2010/main" val="1006193117"/>
+      </p:ext>
+    </p:extLst>
+  </p:cSld>
+  <p:clrMapOvr>
+    <a:masterClrMapping/>
+  </p:clrMapOvr>
+</p:notes>
+</file>
+
+<file path=ppt/notesSlides/notesSlide17.xml><?xml version="1.0" encoding="utf-8"?>
+<p:notes xmlns:a="http://schemas.openxmlformats.org/drawingml/2006/main" xmlns:r="http://schemas.openxmlformats.org/officeDocument/2006/relationships" xmlns:p="http://schemas.openxmlformats.org/presentationml/2006/main" showMasterSp="0" showMasterPhAnim="0">
+  <p:cSld>
+    <p:spTree>
+      <p:nvGrpSpPr>
+        <p:cNvPr id="1" name="Shape 36"/>
+        <p:cNvGrpSpPr/>
+        <p:nvPr/>
+      </p:nvGrpSpPr>
+      <p:grpSpPr>
+        <a:xfrm>
+          <a:off x="0" y="0"/>
+          <a:ext cx="0" cy="0"/>
+          <a:chOff x="0" y="0"/>
+          <a:chExt cx="0" cy="0"/>
+        </a:xfrm>
+      </p:grpSpPr>
+      <p:sp>
+        <p:nvSpPr>
+          <p:cNvPr id="37" name="Google Shape;37;p3:notes"/>
+          <p:cNvSpPr>
+            <a:spLocks noGrp="1" noRot="1" noChangeAspect="1"/>
+          </p:cNvSpPr>
+          <p:nvPr>
+            <p:ph type="sldImg" idx="2"/>
+          </p:nvPr>
+        </p:nvSpPr>
+        <p:spPr>
+          <a:xfrm>
+            <a:off x="381000" y="685800"/>
+            <a:ext cx="6096000" cy="3429000"/>
+          </a:xfrm>
+          <a:custGeom>
+            <a:avLst/>
+            <a:gdLst/>
+            <a:ahLst/>
+            <a:cxnLst/>
+            <a:rect l="l" t="t" r="r" b="b"/>
+            <a:pathLst>
+              <a:path w="120000" h="120000" extrusionOk="0">
+                <a:moveTo>
+                  <a:pt x="0" y="0"/>
+                </a:moveTo>
+                <a:lnTo>
+                  <a:pt x="120000" y="0"/>
+                </a:lnTo>
+                <a:lnTo>
+                  <a:pt x="120000" y="120000"/>
+                </a:lnTo>
+                <a:lnTo>
+                  <a:pt x="0" y="120000"/>
+                </a:lnTo>
+                <a:close/>
+              </a:path>
+            </a:pathLst>
+          </a:custGeom>
+          <a:noFill/>
+          <a:ln w="9525" cap="flat" cmpd="sng">
+            <a:solidFill>
+              <a:srgbClr val="000000"/>
+            </a:solidFill>
+            <a:prstDash val="solid"/>
+            <a:round/>
+            <a:headEnd type="none" w="sm" len="sm"/>
+            <a:tailEnd type="none" w="sm" len="sm"/>
+          </a:ln>
+        </p:spPr>
+      </p:sp>
+      <p:sp>
+        <p:nvSpPr>
+          <p:cNvPr id="38" name="Google Shape;38;p3:notes"/>
+          <p:cNvSpPr txBox="1">
+            <a:spLocks noGrp="1"/>
+          </p:cNvSpPr>
+          <p:nvPr>
+            <p:ph type="body" idx="1"/>
+          </p:nvPr>
+        </p:nvSpPr>
+        <p:spPr>
+          <a:xfrm>
+            <a:off x="685800" y="4343400"/>
+            <a:ext cx="5486400" cy="4114800"/>
+          </a:xfrm>
+          <a:prstGeom prst="rect">
+            <a:avLst/>
+          </a:prstGeom>
+          <a:noFill/>
+          <a:ln>
+            <a:noFill/>
+          </a:ln>
+        </p:spPr>
+        <p:txBody>
+          <a:bodyPr spcFirstLastPara="1" wrap="square" lIns="91425" tIns="91425" rIns="91425" bIns="91425" anchor="t" anchorCtr="0">
+            <a:noAutofit/>
+          </a:bodyPr>
+          <a:lstStyle/>
+          <a:p>
+            <a:pPr marL="0" lvl="0" indent="0" algn="l" rtl="0">
+              <a:lnSpc>
+                <a:spcPct val="100000"/>
+              </a:lnSpc>
+              <a:spcBef>
+                <a:spcPts val="0"/>
+              </a:spcBef>
+              <a:spcAft>
+                <a:spcPts val="0"/>
+              </a:spcAft>
+              <a:buSzPts val="1400"/>
+              <a:buNone/>
+            </a:pPr>
+            <a:endParaRPr/>
+          </a:p>
+        </p:txBody>
+      </p:sp>
+    </p:spTree>
+    <p:extLst>
+      <p:ext uri="{BB962C8B-B14F-4D97-AF65-F5344CB8AC3E}">
+        <p14:creationId xmlns:p14="http://schemas.microsoft.com/office/powerpoint/2010/main" val="2102737694"/>
+      </p:ext>
+    </p:extLst>
+  </p:cSld>
+  <p:clrMapOvr>
+    <a:masterClrMapping/>
+  </p:clrMapOvr>
+</p:notes>
+</file>
+
 <file path=ppt/notesSlides/notesSlide2.xml><?xml version="1.0" encoding="utf-8"?>
 <p:notes xmlns:a="http://schemas.openxmlformats.org/drawingml/2006/main" xmlns:r="http://schemas.openxmlformats.org/officeDocument/2006/relationships" xmlns:p="http://schemas.openxmlformats.org/presentationml/2006/main" showMasterSp="0" showMasterPhAnim="0">
   <p:cSld>
@@ -1185,6 +2119,11 @@
         </p:txBody>
       </p:sp>
     </p:spTree>
+    <p:extLst>
+      <p:ext uri="{BB962C8B-B14F-4D97-AF65-F5344CB8AC3E}">
+        <p14:creationId xmlns:p14="http://schemas.microsoft.com/office/powerpoint/2010/main" val="3533292539"/>
+      </p:ext>
+    </p:extLst>
   </p:cSld>
   <p:clrMapOvr>
     <a:masterClrMapping/>
@@ -1291,7 +2230,7 @@
     </p:spTree>
     <p:extLst>
       <p:ext uri="{BB962C8B-B14F-4D97-AF65-F5344CB8AC3E}">
-        <p14:creationId xmlns:p14="http://schemas.microsoft.com/office/powerpoint/2010/main" val="2741559998"/>
+        <p14:creationId xmlns:p14="http://schemas.microsoft.com/office/powerpoint/2010/main" val="4042033373"/>
       </p:ext>
     </p:extLst>
   </p:cSld>
@@ -1400,7 +2339,7 @@
     </p:spTree>
     <p:extLst>
       <p:ext uri="{BB962C8B-B14F-4D97-AF65-F5344CB8AC3E}">
-        <p14:creationId xmlns:p14="http://schemas.microsoft.com/office/powerpoint/2010/main" val="3694601368"/>
+        <p14:creationId xmlns:p14="http://schemas.microsoft.com/office/powerpoint/2010/main" val="2741559998"/>
       </p:ext>
     </p:extLst>
   </p:cSld>
@@ -1509,7 +2448,7 @@
     </p:spTree>
     <p:extLst>
       <p:ext uri="{BB962C8B-B14F-4D97-AF65-F5344CB8AC3E}">
-        <p14:creationId xmlns:p14="http://schemas.microsoft.com/office/powerpoint/2010/main" val="3919406014"/>
+        <p14:creationId xmlns:p14="http://schemas.microsoft.com/office/powerpoint/2010/main" val="3694601368"/>
       </p:ext>
     </p:extLst>
   </p:cSld>
@@ -1524,7 +2463,7 @@
   <p:cSld>
     <p:spTree>
       <p:nvGrpSpPr>
-        <p:cNvPr id="1" name="Shape 36"/>
+        <p:cNvPr id="1" name="Shape 116"/>
         <p:cNvGrpSpPr/>
         <p:nvPr/>
       </p:nvGrpSpPr>
@@ -1538,7 +2477,7 @@
       </p:grpSpPr>
       <p:sp>
         <p:nvSpPr>
-          <p:cNvPr id="37" name="Google Shape;37;p3:notes"/>
+          <p:cNvPr id="117" name="Google Shape;117;g2429a99f062_0_112:notes"/>
           <p:cNvSpPr>
             <a:spLocks noGrp="1" noRot="1" noChangeAspect="1"/>
           </p:cNvSpPr>
@@ -1575,21 +2514,11 @@
               </a:path>
             </a:pathLst>
           </a:custGeom>
-          <a:noFill/>
-          <a:ln w="9525" cap="flat" cmpd="sng">
-            <a:solidFill>
-              <a:srgbClr val="000000"/>
-            </a:solidFill>
-            <a:prstDash val="solid"/>
-            <a:round/>
-            <a:headEnd type="none" w="sm" len="sm"/>
-            <a:tailEnd type="none" w="sm" len="sm"/>
-          </a:ln>
         </p:spPr>
       </p:sp>
       <p:sp>
         <p:nvSpPr>
-          <p:cNvPr id="38" name="Google Shape;38;p3:notes"/>
+          <p:cNvPr id="118" name="Google Shape;118;g2429a99f062_0_112:notes"/>
           <p:cNvSpPr txBox="1">
             <a:spLocks noGrp="1"/>
           </p:cNvSpPr>
@@ -1605,10 +2534,6 @@
           <a:prstGeom prst="rect">
             <a:avLst/>
           </a:prstGeom>
-          <a:noFill/>
-          <a:ln>
-            <a:noFill/>
-          </a:ln>
         </p:spPr>
         <p:txBody>
           <a:bodyPr spcFirstLastPara="1" wrap="square" lIns="91425" tIns="91425" rIns="91425" bIns="91425" anchor="t" anchorCtr="0">
@@ -1617,16 +2542,12 @@
           <a:lstStyle/>
           <a:p>
             <a:pPr marL="0" lvl="0" indent="0" algn="l" rtl="0">
-              <a:lnSpc>
-                <a:spcPct val="100000"/>
-              </a:lnSpc>
-              <a:spcBef>
-                <a:spcPts val="0"/>
-              </a:spcBef>
-              <a:spcAft>
-                <a:spcPts val="0"/>
-              </a:spcAft>
-              <a:buSzPts val="1400"/>
+              <a:spcBef>
+                <a:spcPts val="0"/>
+              </a:spcBef>
+              <a:spcAft>
+                <a:spcPts val="0"/>
+              </a:spcAft>
               <a:buNone/>
             </a:pPr>
             <a:endParaRPr/>
@@ -1636,7 +2557,7 @@
     </p:spTree>
     <p:extLst>
       <p:ext uri="{BB962C8B-B14F-4D97-AF65-F5344CB8AC3E}">
-        <p14:creationId xmlns:p14="http://schemas.microsoft.com/office/powerpoint/2010/main" val="1006193117"/>
+        <p14:creationId xmlns:p14="http://schemas.microsoft.com/office/powerpoint/2010/main" val="3919406014"/>
       </p:ext>
     </p:extLst>
   </p:cSld>
@@ -1651,7 +2572,7 @@
   <p:cSld>
     <p:spTree>
       <p:nvGrpSpPr>
-        <p:cNvPr id="1" name="Shape 36"/>
+        <p:cNvPr id="1" name="Shape 116"/>
         <p:cNvGrpSpPr/>
         <p:nvPr/>
       </p:nvGrpSpPr>
@@ -1665,7 +2586,7 @@
       </p:grpSpPr>
       <p:sp>
         <p:nvSpPr>
-          <p:cNvPr id="37" name="Google Shape;37;p3:notes"/>
+          <p:cNvPr id="117" name="Google Shape;117;g2429a99f062_0_112:notes"/>
           <p:cNvSpPr>
             <a:spLocks noGrp="1" noRot="1" noChangeAspect="1"/>
           </p:cNvSpPr>
@@ -1702,21 +2623,11 @@
               </a:path>
             </a:pathLst>
           </a:custGeom>
-          <a:noFill/>
-          <a:ln w="9525" cap="flat" cmpd="sng">
-            <a:solidFill>
-              <a:srgbClr val="000000"/>
-            </a:solidFill>
-            <a:prstDash val="solid"/>
-            <a:round/>
-            <a:headEnd type="none" w="sm" len="sm"/>
-            <a:tailEnd type="none" w="sm" len="sm"/>
-          </a:ln>
         </p:spPr>
       </p:sp>
       <p:sp>
         <p:nvSpPr>
-          <p:cNvPr id="38" name="Google Shape;38;p3:notes"/>
+          <p:cNvPr id="118" name="Google Shape;118;g2429a99f062_0_112:notes"/>
           <p:cNvSpPr txBox="1">
             <a:spLocks noGrp="1"/>
           </p:cNvSpPr>
@@ -1732,10 +2643,6 @@
           <a:prstGeom prst="rect">
             <a:avLst/>
           </a:prstGeom>
-          <a:noFill/>
-          <a:ln>
-            <a:noFill/>
-          </a:ln>
         </p:spPr>
         <p:txBody>
           <a:bodyPr spcFirstLastPara="1" wrap="square" lIns="91425" tIns="91425" rIns="91425" bIns="91425" anchor="t" anchorCtr="0">
@@ -1744,16 +2651,12 @@
           <a:lstStyle/>
           <a:p>
             <a:pPr marL="0" lvl="0" indent="0" algn="l" rtl="0">
-              <a:lnSpc>
-                <a:spcPct val="100000"/>
-              </a:lnSpc>
-              <a:spcBef>
-                <a:spcPts val="0"/>
-              </a:spcBef>
-              <a:spcAft>
-                <a:spcPts val="0"/>
-              </a:spcAft>
-              <a:buSzPts val="1400"/>
+              <a:spcBef>
+                <a:spcPts val="0"/>
+              </a:spcBef>
+              <a:spcAft>
+                <a:spcPts val="0"/>
+              </a:spcAft>
               <a:buNone/>
             </a:pPr>
             <a:endParaRPr/>
@@ -1763,7 +2666,7 @@
     </p:spTree>
     <p:extLst>
       <p:ext uri="{BB962C8B-B14F-4D97-AF65-F5344CB8AC3E}">
-        <p14:creationId xmlns:p14="http://schemas.microsoft.com/office/powerpoint/2010/main" val="2102737694"/>
+        <p14:creationId xmlns:p14="http://schemas.microsoft.com/office/powerpoint/2010/main" val="2594481904"/>
       </p:ext>
     </p:extLst>
   </p:cSld>
@@ -5764,6 +6667,3411 @@
   <p:clrMapOvr>
     <a:masterClrMapping/>
   </p:clrMapOvr>
+  <mc:AlternateContent xmlns:mc="http://schemas.openxmlformats.org/markup-compatibility/2006" xmlns:p14="http://schemas.microsoft.com/office/powerpoint/2010/main">
+    <mc:Choice Requires="p14">
+      <p:transition spd="med" p14:dur="700">
+        <p:fade/>
+      </p:transition>
+    </mc:Choice>
+    <mc:Fallback xmlns="">
+      <p:transition spd="med">
+        <p:fade/>
+      </p:transition>
+    </mc:Fallback>
+  </mc:AlternateContent>
+</p:sld>
+</file>
+
+<file path=ppt/slides/slide10.xml><?xml version="1.0" encoding="utf-8"?>
+<p:sld xmlns:a="http://schemas.openxmlformats.org/drawingml/2006/main" xmlns:r="http://schemas.openxmlformats.org/officeDocument/2006/relationships" xmlns:p="http://schemas.openxmlformats.org/presentationml/2006/main">
+  <p:cSld>
+    <p:bg>
+      <p:bgPr>
+        <a:blipFill>
+          <a:blip r:embed="rId3">
+            <a:alphaModFix/>
+          </a:blip>
+          <a:stretch>
+            <a:fillRect/>
+          </a:stretch>
+        </a:blipFill>
+        <a:effectLst/>
+      </p:bgPr>
+    </p:bg>
+    <p:spTree>
+      <p:nvGrpSpPr>
+        <p:cNvPr id="1" name="Shape 119"/>
+        <p:cNvGrpSpPr/>
+        <p:nvPr/>
+      </p:nvGrpSpPr>
+      <p:grpSpPr>
+        <a:xfrm>
+          <a:off x="0" y="0"/>
+          <a:ext cx="0" cy="0"/>
+          <a:chOff x="0" y="0"/>
+          <a:chExt cx="0" cy="0"/>
+        </a:xfrm>
+      </p:grpSpPr>
+      <p:sp>
+        <p:nvSpPr>
+          <p:cNvPr id="120" name="Google Shape;120;p18"/>
+          <p:cNvSpPr/>
+          <p:nvPr/>
+        </p:nvSpPr>
+        <p:spPr>
+          <a:xfrm>
+            <a:off x="643589" y="3671678"/>
+            <a:ext cx="1858096" cy="245400"/>
+          </a:xfrm>
+          <a:prstGeom prst="roundRect">
+            <a:avLst>
+              <a:gd name="adj" fmla="val 50000"/>
+            </a:avLst>
+          </a:prstGeom>
+          <a:solidFill>
+            <a:srgbClr val="2E3E4D"/>
+          </a:solidFill>
+          <a:ln w="9525" cap="flat" cmpd="sng">
+            <a:solidFill>
+              <a:schemeClr val="dk1"/>
+            </a:solidFill>
+            <a:prstDash val="solid"/>
+            <a:round/>
+            <a:headEnd type="none" w="sm" len="sm"/>
+            <a:tailEnd type="none" w="sm" len="sm"/>
+          </a:ln>
+        </p:spPr>
+        <p:txBody>
+          <a:bodyPr spcFirstLastPara="1" wrap="square" lIns="91425" tIns="91425" rIns="91425" bIns="91425" anchor="ctr" anchorCtr="0">
+            <a:noAutofit/>
+          </a:bodyPr>
+          <a:lstStyle/>
+          <a:p>
+            <a:pPr marL="0" lvl="0" indent="0" algn="ctr" rtl="0">
+              <a:spcBef>
+                <a:spcPts val="0"/>
+              </a:spcBef>
+              <a:spcAft>
+                <a:spcPts val="0"/>
+              </a:spcAft>
+              <a:buNone/>
+            </a:pPr>
+            <a:endParaRPr/>
+          </a:p>
+        </p:txBody>
+      </p:sp>
+      <p:sp>
+        <p:nvSpPr>
+          <p:cNvPr id="121" name="Google Shape;121;p18"/>
+          <p:cNvSpPr txBox="1"/>
+          <p:nvPr/>
+        </p:nvSpPr>
+        <p:spPr>
+          <a:xfrm>
+            <a:off x="1834687" y="404329"/>
+            <a:ext cx="5003138" cy="459000"/>
+          </a:xfrm>
+          <a:prstGeom prst="rect">
+            <a:avLst/>
+          </a:prstGeom>
+          <a:noFill/>
+          <a:ln>
+            <a:noFill/>
+          </a:ln>
+        </p:spPr>
+        <p:txBody>
+          <a:bodyPr spcFirstLastPara="1" wrap="square" lIns="91425" tIns="91425" rIns="91425" bIns="91425" anchor="t" anchorCtr="0">
+            <a:noAutofit/>
+          </a:bodyPr>
+          <a:lstStyle/>
+          <a:p>
+            <a:pPr lvl="0" algn="ctr"/>
+            <a:r>
+              <a:rPr lang="en-GB" sz="2400" b="1" dirty="0">
+                <a:latin typeface="Verdana" panose="020B0604030504040204" pitchFamily="34" charset="0"/>
+                <a:ea typeface="Verdana" panose="020B0604030504040204" pitchFamily="34" charset="0"/>
+                <a:cs typeface="Tahoma" panose="020B0604030504040204" pitchFamily="34" charset="0"/>
+                <a:sym typeface="Helvetica Neue"/>
+              </a:rPr>
+              <a:t>USER INTERFACE</a:t>
+            </a:r>
+          </a:p>
+        </p:txBody>
+      </p:sp>
+      <p:sp>
+        <p:nvSpPr>
+          <p:cNvPr id="122" name="Google Shape;122;p18"/>
+          <p:cNvSpPr txBox="1"/>
+          <p:nvPr/>
+        </p:nvSpPr>
+        <p:spPr>
+          <a:xfrm>
+            <a:off x="256918" y="1606049"/>
+            <a:ext cx="2337000" cy="2604839"/>
+          </a:xfrm>
+          <a:prstGeom prst="rect">
+            <a:avLst/>
+          </a:prstGeom>
+          <a:noFill/>
+          <a:ln>
+            <a:noFill/>
+          </a:ln>
+        </p:spPr>
+        <p:txBody>
+          <a:bodyPr spcFirstLastPara="1" wrap="square" lIns="91425" tIns="91425" rIns="91425" bIns="91425" anchor="t" anchorCtr="0">
+            <a:noAutofit/>
+          </a:bodyPr>
+          <a:lstStyle/>
+          <a:p>
+            <a:pPr marL="0" lvl="0" indent="0" algn="l" rtl="0">
+              <a:spcBef>
+                <a:spcPts val="0"/>
+              </a:spcBef>
+              <a:spcAft>
+                <a:spcPts val="0"/>
+              </a:spcAft>
+              <a:buNone/>
+            </a:pPr>
+            <a:r>
+              <a:rPr lang="en-GB" sz="1100" dirty="0">
+                <a:solidFill>
+                  <a:schemeClr val="bg1"/>
+                </a:solidFill>
+              </a:rPr>
+              <a:t>∎</a:t>
+            </a:r>
+            <a:r>
+              <a:rPr lang="en-GB" sz="1100" dirty="0">
+                <a:solidFill>
+                  <a:schemeClr val="tx1"/>
+                </a:solidFill>
+              </a:rPr>
+              <a:t>      </a:t>
+            </a:r>
+            <a:r>
+              <a:rPr lang="en-GB" sz="1100" dirty="0">
+                <a:solidFill>
+                  <a:schemeClr val="bg1"/>
+                </a:solidFill>
+              </a:rPr>
+              <a:t>  AES - 256 File Encryption</a:t>
+            </a:r>
+            <a:endParaRPr sz="1100" dirty="0">
+              <a:solidFill>
+                <a:schemeClr val="bg1"/>
+              </a:solidFill>
+            </a:endParaRPr>
+          </a:p>
+          <a:p>
+            <a:pPr marL="0" lvl="0" indent="0" algn="l" rtl="0">
+              <a:spcBef>
+                <a:spcPts val="0"/>
+              </a:spcBef>
+              <a:spcAft>
+                <a:spcPts val="0"/>
+              </a:spcAft>
+              <a:buNone/>
+            </a:pPr>
+            <a:endParaRPr sz="1100" dirty="0">
+              <a:solidFill>
+                <a:srgbClr val="FF0000"/>
+              </a:solidFill>
+            </a:endParaRPr>
+          </a:p>
+          <a:p>
+            <a:pPr marL="0" lvl="0" indent="0" algn="l" rtl="0">
+              <a:spcBef>
+                <a:spcPts val="0"/>
+              </a:spcBef>
+              <a:spcAft>
+                <a:spcPts val="0"/>
+              </a:spcAft>
+              <a:buNone/>
+            </a:pPr>
+            <a:endParaRPr sz="1100" dirty="0">
+              <a:solidFill>
+                <a:srgbClr val="FF0000"/>
+              </a:solidFill>
+            </a:endParaRPr>
+          </a:p>
+          <a:p>
+            <a:pPr marL="0" lvl="0" indent="0" algn="l" rtl="0">
+              <a:spcBef>
+                <a:spcPts val="0"/>
+              </a:spcBef>
+              <a:spcAft>
+                <a:spcPts val="0"/>
+              </a:spcAft>
+              <a:buNone/>
+            </a:pPr>
+            <a:r>
+              <a:rPr lang="en-GB" sz="1100" dirty="0">
+                <a:solidFill>
+                  <a:schemeClr val="bg1"/>
+                </a:solidFill>
+              </a:rPr>
+              <a:t>∎        AES - 256 File Decryption </a:t>
+            </a:r>
+            <a:endParaRPr sz="1100" dirty="0">
+              <a:solidFill>
+                <a:schemeClr val="bg1"/>
+              </a:solidFill>
+            </a:endParaRPr>
+          </a:p>
+          <a:p>
+            <a:pPr marL="0" lvl="0" indent="0" algn="l" rtl="0">
+              <a:spcBef>
+                <a:spcPts val="0"/>
+              </a:spcBef>
+              <a:spcAft>
+                <a:spcPts val="0"/>
+              </a:spcAft>
+              <a:buNone/>
+            </a:pPr>
+            <a:endParaRPr sz="1100" dirty="0">
+              <a:solidFill>
+                <a:schemeClr val="bg1"/>
+              </a:solidFill>
+            </a:endParaRPr>
+          </a:p>
+          <a:p>
+            <a:pPr marL="0" lvl="0" indent="0" algn="l" rtl="0">
+              <a:spcBef>
+                <a:spcPts val="0"/>
+              </a:spcBef>
+              <a:spcAft>
+                <a:spcPts val="0"/>
+              </a:spcAft>
+              <a:buNone/>
+            </a:pPr>
+            <a:endParaRPr sz="1100" dirty="0">
+              <a:solidFill>
+                <a:schemeClr val="bg1"/>
+              </a:solidFill>
+            </a:endParaRPr>
+          </a:p>
+          <a:p>
+            <a:pPr marL="0" lvl="0" indent="0" algn="l" rtl="0">
+              <a:spcBef>
+                <a:spcPts val="0"/>
+              </a:spcBef>
+              <a:spcAft>
+                <a:spcPts val="0"/>
+              </a:spcAft>
+              <a:buNone/>
+            </a:pPr>
+            <a:r>
+              <a:rPr lang="en-GB" sz="1100" dirty="0">
+                <a:solidFill>
+                  <a:schemeClr val="bg1"/>
+                </a:solidFill>
+              </a:rPr>
+              <a:t>∎        Huffman Compression</a:t>
+            </a:r>
+            <a:endParaRPr sz="1100" dirty="0">
+              <a:solidFill>
+                <a:schemeClr val="bg1"/>
+              </a:solidFill>
+            </a:endParaRPr>
+          </a:p>
+          <a:p>
+            <a:pPr marL="0" lvl="0" indent="0" algn="l" rtl="0">
+              <a:spcBef>
+                <a:spcPts val="0"/>
+              </a:spcBef>
+              <a:spcAft>
+                <a:spcPts val="0"/>
+              </a:spcAft>
+              <a:buNone/>
+            </a:pPr>
+            <a:endParaRPr sz="1100" dirty="0">
+              <a:solidFill>
+                <a:schemeClr val="bg1"/>
+              </a:solidFill>
+            </a:endParaRPr>
+          </a:p>
+          <a:p>
+            <a:pPr marL="0" lvl="0" indent="0" algn="l" rtl="0">
+              <a:spcBef>
+                <a:spcPts val="0"/>
+              </a:spcBef>
+              <a:spcAft>
+                <a:spcPts val="0"/>
+              </a:spcAft>
+              <a:buNone/>
+            </a:pPr>
+            <a:endParaRPr sz="1100" dirty="0">
+              <a:solidFill>
+                <a:schemeClr val="bg1"/>
+              </a:solidFill>
+            </a:endParaRPr>
+          </a:p>
+          <a:p>
+            <a:pPr marL="0" lvl="0" indent="0" algn="l" rtl="0">
+              <a:spcBef>
+                <a:spcPts val="0"/>
+              </a:spcBef>
+              <a:spcAft>
+                <a:spcPts val="0"/>
+              </a:spcAft>
+              <a:buNone/>
+            </a:pPr>
+            <a:r>
+              <a:rPr lang="en-GB" sz="1100" dirty="0">
+                <a:solidFill>
+                  <a:schemeClr val="bg1"/>
+                </a:solidFill>
+              </a:rPr>
+              <a:t>∎        </a:t>
+            </a:r>
+            <a:r>
+              <a:rPr lang="en-GB" sz="1100" dirty="0">
+                <a:solidFill>
+                  <a:schemeClr val="bg2"/>
+                </a:solidFill>
+              </a:rPr>
+              <a:t>Huffman Decompression</a:t>
+            </a:r>
+          </a:p>
+          <a:p>
+            <a:pPr marL="0" lvl="0" indent="0" algn="l" rtl="0">
+              <a:spcBef>
+                <a:spcPts val="0"/>
+              </a:spcBef>
+              <a:spcAft>
+                <a:spcPts val="0"/>
+              </a:spcAft>
+              <a:buNone/>
+            </a:pPr>
+            <a:endParaRPr lang="en-GB" sz="1100" dirty="0">
+              <a:solidFill>
+                <a:schemeClr val="bg2"/>
+              </a:solidFill>
+            </a:endParaRPr>
+          </a:p>
+          <a:p>
+            <a:pPr marL="0" lvl="0" indent="0" algn="l" rtl="0">
+              <a:spcBef>
+                <a:spcPts val="0"/>
+              </a:spcBef>
+              <a:spcAft>
+                <a:spcPts val="0"/>
+              </a:spcAft>
+              <a:buNone/>
+            </a:pPr>
+            <a:endParaRPr lang="en-GB" sz="1100" dirty="0">
+              <a:solidFill>
+                <a:schemeClr val="tx1"/>
+              </a:solidFill>
+            </a:endParaRPr>
+          </a:p>
+          <a:p>
+            <a:r>
+              <a:rPr lang="en-GB" sz="1100" dirty="0">
+                <a:latin typeface="Verdana" panose="020B0604030504040204" pitchFamily="34" charset="0"/>
+                <a:ea typeface="Verdana" panose="020B0604030504040204" pitchFamily="34" charset="0"/>
+              </a:rPr>
+              <a:t>∎      </a:t>
+            </a:r>
+            <a:r>
+              <a:rPr lang="en-GB" sz="1100" dirty="0">
+                <a:solidFill>
+                  <a:schemeClr val="tx1"/>
+                </a:solidFill>
+                <a:ea typeface="Verdana" panose="020B0604030504040204" pitchFamily="34" charset="0"/>
+              </a:rPr>
+              <a:t>User Interface</a:t>
+            </a:r>
+            <a:endParaRPr lang="en-GB" sz="1100" dirty="0">
+              <a:solidFill>
+                <a:schemeClr val="tx1"/>
+              </a:solidFill>
+            </a:endParaRPr>
+          </a:p>
+          <a:p>
+            <a:pPr marL="0" lvl="0" indent="0" algn="l" rtl="0">
+              <a:spcBef>
+                <a:spcPts val="0"/>
+              </a:spcBef>
+              <a:spcAft>
+                <a:spcPts val="0"/>
+              </a:spcAft>
+              <a:buNone/>
+            </a:pPr>
+            <a:endParaRPr sz="1100" dirty="0">
+              <a:solidFill>
+                <a:schemeClr val="tx1"/>
+              </a:solidFill>
+            </a:endParaRPr>
+          </a:p>
+        </p:txBody>
+      </p:sp>
+      <p:sp>
+        <p:nvSpPr>
+          <p:cNvPr id="5" name="Google Shape;123;p18">
+            <a:extLst>
+              <a:ext uri="{FF2B5EF4-FFF2-40B4-BE49-F238E27FC236}">
+                <a16:creationId xmlns:a16="http://schemas.microsoft.com/office/drawing/2014/main" id="{82792166-AD0D-47D7-8640-CB12DBE85BD7}"/>
+              </a:ext>
+            </a:extLst>
+          </p:cNvPr>
+          <p:cNvSpPr txBox="1"/>
+          <p:nvPr/>
+        </p:nvSpPr>
+        <p:spPr>
+          <a:xfrm>
+            <a:off x="3596143" y="1383089"/>
+            <a:ext cx="3161017" cy="2827800"/>
+          </a:xfrm>
+          <a:prstGeom prst="rect">
+            <a:avLst/>
+          </a:prstGeom>
+          <a:noFill/>
+          <a:ln>
+            <a:noFill/>
+          </a:ln>
+        </p:spPr>
+        <p:txBody>
+          <a:bodyPr spcFirstLastPara="1" wrap="square" lIns="91425" tIns="91425" rIns="91425" bIns="91425" anchor="t" anchorCtr="0">
+            <a:noAutofit/>
+          </a:bodyPr>
+          <a:lstStyle/>
+          <a:p>
+            <a:pPr marL="0" lvl="0" indent="0" algn="l" rtl="0">
+              <a:spcBef>
+                <a:spcPts val="0"/>
+              </a:spcBef>
+              <a:spcAft>
+                <a:spcPts val="0"/>
+              </a:spcAft>
+              <a:buNone/>
+            </a:pPr>
+            <a:r>
+              <a:rPr lang="en-US" dirty="0"/>
+              <a:t>File Path : </a:t>
+            </a:r>
+          </a:p>
+        </p:txBody>
+      </p:sp>
+      <p:sp>
+        <p:nvSpPr>
+          <p:cNvPr id="6" name="Rectangle 5">
+            <a:extLst>
+              <a:ext uri="{FF2B5EF4-FFF2-40B4-BE49-F238E27FC236}">
+                <a16:creationId xmlns:a16="http://schemas.microsoft.com/office/drawing/2014/main" id="{F660A199-0C43-45A9-A3C9-4A7D726FDB22}"/>
+              </a:ext>
+            </a:extLst>
+          </p:cNvPr>
+          <p:cNvSpPr/>
+          <p:nvPr/>
+        </p:nvSpPr>
+        <p:spPr>
+          <a:xfrm rot="5400000">
+            <a:off x="2235993" y="2482992"/>
+            <a:ext cx="1718074" cy="96440"/>
+          </a:xfrm>
+          <a:prstGeom prst="rect">
+            <a:avLst/>
+          </a:prstGeom>
+          <a:solidFill>
+            <a:srgbClr val="26303C"/>
+          </a:solidFill>
+          <a:ln/>
+        </p:spPr>
+        <p:style>
+          <a:lnRef idx="0">
+            <a:schemeClr val="accent3"/>
+          </a:lnRef>
+          <a:fillRef idx="3">
+            <a:schemeClr val="accent3"/>
+          </a:fillRef>
+          <a:effectRef idx="3">
+            <a:schemeClr val="accent3"/>
+          </a:effectRef>
+          <a:fontRef idx="minor">
+            <a:schemeClr val="lt1"/>
+          </a:fontRef>
+        </p:style>
+        <p:txBody>
+          <a:bodyPr rtlCol="0" anchor="ctr"/>
+          <a:lstStyle/>
+          <a:p>
+            <a:pPr algn="ctr"/>
+            <a:endParaRPr lang="en-US"/>
+          </a:p>
+        </p:txBody>
+      </p:sp>
+      <p:sp>
+        <p:nvSpPr>
+          <p:cNvPr id="13" name="Rectangle 12">
+            <a:extLst>
+              <a:ext uri="{FF2B5EF4-FFF2-40B4-BE49-F238E27FC236}">
+                <a16:creationId xmlns:a16="http://schemas.microsoft.com/office/drawing/2014/main" id="{E8874752-7DB6-45F7-9269-368977C6910F}"/>
+              </a:ext>
+            </a:extLst>
+          </p:cNvPr>
+          <p:cNvSpPr/>
+          <p:nvPr/>
+        </p:nvSpPr>
+        <p:spPr>
+          <a:xfrm>
+            <a:off x="3485684" y="1278731"/>
+            <a:ext cx="3042410" cy="2764632"/>
+          </a:xfrm>
+          <a:prstGeom prst="rect">
+            <a:avLst/>
+          </a:prstGeom>
+          <a:noFill/>
+          <a:ln>
+            <a:solidFill>
+              <a:schemeClr val="bg2"/>
+            </a:solidFill>
+          </a:ln>
+        </p:spPr>
+        <p:style>
+          <a:lnRef idx="2">
+            <a:schemeClr val="accent1">
+              <a:shade val="50000"/>
+            </a:schemeClr>
+          </a:lnRef>
+          <a:fillRef idx="1">
+            <a:schemeClr val="accent1"/>
+          </a:fillRef>
+          <a:effectRef idx="0">
+            <a:schemeClr val="accent1"/>
+          </a:effectRef>
+          <a:fontRef idx="minor">
+            <a:schemeClr val="lt1"/>
+          </a:fontRef>
+        </p:style>
+        <p:txBody>
+          <a:bodyPr rtlCol="0" anchor="ctr"/>
+          <a:lstStyle/>
+          <a:p>
+            <a:pPr algn="ctr"/>
+            <a:endParaRPr lang="en-US"/>
+          </a:p>
+        </p:txBody>
+      </p:sp>
+      <p:pic>
+        <p:nvPicPr>
+          <p:cNvPr id="7" name="Picture 6">
+            <a:extLst>
+              <a:ext uri="{FF2B5EF4-FFF2-40B4-BE49-F238E27FC236}">
+                <a16:creationId xmlns:a16="http://schemas.microsoft.com/office/drawing/2014/main" id="{6F0BCF03-0A4C-49AD-88C1-0C8F683ABC52}"/>
+              </a:ext>
+            </a:extLst>
+          </p:cNvPr>
+          <p:cNvPicPr>
+            <a:picLocks noChangeAspect="1"/>
+          </p:cNvPicPr>
+          <p:nvPr/>
+        </p:nvPicPr>
+        <p:blipFill>
+          <a:blip r:embed="rId4"/>
+          <a:stretch>
+            <a:fillRect/>
+          </a:stretch>
+        </p:blipFill>
+        <p:spPr>
+          <a:xfrm>
+            <a:off x="3531475" y="1918758"/>
+            <a:ext cx="2950828" cy="1484578"/>
+          </a:xfrm>
+          <a:prstGeom prst="rect">
+            <a:avLst/>
+          </a:prstGeom>
+        </p:spPr>
+      </p:pic>
+    </p:spTree>
+    <p:extLst>
+      <p:ext uri="{BB962C8B-B14F-4D97-AF65-F5344CB8AC3E}">
+        <p14:creationId xmlns:p14="http://schemas.microsoft.com/office/powerpoint/2010/main" val="1656726190"/>
+      </p:ext>
+    </p:extLst>
+  </p:cSld>
+  <p:clrMapOvr>
+    <a:masterClrMapping/>
+  </p:clrMapOvr>
+  <mc:AlternateContent xmlns:mc="http://schemas.openxmlformats.org/markup-compatibility/2006" xmlns:p159="http://schemas.microsoft.com/office/powerpoint/2015/09/main">
+    <mc:Choice Requires="p159">
+      <p:transition xmlns:p14="http://schemas.microsoft.com/office/powerpoint/2010/main" spd="slow" p14:dur="2000">
+        <p159:morph option="byObject"/>
+      </p:transition>
+    </mc:Choice>
+    <mc:Fallback xmlns="">
+      <p:transition spd="slow">
+        <p:fade/>
+      </p:transition>
+    </mc:Fallback>
+  </mc:AlternateContent>
+</p:sld>
+</file>
+
+<file path=ppt/slides/slide11.xml><?xml version="1.0" encoding="utf-8"?>
+<p:sld xmlns:a="http://schemas.openxmlformats.org/drawingml/2006/main" xmlns:r="http://schemas.openxmlformats.org/officeDocument/2006/relationships" xmlns:p="http://schemas.openxmlformats.org/presentationml/2006/main">
+  <p:cSld>
+    <p:bg>
+      <p:bgPr>
+        <a:blipFill>
+          <a:blip r:embed="rId3">
+            <a:alphaModFix/>
+          </a:blip>
+          <a:stretch>
+            <a:fillRect/>
+          </a:stretch>
+        </a:blipFill>
+        <a:effectLst/>
+      </p:bgPr>
+    </p:bg>
+    <p:spTree>
+      <p:nvGrpSpPr>
+        <p:cNvPr id="1" name="Shape 119"/>
+        <p:cNvGrpSpPr/>
+        <p:nvPr/>
+      </p:nvGrpSpPr>
+      <p:grpSpPr>
+        <a:xfrm>
+          <a:off x="0" y="0"/>
+          <a:ext cx="0" cy="0"/>
+          <a:chOff x="0" y="0"/>
+          <a:chExt cx="0" cy="0"/>
+        </a:xfrm>
+      </p:grpSpPr>
+      <p:sp>
+        <p:nvSpPr>
+          <p:cNvPr id="120" name="Google Shape;120;p18"/>
+          <p:cNvSpPr/>
+          <p:nvPr/>
+        </p:nvSpPr>
+        <p:spPr>
+          <a:xfrm>
+            <a:off x="643589" y="3671678"/>
+            <a:ext cx="1858096" cy="245400"/>
+          </a:xfrm>
+          <a:prstGeom prst="roundRect">
+            <a:avLst>
+              <a:gd name="adj" fmla="val 50000"/>
+            </a:avLst>
+          </a:prstGeom>
+          <a:solidFill>
+            <a:srgbClr val="2E3E4D"/>
+          </a:solidFill>
+          <a:ln w="9525" cap="flat" cmpd="sng">
+            <a:solidFill>
+              <a:schemeClr val="dk1"/>
+            </a:solidFill>
+            <a:prstDash val="solid"/>
+            <a:round/>
+            <a:headEnd type="none" w="sm" len="sm"/>
+            <a:tailEnd type="none" w="sm" len="sm"/>
+          </a:ln>
+        </p:spPr>
+        <p:txBody>
+          <a:bodyPr spcFirstLastPara="1" wrap="square" lIns="91425" tIns="91425" rIns="91425" bIns="91425" anchor="ctr" anchorCtr="0">
+            <a:noAutofit/>
+          </a:bodyPr>
+          <a:lstStyle/>
+          <a:p>
+            <a:pPr marL="0" lvl="0" indent="0" algn="ctr" rtl="0">
+              <a:spcBef>
+                <a:spcPts val="0"/>
+              </a:spcBef>
+              <a:spcAft>
+                <a:spcPts val="0"/>
+              </a:spcAft>
+              <a:buNone/>
+            </a:pPr>
+            <a:endParaRPr/>
+          </a:p>
+        </p:txBody>
+      </p:sp>
+      <p:sp>
+        <p:nvSpPr>
+          <p:cNvPr id="121" name="Google Shape;121;p18"/>
+          <p:cNvSpPr txBox="1"/>
+          <p:nvPr/>
+        </p:nvSpPr>
+        <p:spPr>
+          <a:xfrm>
+            <a:off x="1834687" y="404329"/>
+            <a:ext cx="5003138" cy="459000"/>
+          </a:xfrm>
+          <a:prstGeom prst="rect">
+            <a:avLst/>
+          </a:prstGeom>
+          <a:noFill/>
+          <a:ln>
+            <a:noFill/>
+          </a:ln>
+        </p:spPr>
+        <p:txBody>
+          <a:bodyPr spcFirstLastPara="1" wrap="square" lIns="91425" tIns="91425" rIns="91425" bIns="91425" anchor="t" anchorCtr="0">
+            <a:noAutofit/>
+          </a:bodyPr>
+          <a:lstStyle/>
+          <a:p>
+            <a:pPr lvl="0" algn="ctr"/>
+            <a:r>
+              <a:rPr lang="en-GB" sz="2400" b="1" dirty="0">
+                <a:latin typeface="Verdana" panose="020B0604030504040204" pitchFamily="34" charset="0"/>
+                <a:ea typeface="Verdana" panose="020B0604030504040204" pitchFamily="34" charset="0"/>
+                <a:cs typeface="Tahoma" panose="020B0604030504040204" pitchFamily="34" charset="0"/>
+                <a:sym typeface="Helvetica Neue"/>
+              </a:rPr>
+              <a:t>USER INTERFACE</a:t>
+            </a:r>
+          </a:p>
+        </p:txBody>
+      </p:sp>
+      <p:sp>
+        <p:nvSpPr>
+          <p:cNvPr id="122" name="Google Shape;122;p18"/>
+          <p:cNvSpPr txBox="1"/>
+          <p:nvPr/>
+        </p:nvSpPr>
+        <p:spPr>
+          <a:xfrm>
+            <a:off x="256918" y="1606049"/>
+            <a:ext cx="2337000" cy="2604839"/>
+          </a:xfrm>
+          <a:prstGeom prst="rect">
+            <a:avLst/>
+          </a:prstGeom>
+          <a:noFill/>
+          <a:ln>
+            <a:noFill/>
+          </a:ln>
+        </p:spPr>
+        <p:txBody>
+          <a:bodyPr spcFirstLastPara="1" wrap="square" lIns="91425" tIns="91425" rIns="91425" bIns="91425" anchor="t" anchorCtr="0">
+            <a:noAutofit/>
+          </a:bodyPr>
+          <a:lstStyle/>
+          <a:p>
+            <a:pPr marL="0" lvl="0" indent="0" algn="l" rtl="0">
+              <a:spcBef>
+                <a:spcPts val="0"/>
+              </a:spcBef>
+              <a:spcAft>
+                <a:spcPts val="0"/>
+              </a:spcAft>
+              <a:buNone/>
+            </a:pPr>
+            <a:r>
+              <a:rPr lang="en-GB" sz="1100" dirty="0">
+                <a:solidFill>
+                  <a:schemeClr val="bg1"/>
+                </a:solidFill>
+              </a:rPr>
+              <a:t>∎</a:t>
+            </a:r>
+            <a:r>
+              <a:rPr lang="en-GB" sz="1100" dirty="0">
+                <a:solidFill>
+                  <a:schemeClr val="tx1"/>
+                </a:solidFill>
+              </a:rPr>
+              <a:t>      </a:t>
+            </a:r>
+            <a:r>
+              <a:rPr lang="en-GB" sz="1100" dirty="0">
+                <a:solidFill>
+                  <a:schemeClr val="bg1"/>
+                </a:solidFill>
+              </a:rPr>
+              <a:t>  AES - 256 File Encryption</a:t>
+            </a:r>
+            <a:endParaRPr sz="1100" dirty="0">
+              <a:solidFill>
+                <a:schemeClr val="bg1"/>
+              </a:solidFill>
+            </a:endParaRPr>
+          </a:p>
+          <a:p>
+            <a:pPr marL="0" lvl="0" indent="0" algn="l" rtl="0">
+              <a:spcBef>
+                <a:spcPts val="0"/>
+              </a:spcBef>
+              <a:spcAft>
+                <a:spcPts val="0"/>
+              </a:spcAft>
+              <a:buNone/>
+            </a:pPr>
+            <a:endParaRPr sz="1100" dirty="0">
+              <a:solidFill>
+                <a:srgbClr val="FF0000"/>
+              </a:solidFill>
+            </a:endParaRPr>
+          </a:p>
+          <a:p>
+            <a:pPr marL="0" lvl="0" indent="0" algn="l" rtl="0">
+              <a:spcBef>
+                <a:spcPts val="0"/>
+              </a:spcBef>
+              <a:spcAft>
+                <a:spcPts val="0"/>
+              </a:spcAft>
+              <a:buNone/>
+            </a:pPr>
+            <a:endParaRPr sz="1100" dirty="0">
+              <a:solidFill>
+                <a:srgbClr val="FF0000"/>
+              </a:solidFill>
+            </a:endParaRPr>
+          </a:p>
+          <a:p>
+            <a:pPr marL="0" lvl="0" indent="0" algn="l" rtl="0">
+              <a:spcBef>
+                <a:spcPts val="0"/>
+              </a:spcBef>
+              <a:spcAft>
+                <a:spcPts val="0"/>
+              </a:spcAft>
+              <a:buNone/>
+            </a:pPr>
+            <a:r>
+              <a:rPr lang="en-GB" sz="1100" dirty="0">
+                <a:solidFill>
+                  <a:schemeClr val="bg1"/>
+                </a:solidFill>
+              </a:rPr>
+              <a:t>∎        AES - 256 File Decryption </a:t>
+            </a:r>
+            <a:endParaRPr sz="1100" dirty="0">
+              <a:solidFill>
+                <a:schemeClr val="bg1"/>
+              </a:solidFill>
+            </a:endParaRPr>
+          </a:p>
+          <a:p>
+            <a:pPr marL="0" lvl="0" indent="0" algn="l" rtl="0">
+              <a:spcBef>
+                <a:spcPts val="0"/>
+              </a:spcBef>
+              <a:spcAft>
+                <a:spcPts val="0"/>
+              </a:spcAft>
+              <a:buNone/>
+            </a:pPr>
+            <a:endParaRPr sz="1100" dirty="0">
+              <a:solidFill>
+                <a:schemeClr val="bg1"/>
+              </a:solidFill>
+            </a:endParaRPr>
+          </a:p>
+          <a:p>
+            <a:pPr marL="0" lvl="0" indent="0" algn="l" rtl="0">
+              <a:spcBef>
+                <a:spcPts val="0"/>
+              </a:spcBef>
+              <a:spcAft>
+                <a:spcPts val="0"/>
+              </a:spcAft>
+              <a:buNone/>
+            </a:pPr>
+            <a:endParaRPr sz="1100" dirty="0">
+              <a:solidFill>
+                <a:schemeClr val="bg1"/>
+              </a:solidFill>
+            </a:endParaRPr>
+          </a:p>
+          <a:p>
+            <a:pPr marL="0" lvl="0" indent="0" algn="l" rtl="0">
+              <a:spcBef>
+                <a:spcPts val="0"/>
+              </a:spcBef>
+              <a:spcAft>
+                <a:spcPts val="0"/>
+              </a:spcAft>
+              <a:buNone/>
+            </a:pPr>
+            <a:r>
+              <a:rPr lang="en-GB" sz="1100" dirty="0">
+                <a:solidFill>
+                  <a:schemeClr val="bg1"/>
+                </a:solidFill>
+              </a:rPr>
+              <a:t>∎        Huffman Compression</a:t>
+            </a:r>
+            <a:endParaRPr sz="1100" dirty="0">
+              <a:solidFill>
+                <a:schemeClr val="bg1"/>
+              </a:solidFill>
+            </a:endParaRPr>
+          </a:p>
+          <a:p>
+            <a:pPr marL="0" lvl="0" indent="0" algn="l" rtl="0">
+              <a:spcBef>
+                <a:spcPts val="0"/>
+              </a:spcBef>
+              <a:spcAft>
+                <a:spcPts val="0"/>
+              </a:spcAft>
+              <a:buNone/>
+            </a:pPr>
+            <a:endParaRPr sz="1100" dirty="0">
+              <a:solidFill>
+                <a:schemeClr val="bg1"/>
+              </a:solidFill>
+            </a:endParaRPr>
+          </a:p>
+          <a:p>
+            <a:pPr marL="0" lvl="0" indent="0" algn="l" rtl="0">
+              <a:spcBef>
+                <a:spcPts val="0"/>
+              </a:spcBef>
+              <a:spcAft>
+                <a:spcPts val="0"/>
+              </a:spcAft>
+              <a:buNone/>
+            </a:pPr>
+            <a:endParaRPr sz="1100" dirty="0">
+              <a:solidFill>
+                <a:schemeClr val="bg1"/>
+              </a:solidFill>
+            </a:endParaRPr>
+          </a:p>
+          <a:p>
+            <a:pPr marL="0" lvl="0" indent="0" algn="l" rtl="0">
+              <a:spcBef>
+                <a:spcPts val="0"/>
+              </a:spcBef>
+              <a:spcAft>
+                <a:spcPts val="0"/>
+              </a:spcAft>
+              <a:buNone/>
+            </a:pPr>
+            <a:r>
+              <a:rPr lang="en-GB" sz="1100" dirty="0">
+                <a:solidFill>
+                  <a:schemeClr val="bg1"/>
+                </a:solidFill>
+              </a:rPr>
+              <a:t>∎        </a:t>
+            </a:r>
+            <a:r>
+              <a:rPr lang="en-GB" sz="1100" dirty="0">
+                <a:solidFill>
+                  <a:schemeClr val="bg2"/>
+                </a:solidFill>
+              </a:rPr>
+              <a:t>Huffman Decompression</a:t>
+            </a:r>
+          </a:p>
+          <a:p>
+            <a:pPr marL="0" lvl="0" indent="0" algn="l" rtl="0">
+              <a:spcBef>
+                <a:spcPts val="0"/>
+              </a:spcBef>
+              <a:spcAft>
+                <a:spcPts val="0"/>
+              </a:spcAft>
+              <a:buNone/>
+            </a:pPr>
+            <a:endParaRPr lang="en-GB" sz="1100" dirty="0">
+              <a:solidFill>
+                <a:schemeClr val="bg2"/>
+              </a:solidFill>
+            </a:endParaRPr>
+          </a:p>
+          <a:p>
+            <a:pPr marL="0" lvl="0" indent="0" algn="l" rtl="0">
+              <a:spcBef>
+                <a:spcPts val="0"/>
+              </a:spcBef>
+              <a:spcAft>
+                <a:spcPts val="0"/>
+              </a:spcAft>
+              <a:buNone/>
+            </a:pPr>
+            <a:endParaRPr lang="en-GB" sz="1100" dirty="0">
+              <a:solidFill>
+                <a:schemeClr val="tx1"/>
+              </a:solidFill>
+            </a:endParaRPr>
+          </a:p>
+          <a:p>
+            <a:r>
+              <a:rPr lang="en-GB" sz="1100" dirty="0">
+                <a:latin typeface="Verdana" panose="020B0604030504040204" pitchFamily="34" charset="0"/>
+                <a:ea typeface="Verdana" panose="020B0604030504040204" pitchFamily="34" charset="0"/>
+              </a:rPr>
+              <a:t>∎      </a:t>
+            </a:r>
+            <a:r>
+              <a:rPr lang="en-GB" sz="1100" dirty="0">
+                <a:solidFill>
+                  <a:schemeClr val="tx1"/>
+                </a:solidFill>
+                <a:ea typeface="Verdana" panose="020B0604030504040204" pitchFamily="34" charset="0"/>
+              </a:rPr>
+              <a:t>User Interface</a:t>
+            </a:r>
+            <a:endParaRPr lang="en-GB" sz="1100" dirty="0">
+              <a:solidFill>
+                <a:schemeClr val="tx1"/>
+              </a:solidFill>
+            </a:endParaRPr>
+          </a:p>
+          <a:p>
+            <a:pPr marL="0" lvl="0" indent="0" algn="l" rtl="0">
+              <a:spcBef>
+                <a:spcPts val="0"/>
+              </a:spcBef>
+              <a:spcAft>
+                <a:spcPts val="0"/>
+              </a:spcAft>
+              <a:buNone/>
+            </a:pPr>
+            <a:endParaRPr sz="1100" dirty="0">
+              <a:solidFill>
+                <a:schemeClr val="tx1"/>
+              </a:solidFill>
+            </a:endParaRPr>
+          </a:p>
+        </p:txBody>
+      </p:sp>
+      <p:sp>
+        <p:nvSpPr>
+          <p:cNvPr id="5" name="Google Shape;123;p18">
+            <a:extLst>
+              <a:ext uri="{FF2B5EF4-FFF2-40B4-BE49-F238E27FC236}">
+                <a16:creationId xmlns:a16="http://schemas.microsoft.com/office/drawing/2014/main" id="{82792166-AD0D-47D7-8640-CB12DBE85BD7}"/>
+              </a:ext>
+            </a:extLst>
+          </p:cNvPr>
+          <p:cNvSpPr txBox="1"/>
+          <p:nvPr/>
+        </p:nvSpPr>
+        <p:spPr>
+          <a:xfrm>
+            <a:off x="3596143" y="1383089"/>
+            <a:ext cx="3161017" cy="2827800"/>
+          </a:xfrm>
+          <a:prstGeom prst="rect">
+            <a:avLst/>
+          </a:prstGeom>
+          <a:noFill/>
+          <a:ln>
+            <a:noFill/>
+          </a:ln>
+        </p:spPr>
+        <p:txBody>
+          <a:bodyPr spcFirstLastPara="1" wrap="square" lIns="91425" tIns="91425" rIns="91425" bIns="91425" anchor="t" anchorCtr="0">
+            <a:noAutofit/>
+          </a:bodyPr>
+          <a:lstStyle/>
+          <a:p>
+            <a:pPr marL="0" lvl="0" indent="0" algn="l" rtl="0">
+              <a:spcBef>
+                <a:spcPts val="0"/>
+              </a:spcBef>
+              <a:spcAft>
+                <a:spcPts val="0"/>
+              </a:spcAft>
+              <a:buNone/>
+            </a:pPr>
+            <a:r>
+              <a:rPr lang="en-US" dirty="0"/>
+              <a:t>Encryption : </a:t>
+            </a:r>
+          </a:p>
+        </p:txBody>
+      </p:sp>
+      <p:sp>
+        <p:nvSpPr>
+          <p:cNvPr id="6" name="Rectangle 5">
+            <a:extLst>
+              <a:ext uri="{FF2B5EF4-FFF2-40B4-BE49-F238E27FC236}">
+                <a16:creationId xmlns:a16="http://schemas.microsoft.com/office/drawing/2014/main" id="{F660A199-0C43-45A9-A3C9-4A7D726FDB22}"/>
+              </a:ext>
+            </a:extLst>
+          </p:cNvPr>
+          <p:cNvSpPr/>
+          <p:nvPr/>
+        </p:nvSpPr>
+        <p:spPr>
+          <a:xfrm rot="5400000">
+            <a:off x="2235993" y="2482992"/>
+            <a:ext cx="1718074" cy="96440"/>
+          </a:xfrm>
+          <a:prstGeom prst="rect">
+            <a:avLst/>
+          </a:prstGeom>
+          <a:solidFill>
+            <a:srgbClr val="26303C"/>
+          </a:solidFill>
+          <a:ln/>
+        </p:spPr>
+        <p:style>
+          <a:lnRef idx="0">
+            <a:schemeClr val="accent3"/>
+          </a:lnRef>
+          <a:fillRef idx="3">
+            <a:schemeClr val="accent3"/>
+          </a:fillRef>
+          <a:effectRef idx="3">
+            <a:schemeClr val="accent3"/>
+          </a:effectRef>
+          <a:fontRef idx="minor">
+            <a:schemeClr val="lt1"/>
+          </a:fontRef>
+        </p:style>
+        <p:txBody>
+          <a:bodyPr rtlCol="0" anchor="ctr"/>
+          <a:lstStyle/>
+          <a:p>
+            <a:pPr algn="ctr"/>
+            <a:endParaRPr lang="en-US"/>
+          </a:p>
+        </p:txBody>
+      </p:sp>
+      <p:sp>
+        <p:nvSpPr>
+          <p:cNvPr id="13" name="Rectangle 12">
+            <a:extLst>
+              <a:ext uri="{FF2B5EF4-FFF2-40B4-BE49-F238E27FC236}">
+                <a16:creationId xmlns:a16="http://schemas.microsoft.com/office/drawing/2014/main" id="{E8874752-7DB6-45F7-9269-368977C6910F}"/>
+              </a:ext>
+            </a:extLst>
+          </p:cNvPr>
+          <p:cNvSpPr/>
+          <p:nvPr/>
+        </p:nvSpPr>
+        <p:spPr>
+          <a:xfrm>
+            <a:off x="3485684" y="1278731"/>
+            <a:ext cx="3042410" cy="2764632"/>
+          </a:xfrm>
+          <a:prstGeom prst="rect">
+            <a:avLst/>
+          </a:prstGeom>
+          <a:noFill/>
+          <a:ln>
+            <a:solidFill>
+              <a:schemeClr val="bg2"/>
+            </a:solidFill>
+          </a:ln>
+        </p:spPr>
+        <p:style>
+          <a:lnRef idx="2">
+            <a:schemeClr val="accent1">
+              <a:shade val="50000"/>
+            </a:schemeClr>
+          </a:lnRef>
+          <a:fillRef idx="1">
+            <a:schemeClr val="accent1"/>
+          </a:fillRef>
+          <a:effectRef idx="0">
+            <a:schemeClr val="accent1"/>
+          </a:effectRef>
+          <a:fontRef idx="minor">
+            <a:schemeClr val="lt1"/>
+          </a:fontRef>
+        </p:style>
+        <p:txBody>
+          <a:bodyPr rtlCol="0" anchor="ctr"/>
+          <a:lstStyle/>
+          <a:p>
+            <a:pPr algn="ctr"/>
+            <a:endParaRPr lang="en-US"/>
+          </a:p>
+        </p:txBody>
+      </p:sp>
+      <p:pic>
+        <p:nvPicPr>
+          <p:cNvPr id="3" name="Picture 2">
+            <a:extLst>
+              <a:ext uri="{FF2B5EF4-FFF2-40B4-BE49-F238E27FC236}">
+                <a16:creationId xmlns:a16="http://schemas.microsoft.com/office/drawing/2014/main" id="{D2FA896D-F5AE-4326-B390-EB2FEBE1C149}"/>
+              </a:ext>
+            </a:extLst>
+          </p:cNvPr>
+          <p:cNvPicPr>
+            <a:picLocks noChangeAspect="1"/>
+          </p:cNvPicPr>
+          <p:nvPr/>
+        </p:nvPicPr>
+        <p:blipFill>
+          <a:blip r:embed="rId4"/>
+          <a:stretch>
+            <a:fillRect/>
+          </a:stretch>
+        </p:blipFill>
+        <p:spPr>
+          <a:xfrm>
+            <a:off x="4906517" y="1480528"/>
+            <a:ext cx="1476697" cy="2436550"/>
+          </a:xfrm>
+          <a:prstGeom prst="rect">
+            <a:avLst/>
+          </a:prstGeom>
+        </p:spPr>
+      </p:pic>
+    </p:spTree>
+    <p:extLst>
+      <p:ext uri="{BB962C8B-B14F-4D97-AF65-F5344CB8AC3E}">
+        <p14:creationId xmlns:p14="http://schemas.microsoft.com/office/powerpoint/2010/main" val="1823485317"/>
+      </p:ext>
+    </p:extLst>
+  </p:cSld>
+  <p:clrMapOvr>
+    <a:masterClrMapping/>
+  </p:clrMapOvr>
+  <mc:AlternateContent xmlns:mc="http://schemas.openxmlformats.org/markup-compatibility/2006" xmlns:p159="http://schemas.microsoft.com/office/powerpoint/2015/09/main">
+    <mc:Choice Requires="p159">
+      <p:transition xmlns:p14="http://schemas.microsoft.com/office/powerpoint/2010/main" spd="slow" p14:dur="2000">
+        <p159:morph option="byObject"/>
+      </p:transition>
+    </mc:Choice>
+    <mc:Fallback xmlns="">
+      <p:transition spd="slow">
+        <p:fade/>
+      </p:transition>
+    </mc:Fallback>
+  </mc:AlternateContent>
+</p:sld>
+</file>
+
+<file path=ppt/slides/slide12.xml><?xml version="1.0" encoding="utf-8"?>
+<p:sld xmlns:a="http://schemas.openxmlformats.org/drawingml/2006/main" xmlns:r="http://schemas.openxmlformats.org/officeDocument/2006/relationships" xmlns:p="http://schemas.openxmlformats.org/presentationml/2006/main">
+  <p:cSld>
+    <p:bg>
+      <p:bgPr>
+        <a:blipFill>
+          <a:blip r:embed="rId3">
+            <a:alphaModFix/>
+          </a:blip>
+          <a:stretch>
+            <a:fillRect/>
+          </a:stretch>
+        </a:blipFill>
+        <a:effectLst/>
+      </p:bgPr>
+    </p:bg>
+    <p:spTree>
+      <p:nvGrpSpPr>
+        <p:cNvPr id="1" name="Shape 119"/>
+        <p:cNvGrpSpPr/>
+        <p:nvPr/>
+      </p:nvGrpSpPr>
+      <p:grpSpPr>
+        <a:xfrm>
+          <a:off x="0" y="0"/>
+          <a:ext cx="0" cy="0"/>
+          <a:chOff x="0" y="0"/>
+          <a:chExt cx="0" cy="0"/>
+        </a:xfrm>
+      </p:grpSpPr>
+      <p:sp>
+        <p:nvSpPr>
+          <p:cNvPr id="120" name="Google Shape;120;p18"/>
+          <p:cNvSpPr/>
+          <p:nvPr/>
+        </p:nvSpPr>
+        <p:spPr>
+          <a:xfrm>
+            <a:off x="643589" y="3671678"/>
+            <a:ext cx="1858096" cy="245400"/>
+          </a:xfrm>
+          <a:prstGeom prst="roundRect">
+            <a:avLst>
+              <a:gd name="adj" fmla="val 50000"/>
+            </a:avLst>
+          </a:prstGeom>
+          <a:solidFill>
+            <a:srgbClr val="2E3E4D"/>
+          </a:solidFill>
+          <a:ln w="9525" cap="flat" cmpd="sng">
+            <a:solidFill>
+              <a:schemeClr val="dk1"/>
+            </a:solidFill>
+            <a:prstDash val="solid"/>
+            <a:round/>
+            <a:headEnd type="none" w="sm" len="sm"/>
+            <a:tailEnd type="none" w="sm" len="sm"/>
+          </a:ln>
+        </p:spPr>
+        <p:txBody>
+          <a:bodyPr spcFirstLastPara="1" wrap="square" lIns="91425" tIns="91425" rIns="91425" bIns="91425" anchor="ctr" anchorCtr="0">
+            <a:noAutofit/>
+          </a:bodyPr>
+          <a:lstStyle/>
+          <a:p>
+            <a:pPr marL="0" lvl="0" indent="0" algn="ctr" rtl="0">
+              <a:spcBef>
+                <a:spcPts val="0"/>
+              </a:spcBef>
+              <a:spcAft>
+                <a:spcPts val="0"/>
+              </a:spcAft>
+              <a:buNone/>
+            </a:pPr>
+            <a:endParaRPr/>
+          </a:p>
+        </p:txBody>
+      </p:sp>
+      <p:sp>
+        <p:nvSpPr>
+          <p:cNvPr id="121" name="Google Shape;121;p18"/>
+          <p:cNvSpPr txBox="1"/>
+          <p:nvPr/>
+        </p:nvSpPr>
+        <p:spPr>
+          <a:xfrm>
+            <a:off x="1834687" y="404329"/>
+            <a:ext cx="5003138" cy="459000"/>
+          </a:xfrm>
+          <a:prstGeom prst="rect">
+            <a:avLst/>
+          </a:prstGeom>
+          <a:noFill/>
+          <a:ln>
+            <a:noFill/>
+          </a:ln>
+        </p:spPr>
+        <p:txBody>
+          <a:bodyPr spcFirstLastPara="1" wrap="square" lIns="91425" tIns="91425" rIns="91425" bIns="91425" anchor="t" anchorCtr="0">
+            <a:noAutofit/>
+          </a:bodyPr>
+          <a:lstStyle/>
+          <a:p>
+            <a:pPr lvl="0" algn="ctr"/>
+            <a:r>
+              <a:rPr lang="en-GB" sz="2400" b="1" dirty="0">
+                <a:latin typeface="Verdana" panose="020B0604030504040204" pitchFamily="34" charset="0"/>
+                <a:ea typeface="Verdana" panose="020B0604030504040204" pitchFamily="34" charset="0"/>
+                <a:cs typeface="Tahoma" panose="020B0604030504040204" pitchFamily="34" charset="0"/>
+                <a:sym typeface="Helvetica Neue"/>
+              </a:rPr>
+              <a:t>USER INTERFACE</a:t>
+            </a:r>
+          </a:p>
+        </p:txBody>
+      </p:sp>
+      <p:sp>
+        <p:nvSpPr>
+          <p:cNvPr id="122" name="Google Shape;122;p18"/>
+          <p:cNvSpPr txBox="1"/>
+          <p:nvPr/>
+        </p:nvSpPr>
+        <p:spPr>
+          <a:xfrm>
+            <a:off x="256918" y="1606049"/>
+            <a:ext cx="2337000" cy="2604839"/>
+          </a:xfrm>
+          <a:prstGeom prst="rect">
+            <a:avLst/>
+          </a:prstGeom>
+          <a:noFill/>
+          <a:ln>
+            <a:noFill/>
+          </a:ln>
+        </p:spPr>
+        <p:txBody>
+          <a:bodyPr spcFirstLastPara="1" wrap="square" lIns="91425" tIns="91425" rIns="91425" bIns="91425" anchor="t" anchorCtr="0">
+            <a:noAutofit/>
+          </a:bodyPr>
+          <a:lstStyle/>
+          <a:p>
+            <a:pPr marL="0" lvl="0" indent="0" algn="l" rtl="0">
+              <a:spcBef>
+                <a:spcPts val="0"/>
+              </a:spcBef>
+              <a:spcAft>
+                <a:spcPts val="0"/>
+              </a:spcAft>
+              <a:buNone/>
+            </a:pPr>
+            <a:r>
+              <a:rPr lang="en-GB" sz="1100" dirty="0">
+                <a:solidFill>
+                  <a:schemeClr val="bg1"/>
+                </a:solidFill>
+              </a:rPr>
+              <a:t>∎</a:t>
+            </a:r>
+            <a:r>
+              <a:rPr lang="en-GB" sz="1100" dirty="0">
+                <a:solidFill>
+                  <a:schemeClr val="tx1"/>
+                </a:solidFill>
+              </a:rPr>
+              <a:t>      </a:t>
+            </a:r>
+            <a:r>
+              <a:rPr lang="en-GB" sz="1100" dirty="0">
+                <a:solidFill>
+                  <a:schemeClr val="bg1"/>
+                </a:solidFill>
+              </a:rPr>
+              <a:t>  AES - 256 File Encryption</a:t>
+            </a:r>
+            <a:endParaRPr sz="1100" dirty="0">
+              <a:solidFill>
+                <a:schemeClr val="bg1"/>
+              </a:solidFill>
+            </a:endParaRPr>
+          </a:p>
+          <a:p>
+            <a:pPr marL="0" lvl="0" indent="0" algn="l" rtl="0">
+              <a:spcBef>
+                <a:spcPts val="0"/>
+              </a:spcBef>
+              <a:spcAft>
+                <a:spcPts val="0"/>
+              </a:spcAft>
+              <a:buNone/>
+            </a:pPr>
+            <a:endParaRPr sz="1100" dirty="0">
+              <a:solidFill>
+                <a:srgbClr val="FF0000"/>
+              </a:solidFill>
+            </a:endParaRPr>
+          </a:p>
+          <a:p>
+            <a:pPr marL="0" lvl="0" indent="0" algn="l" rtl="0">
+              <a:spcBef>
+                <a:spcPts val="0"/>
+              </a:spcBef>
+              <a:spcAft>
+                <a:spcPts val="0"/>
+              </a:spcAft>
+              <a:buNone/>
+            </a:pPr>
+            <a:endParaRPr sz="1100" dirty="0">
+              <a:solidFill>
+                <a:srgbClr val="FF0000"/>
+              </a:solidFill>
+            </a:endParaRPr>
+          </a:p>
+          <a:p>
+            <a:pPr marL="0" lvl="0" indent="0" algn="l" rtl="0">
+              <a:spcBef>
+                <a:spcPts val="0"/>
+              </a:spcBef>
+              <a:spcAft>
+                <a:spcPts val="0"/>
+              </a:spcAft>
+              <a:buNone/>
+            </a:pPr>
+            <a:r>
+              <a:rPr lang="en-GB" sz="1100" dirty="0">
+                <a:solidFill>
+                  <a:schemeClr val="bg1"/>
+                </a:solidFill>
+              </a:rPr>
+              <a:t>∎        AES - 256 File Decryption </a:t>
+            </a:r>
+            <a:endParaRPr sz="1100" dirty="0">
+              <a:solidFill>
+                <a:schemeClr val="bg1"/>
+              </a:solidFill>
+            </a:endParaRPr>
+          </a:p>
+          <a:p>
+            <a:pPr marL="0" lvl="0" indent="0" algn="l" rtl="0">
+              <a:spcBef>
+                <a:spcPts val="0"/>
+              </a:spcBef>
+              <a:spcAft>
+                <a:spcPts val="0"/>
+              </a:spcAft>
+              <a:buNone/>
+            </a:pPr>
+            <a:endParaRPr sz="1100" dirty="0">
+              <a:solidFill>
+                <a:schemeClr val="bg1"/>
+              </a:solidFill>
+            </a:endParaRPr>
+          </a:p>
+          <a:p>
+            <a:pPr marL="0" lvl="0" indent="0" algn="l" rtl="0">
+              <a:spcBef>
+                <a:spcPts val="0"/>
+              </a:spcBef>
+              <a:spcAft>
+                <a:spcPts val="0"/>
+              </a:spcAft>
+              <a:buNone/>
+            </a:pPr>
+            <a:endParaRPr sz="1100" dirty="0">
+              <a:solidFill>
+                <a:schemeClr val="bg1"/>
+              </a:solidFill>
+            </a:endParaRPr>
+          </a:p>
+          <a:p>
+            <a:pPr marL="0" lvl="0" indent="0" algn="l" rtl="0">
+              <a:spcBef>
+                <a:spcPts val="0"/>
+              </a:spcBef>
+              <a:spcAft>
+                <a:spcPts val="0"/>
+              </a:spcAft>
+              <a:buNone/>
+            </a:pPr>
+            <a:r>
+              <a:rPr lang="en-GB" sz="1100" dirty="0">
+                <a:solidFill>
+                  <a:schemeClr val="bg1"/>
+                </a:solidFill>
+              </a:rPr>
+              <a:t>∎        Huffman Compression</a:t>
+            </a:r>
+            <a:endParaRPr sz="1100" dirty="0">
+              <a:solidFill>
+                <a:schemeClr val="bg1"/>
+              </a:solidFill>
+            </a:endParaRPr>
+          </a:p>
+          <a:p>
+            <a:pPr marL="0" lvl="0" indent="0" algn="l" rtl="0">
+              <a:spcBef>
+                <a:spcPts val="0"/>
+              </a:spcBef>
+              <a:spcAft>
+                <a:spcPts val="0"/>
+              </a:spcAft>
+              <a:buNone/>
+            </a:pPr>
+            <a:endParaRPr sz="1100" dirty="0">
+              <a:solidFill>
+                <a:schemeClr val="bg1"/>
+              </a:solidFill>
+            </a:endParaRPr>
+          </a:p>
+          <a:p>
+            <a:pPr marL="0" lvl="0" indent="0" algn="l" rtl="0">
+              <a:spcBef>
+                <a:spcPts val="0"/>
+              </a:spcBef>
+              <a:spcAft>
+                <a:spcPts val="0"/>
+              </a:spcAft>
+              <a:buNone/>
+            </a:pPr>
+            <a:endParaRPr sz="1100" dirty="0">
+              <a:solidFill>
+                <a:schemeClr val="bg1"/>
+              </a:solidFill>
+            </a:endParaRPr>
+          </a:p>
+          <a:p>
+            <a:pPr marL="0" lvl="0" indent="0" algn="l" rtl="0">
+              <a:spcBef>
+                <a:spcPts val="0"/>
+              </a:spcBef>
+              <a:spcAft>
+                <a:spcPts val="0"/>
+              </a:spcAft>
+              <a:buNone/>
+            </a:pPr>
+            <a:r>
+              <a:rPr lang="en-GB" sz="1100" dirty="0">
+                <a:solidFill>
+                  <a:schemeClr val="bg1"/>
+                </a:solidFill>
+              </a:rPr>
+              <a:t>∎        </a:t>
+            </a:r>
+            <a:r>
+              <a:rPr lang="en-GB" sz="1100" dirty="0">
+                <a:solidFill>
+                  <a:schemeClr val="bg2"/>
+                </a:solidFill>
+              </a:rPr>
+              <a:t>Huffman Decompression</a:t>
+            </a:r>
+          </a:p>
+          <a:p>
+            <a:pPr marL="0" lvl="0" indent="0" algn="l" rtl="0">
+              <a:spcBef>
+                <a:spcPts val="0"/>
+              </a:spcBef>
+              <a:spcAft>
+                <a:spcPts val="0"/>
+              </a:spcAft>
+              <a:buNone/>
+            </a:pPr>
+            <a:endParaRPr lang="en-GB" sz="1100" dirty="0">
+              <a:solidFill>
+                <a:schemeClr val="bg2"/>
+              </a:solidFill>
+            </a:endParaRPr>
+          </a:p>
+          <a:p>
+            <a:pPr marL="0" lvl="0" indent="0" algn="l" rtl="0">
+              <a:spcBef>
+                <a:spcPts val="0"/>
+              </a:spcBef>
+              <a:spcAft>
+                <a:spcPts val="0"/>
+              </a:spcAft>
+              <a:buNone/>
+            </a:pPr>
+            <a:endParaRPr lang="en-GB" sz="1100" dirty="0">
+              <a:solidFill>
+                <a:schemeClr val="tx1"/>
+              </a:solidFill>
+            </a:endParaRPr>
+          </a:p>
+          <a:p>
+            <a:r>
+              <a:rPr lang="en-GB" sz="1100" dirty="0">
+                <a:latin typeface="Verdana" panose="020B0604030504040204" pitchFamily="34" charset="0"/>
+                <a:ea typeface="Verdana" panose="020B0604030504040204" pitchFamily="34" charset="0"/>
+              </a:rPr>
+              <a:t>∎      </a:t>
+            </a:r>
+            <a:r>
+              <a:rPr lang="en-GB" sz="1100" dirty="0">
+                <a:solidFill>
+                  <a:schemeClr val="tx1"/>
+                </a:solidFill>
+                <a:ea typeface="Verdana" panose="020B0604030504040204" pitchFamily="34" charset="0"/>
+              </a:rPr>
+              <a:t>User Interface</a:t>
+            </a:r>
+            <a:endParaRPr lang="en-GB" sz="1100" dirty="0">
+              <a:solidFill>
+                <a:schemeClr val="tx1"/>
+              </a:solidFill>
+            </a:endParaRPr>
+          </a:p>
+          <a:p>
+            <a:pPr marL="0" lvl="0" indent="0" algn="l" rtl="0">
+              <a:spcBef>
+                <a:spcPts val="0"/>
+              </a:spcBef>
+              <a:spcAft>
+                <a:spcPts val="0"/>
+              </a:spcAft>
+              <a:buNone/>
+            </a:pPr>
+            <a:endParaRPr sz="1100" dirty="0">
+              <a:solidFill>
+                <a:schemeClr val="tx1"/>
+              </a:solidFill>
+            </a:endParaRPr>
+          </a:p>
+        </p:txBody>
+      </p:sp>
+      <p:sp>
+        <p:nvSpPr>
+          <p:cNvPr id="5" name="Google Shape;123;p18">
+            <a:extLst>
+              <a:ext uri="{FF2B5EF4-FFF2-40B4-BE49-F238E27FC236}">
+                <a16:creationId xmlns:a16="http://schemas.microsoft.com/office/drawing/2014/main" id="{82792166-AD0D-47D7-8640-CB12DBE85BD7}"/>
+              </a:ext>
+            </a:extLst>
+          </p:cNvPr>
+          <p:cNvSpPr txBox="1"/>
+          <p:nvPr/>
+        </p:nvSpPr>
+        <p:spPr>
+          <a:xfrm>
+            <a:off x="3596143" y="1383089"/>
+            <a:ext cx="3161017" cy="2827800"/>
+          </a:xfrm>
+          <a:prstGeom prst="rect">
+            <a:avLst/>
+          </a:prstGeom>
+          <a:noFill/>
+          <a:ln>
+            <a:noFill/>
+          </a:ln>
+        </p:spPr>
+        <p:txBody>
+          <a:bodyPr spcFirstLastPara="1" wrap="square" lIns="91425" tIns="91425" rIns="91425" bIns="91425" anchor="t" anchorCtr="0">
+            <a:noAutofit/>
+          </a:bodyPr>
+          <a:lstStyle/>
+          <a:p>
+            <a:pPr marL="0" lvl="0" indent="0" algn="l" rtl="0">
+              <a:spcBef>
+                <a:spcPts val="0"/>
+              </a:spcBef>
+              <a:spcAft>
+                <a:spcPts val="0"/>
+              </a:spcAft>
+              <a:buNone/>
+            </a:pPr>
+            <a:r>
+              <a:rPr lang="en-US" dirty="0"/>
+              <a:t>Encryption : </a:t>
+            </a:r>
+          </a:p>
+        </p:txBody>
+      </p:sp>
+      <p:sp>
+        <p:nvSpPr>
+          <p:cNvPr id="6" name="Rectangle 5">
+            <a:extLst>
+              <a:ext uri="{FF2B5EF4-FFF2-40B4-BE49-F238E27FC236}">
+                <a16:creationId xmlns:a16="http://schemas.microsoft.com/office/drawing/2014/main" id="{F660A199-0C43-45A9-A3C9-4A7D726FDB22}"/>
+              </a:ext>
+            </a:extLst>
+          </p:cNvPr>
+          <p:cNvSpPr/>
+          <p:nvPr/>
+        </p:nvSpPr>
+        <p:spPr>
+          <a:xfrm rot="5400000">
+            <a:off x="2235993" y="2482992"/>
+            <a:ext cx="1718074" cy="96440"/>
+          </a:xfrm>
+          <a:prstGeom prst="rect">
+            <a:avLst/>
+          </a:prstGeom>
+          <a:solidFill>
+            <a:srgbClr val="26303C"/>
+          </a:solidFill>
+          <a:ln/>
+        </p:spPr>
+        <p:style>
+          <a:lnRef idx="0">
+            <a:schemeClr val="accent3"/>
+          </a:lnRef>
+          <a:fillRef idx="3">
+            <a:schemeClr val="accent3"/>
+          </a:fillRef>
+          <a:effectRef idx="3">
+            <a:schemeClr val="accent3"/>
+          </a:effectRef>
+          <a:fontRef idx="minor">
+            <a:schemeClr val="lt1"/>
+          </a:fontRef>
+        </p:style>
+        <p:txBody>
+          <a:bodyPr rtlCol="0" anchor="ctr"/>
+          <a:lstStyle/>
+          <a:p>
+            <a:pPr algn="ctr"/>
+            <a:endParaRPr lang="en-US"/>
+          </a:p>
+        </p:txBody>
+      </p:sp>
+      <p:sp>
+        <p:nvSpPr>
+          <p:cNvPr id="13" name="Rectangle 12">
+            <a:extLst>
+              <a:ext uri="{FF2B5EF4-FFF2-40B4-BE49-F238E27FC236}">
+                <a16:creationId xmlns:a16="http://schemas.microsoft.com/office/drawing/2014/main" id="{E8874752-7DB6-45F7-9269-368977C6910F}"/>
+              </a:ext>
+            </a:extLst>
+          </p:cNvPr>
+          <p:cNvSpPr/>
+          <p:nvPr/>
+        </p:nvSpPr>
+        <p:spPr>
+          <a:xfrm>
+            <a:off x="3485684" y="1278731"/>
+            <a:ext cx="3042410" cy="2764632"/>
+          </a:xfrm>
+          <a:prstGeom prst="rect">
+            <a:avLst/>
+          </a:prstGeom>
+          <a:noFill/>
+          <a:ln>
+            <a:solidFill>
+              <a:schemeClr val="bg2"/>
+            </a:solidFill>
+          </a:ln>
+        </p:spPr>
+        <p:style>
+          <a:lnRef idx="2">
+            <a:schemeClr val="accent1">
+              <a:shade val="50000"/>
+            </a:schemeClr>
+          </a:lnRef>
+          <a:fillRef idx="1">
+            <a:schemeClr val="accent1"/>
+          </a:fillRef>
+          <a:effectRef idx="0">
+            <a:schemeClr val="accent1"/>
+          </a:effectRef>
+          <a:fontRef idx="minor">
+            <a:schemeClr val="lt1"/>
+          </a:fontRef>
+        </p:style>
+        <p:txBody>
+          <a:bodyPr rtlCol="0" anchor="ctr"/>
+          <a:lstStyle/>
+          <a:p>
+            <a:pPr algn="ctr"/>
+            <a:endParaRPr lang="en-US"/>
+          </a:p>
+        </p:txBody>
+      </p:sp>
+      <p:pic>
+        <p:nvPicPr>
+          <p:cNvPr id="2" name="Picture 1">
+            <a:extLst>
+              <a:ext uri="{FF2B5EF4-FFF2-40B4-BE49-F238E27FC236}">
+                <a16:creationId xmlns:a16="http://schemas.microsoft.com/office/drawing/2014/main" id="{56DB4359-0283-4E43-88B3-2713FC421D07}"/>
+              </a:ext>
+            </a:extLst>
+          </p:cNvPr>
+          <p:cNvPicPr>
+            <a:picLocks noChangeAspect="1"/>
+          </p:cNvPicPr>
+          <p:nvPr/>
+        </p:nvPicPr>
+        <p:blipFill>
+          <a:blip r:embed="rId4"/>
+          <a:stretch>
+            <a:fillRect/>
+          </a:stretch>
+        </p:blipFill>
+        <p:spPr>
+          <a:xfrm>
+            <a:off x="3596143" y="2026272"/>
+            <a:ext cx="2790107" cy="1090955"/>
+          </a:xfrm>
+          <a:prstGeom prst="rect">
+            <a:avLst/>
+          </a:prstGeom>
+        </p:spPr>
+      </p:pic>
+    </p:spTree>
+    <p:extLst>
+      <p:ext uri="{BB962C8B-B14F-4D97-AF65-F5344CB8AC3E}">
+        <p14:creationId xmlns:p14="http://schemas.microsoft.com/office/powerpoint/2010/main" val="2934731881"/>
+      </p:ext>
+    </p:extLst>
+  </p:cSld>
+  <p:clrMapOvr>
+    <a:masterClrMapping/>
+  </p:clrMapOvr>
+  <mc:AlternateContent xmlns:mc="http://schemas.openxmlformats.org/markup-compatibility/2006" xmlns:p159="http://schemas.microsoft.com/office/powerpoint/2015/09/main">
+    <mc:Choice Requires="p159">
+      <p:transition xmlns:p14="http://schemas.microsoft.com/office/powerpoint/2010/main" spd="slow" p14:dur="2000">
+        <p159:morph option="byObject"/>
+      </p:transition>
+    </mc:Choice>
+    <mc:Fallback xmlns="">
+      <p:transition spd="slow">
+        <p:fade/>
+      </p:transition>
+    </mc:Fallback>
+  </mc:AlternateContent>
+</p:sld>
+</file>
+
+<file path=ppt/slides/slide13.xml><?xml version="1.0" encoding="utf-8"?>
+<p:sld xmlns:a="http://schemas.openxmlformats.org/drawingml/2006/main" xmlns:r="http://schemas.openxmlformats.org/officeDocument/2006/relationships" xmlns:p="http://schemas.openxmlformats.org/presentationml/2006/main">
+  <p:cSld>
+    <p:bg>
+      <p:bgPr>
+        <a:blipFill>
+          <a:blip r:embed="rId3">
+            <a:alphaModFix/>
+          </a:blip>
+          <a:stretch>
+            <a:fillRect/>
+          </a:stretch>
+        </a:blipFill>
+        <a:effectLst/>
+      </p:bgPr>
+    </p:bg>
+    <p:spTree>
+      <p:nvGrpSpPr>
+        <p:cNvPr id="1" name="Shape 119"/>
+        <p:cNvGrpSpPr/>
+        <p:nvPr/>
+      </p:nvGrpSpPr>
+      <p:grpSpPr>
+        <a:xfrm>
+          <a:off x="0" y="0"/>
+          <a:ext cx="0" cy="0"/>
+          <a:chOff x="0" y="0"/>
+          <a:chExt cx="0" cy="0"/>
+        </a:xfrm>
+      </p:grpSpPr>
+      <p:sp>
+        <p:nvSpPr>
+          <p:cNvPr id="120" name="Google Shape;120;p18"/>
+          <p:cNvSpPr/>
+          <p:nvPr/>
+        </p:nvSpPr>
+        <p:spPr>
+          <a:xfrm>
+            <a:off x="643589" y="3671678"/>
+            <a:ext cx="1858096" cy="245400"/>
+          </a:xfrm>
+          <a:prstGeom prst="roundRect">
+            <a:avLst>
+              <a:gd name="adj" fmla="val 50000"/>
+            </a:avLst>
+          </a:prstGeom>
+          <a:solidFill>
+            <a:srgbClr val="2E3E4D"/>
+          </a:solidFill>
+          <a:ln w="9525" cap="flat" cmpd="sng">
+            <a:solidFill>
+              <a:schemeClr val="dk1"/>
+            </a:solidFill>
+            <a:prstDash val="solid"/>
+            <a:round/>
+            <a:headEnd type="none" w="sm" len="sm"/>
+            <a:tailEnd type="none" w="sm" len="sm"/>
+          </a:ln>
+        </p:spPr>
+        <p:txBody>
+          <a:bodyPr spcFirstLastPara="1" wrap="square" lIns="91425" tIns="91425" rIns="91425" bIns="91425" anchor="ctr" anchorCtr="0">
+            <a:noAutofit/>
+          </a:bodyPr>
+          <a:lstStyle/>
+          <a:p>
+            <a:pPr marL="0" lvl="0" indent="0" algn="ctr" rtl="0">
+              <a:spcBef>
+                <a:spcPts val="0"/>
+              </a:spcBef>
+              <a:spcAft>
+                <a:spcPts val="0"/>
+              </a:spcAft>
+              <a:buNone/>
+            </a:pPr>
+            <a:endParaRPr/>
+          </a:p>
+        </p:txBody>
+      </p:sp>
+      <p:sp>
+        <p:nvSpPr>
+          <p:cNvPr id="121" name="Google Shape;121;p18"/>
+          <p:cNvSpPr txBox="1"/>
+          <p:nvPr/>
+        </p:nvSpPr>
+        <p:spPr>
+          <a:xfrm>
+            <a:off x="1834687" y="404329"/>
+            <a:ext cx="5003138" cy="459000"/>
+          </a:xfrm>
+          <a:prstGeom prst="rect">
+            <a:avLst/>
+          </a:prstGeom>
+          <a:noFill/>
+          <a:ln>
+            <a:noFill/>
+          </a:ln>
+        </p:spPr>
+        <p:txBody>
+          <a:bodyPr spcFirstLastPara="1" wrap="square" lIns="91425" tIns="91425" rIns="91425" bIns="91425" anchor="t" anchorCtr="0">
+            <a:noAutofit/>
+          </a:bodyPr>
+          <a:lstStyle/>
+          <a:p>
+            <a:pPr lvl="0" algn="ctr"/>
+            <a:r>
+              <a:rPr lang="en-GB" sz="2400" b="1" dirty="0">
+                <a:latin typeface="Verdana" panose="020B0604030504040204" pitchFamily="34" charset="0"/>
+                <a:ea typeface="Verdana" panose="020B0604030504040204" pitchFamily="34" charset="0"/>
+                <a:cs typeface="Tahoma" panose="020B0604030504040204" pitchFamily="34" charset="0"/>
+                <a:sym typeface="Helvetica Neue"/>
+              </a:rPr>
+              <a:t>USER INTERFACE</a:t>
+            </a:r>
+          </a:p>
+        </p:txBody>
+      </p:sp>
+      <p:sp>
+        <p:nvSpPr>
+          <p:cNvPr id="122" name="Google Shape;122;p18"/>
+          <p:cNvSpPr txBox="1"/>
+          <p:nvPr/>
+        </p:nvSpPr>
+        <p:spPr>
+          <a:xfrm>
+            <a:off x="256918" y="1606049"/>
+            <a:ext cx="2337000" cy="2604839"/>
+          </a:xfrm>
+          <a:prstGeom prst="rect">
+            <a:avLst/>
+          </a:prstGeom>
+          <a:noFill/>
+          <a:ln>
+            <a:noFill/>
+          </a:ln>
+        </p:spPr>
+        <p:txBody>
+          <a:bodyPr spcFirstLastPara="1" wrap="square" lIns="91425" tIns="91425" rIns="91425" bIns="91425" anchor="t" anchorCtr="0">
+            <a:noAutofit/>
+          </a:bodyPr>
+          <a:lstStyle/>
+          <a:p>
+            <a:pPr marL="0" lvl="0" indent="0" algn="l" rtl="0">
+              <a:spcBef>
+                <a:spcPts val="0"/>
+              </a:spcBef>
+              <a:spcAft>
+                <a:spcPts val="0"/>
+              </a:spcAft>
+              <a:buNone/>
+            </a:pPr>
+            <a:r>
+              <a:rPr lang="en-GB" sz="1100" dirty="0">
+                <a:solidFill>
+                  <a:schemeClr val="bg1"/>
+                </a:solidFill>
+              </a:rPr>
+              <a:t>∎</a:t>
+            </a:r>
+            <a:r>
+              <a:rPr lang="en-GB" sz="1100" dirty="0">
+                <a:solidFill>
+                  <a:schemeClr val="tx1"/>
+                </a:solidFill>
+              </a:rPr>
+              <a:t>      </a:t>
+            </a:r>
+            <a:r>
+              <a:rPr lang="en-GB" sz="1100" dirty="0">
+                <a:solidFill>
+                  <a:schemeClr val="bg1"/>
+                </a:solidFill>
+              </a:rPr>
+              <a:t>  AES - 256 File Encryption</a:t>
+            </a:r>
+            <a:endParaRPr sz="1100" dirty="0">
+              <a:solidFill>
+                <a:schemeClr val="bg1"/>
+              </a:solidFill>
+            </a:endParaRPr>
+          </a:p>
+          <a:p>
+            <a:pPr marL="0" lvl="0" indent="0" algn="l" rtl="0">
+              <a:spcBef>
+                <a:spcPts val="0"/>
+              </a:spcBef>
+              <a:spcAft>
+                <a:spcPts val="0"/>
+              </a:spcAft>
+              <a:buNone/>
+            </a:pPr>
+            <a:endParaRPr sz="1100" dirty="0">
+              <a:solidFill>
+                <a:srgbClr val="FF0000"/>
+              </a:solidFill>
+            </a:endParaRPr>
+          </a:p>
+          <a:p>
+            <a:pPr marL="0" lvl="0" indent="0" algn="l" rtl="0">
+              <a:spcBef>
+                <a:spcPts val="0"/>
+              </a:spcBef>
+              <a:spcAft>
+                <a:spcPts val="0"/>
+              </a:spcAft>
+              <a:buNone/>
+            </a:pPr>
+            <a:endParaRPr sz="1100" dirty="0">
+              <a:solidFill>
+                <a:srgbClr val="FF0000"/>
+              </a:solidFill>
+            </a:endParaRPr>
+          </a:p>
+          <a:p>
+            <a:pPr marL="0" lvl="0" indent="0" algn="l" rtl="0">
+              <a:spcBef>
+                <a:spcPts val="0"/>
+              </a:spcBef>
+              <a:spcAft>
+                <a:spcPts val="0"/>
+              </a:spcAft>
+              <a:buNone/>
+            </a:pPr>
+            <a:r>
+              <a:rPr lang="en-GB" sz="1100" dirty="0">
+                <a:solidFill>
+                  <a:schemeClr val="bg1"/>
+                </a:solidFill>
+              </a:rPr>
+              <a:t>∎        AES - 256 File Decryption </a:t>
+            </a:r>
+            <a:endParaRPr sz="1100" dirty="0">
+              <a:solidFill>
+                <a:schemeClr val="bg1"/>
+              </a:solidFill>
+            </a:endParaRPr>
+          </a:p>
+          <a:p>
+            <a:pPr marL="0" lvl="0" indent="0" algn="l" rtl="0">
+              <a:spcBef>
+                <a:spcPts val="0"/>
+              </a:spcBef>
+              <a:spcAft>
+                <a:spcPts val="0"/>
+              </a:spcAft>
+              <a:buNone/>
+            </a:pPr>
+            <a:endParaRPr sz="1100" dirty="0">
+              <a:solidFill>
+                <a:schemeClr val="bg1"/>
+              </a:solidFill>
+            </a:endParaRPr>
+          </a:p>
+          <a:p>
+            <a:pPr marL="0" lvl="0" indent="0" algn="l" rtl="0">
+              <a:spcBef>
+                <a:spcPts val="0"/>
+              </a:spcBef>
+              <a:spcAft>
+                <a:spcPts val="0"/>
+              </a:spcAft>
+              <a:buNone/>
+            </a:pPr>
+            <a:endParaRPr sz="1100" dirty="0">
+              <a:solidFill>
+                <a:schemeClr val="bg1"/>
+              </a:solidFill>
+            </a:endParaRPr>
+          </a:p>
+          <a:p>
+            <a:pPr marL="0" lvl="0" indent="0" algn="l" rtl="0">
+              <a:spcBef>
+                <a:spcPts val="0"/>
+              </a:spcBef>
+              <a:spcAft>
+                <a:spcPts val="0"/>
+              </a:spcAft>
+              <a:buNone/>
+            </a:pPr>
+            <a:r>
+              <a:rPr lang="en-GB" sz="1100" dirty="0">
+                <a:solidFill>
+                  <a:schemeClr val="bg1"/>
+                </a:solidFill>
+              </a:rPr>
+              <a:t>∎        Huffman Compression</a:t>
+            </a:r>
+            <a:endParaRPr sz="1100" dirty="0">
+              <a:solidFill>
+                <a:schemeClr val="bg1"/>
+              </a:solidFill>
+            </a:endParaRPr>
+          </a:p>
+          <a:p>
+            <a:pPr marL="0" lvl="0" indent="0" algn="l" rtl="0">
+              <a:spcBef>
+                <a:spcPts val="0"/>
+              </a:spcBef>
+              <a:spcAft>
+                <a:spcPts val="0"/>
+              </a:spcAft>
+              <a:buNone/>
+            </a:pPr>
+            <a:endParaRPr sz="1100" dirty="0">
+              <a:solidFill>
+                <a:schemeClr val="bg1"/>
+              </a:solidFill>
+            </a:endParaRPr>
+          </a:p>
+          <a:p>
+            <a:pPr marL="0" lvl="0" indent="0" algn="l" rtl="0">
+              <a:spcBef>
+                <a:spcPts val="0"/>
+              </a:spcBef>
+              <a:spcAft>
+                <a:spcPts val="0"/>
+              </a:spcAft>
+              <a:buNone/>
+            </a:pPr>
+            <a:endParaRPr sz="1100" dirty="0">
+              <a:solidFill>
+                <a:schemeClr val="bg1"/>
+              </a:solidFill>
+            </a:endParaRPr>
+          </a:p>
+          <a:p>
+            <a:pPr marL="0" lvl="0" indent="0" algn="l" rtl="0">
+              <a:spcBef>
+                <a:spcPts val="0"/>
+              </a:spcBef>
+              <a:spcAft>
+                <a:spcPts val="0"/>
+              </a:spcAft>
+              <a:buNone/>
+            </a:pPr>
+            <a:r>
+              <a:rPr lang="en-GB" sz="1100" dirty="0">
+                <a:solidFill>
+                  <a:schemeClr val="bg1"/>
+                </a:solidFill>
+              </a:rPr>
+              <a:t>∎        </a:t>
+            </a:r>
+            <a:r>
+              <a:rPr lang="en-GB" sz="1100" dirty="0">
+                <a:solidFill>
+                  <a:schemeClr val="bg2"/>
+                </a:solidFill>
+              </a:rPr>
+              <a:t>Huffman Decompression</a:t>
+            </a:r>
+          </a:p>
+          <a:p>
+            <a:pPr marL="0" lvl="0" indent="0" algn="l" rtl="0">
+              <a:spcBef>
+                <a:spcPts val="0"/>
+              </a:spcBef>
+              <a:spcAft>
+                <a:spcPts val="0"/>
+              </a:spcAft>
+              <a:buNone/>
+            </a:pPr>
+            <a:endParaRPr lang="en-GB" sz="1100" dirty="0">
+              <a:solidFill>
+                <a:schemeClr val="bg2"/>
+              </a:solidFill>
+            </a:endParaRPr>
+          </a:p>
+          <a:p>
+            <a:pPr marL="0" lvl="0" indent="0" algn="l" rtl="0">
+              <a:spcBef>
+                <a:spcPts val="0"/>
+              </a:spcBef>
+              <a:spcAft>
+                <a:spcPts val="0"/>
+              </a:spcAft>
+              <a:buNone/>
+            </a:pPr>
+            <a:endParaRPr lang="en-GB" sz="1100" dirty="0">
+              <a:solidFill>
+                <a:schemeClr val="tx1"/>
+              </a:solidFill>
+            </a:endParaRPr>
+          </a:p>
+          <a:p>
+            <a:r>
+              <a:rPr lang="en-GB" sz="1100" dirty="0">
+                <a:latin typeface="Verdana" panose="020B0604030504040204" pitchFamily="34" charset="0"/>
+                <a:ea typeface="Verdana" panose="020B0604030504040204" pitchFamily="34" charset="0"/>
+              </a:rPr>
+              <a:t>∎      </a:t>
+            </a:r>
+            <a:r>
+              <a:rPr lang="en-GB" sz="1100" dirty="0">
+                <a:solidFill>
+                  <a:schemeClr val="tx1"/>
+                </a:solidFill>
+                <a:ea typeface="Verdana" panose="020B0604030504040204" pitchFamily="34" charset="0"/>
+              </a:rPr>
+              <a:t>User Interface</a:t>
+            </a:r>
+            <a:endParaRPr lang="en-GB" sz="1100" dirty="0">
+              <a:solidFill>
+                <a:schemeClr val="tx1"/>
+              </a:solidFill>
+            </a:endParaRPr>
+          </a:p>
+          <a:p>
+            <a:pPr marL="0" lvl="0" indent="0" algn="l" rtl="0">
+              <a:spcBef>
+                <a:spcPts val="0"/>
+              </a:spcBef>
+              <a:spcAft>
+                <a:spcPts val="0"/>
+              </a:spcAft>
+              <a:buNone/>
+            </a:pPr>
+            <a:endParaRPr sz="1100" dirty="0">
+              <a:solidFill>
+                <a:schemeClr val="tx1"/>
+              </a:solidFill>
+            </a:endParaRPr>
+          </a:p>
+        </p:txBody>
+      </p:sp>
+      <p:sp>
+        <p:nvSpPr>
+          <p:cNvPr id="5" name="Google Shape;123;p18">
+            <a:extLst>
+              <a:ext uri="{FF2B5EF4-FFF2-40B4-BE49-F238E27FC236}">
+                <a16:creationId xmlns:a16="http://schemas.microsoft.com/office/drawing/2014/main" id="{82792166-AD0D-47D7-8640-CB12DBE85BD7}"/>
+              </a:ext>
+            </a:extLst>
+          </p:cNvPr>
+          <p:cNvSpPr txBox="1"/>
+          <p:nvPr/>
+        </p:nvSpPr>
+        <p:spPr>
+          <a:xfrm>
+            <a:off x="3596143" y="1383089"/>
+            <a:ext cx="3161017" cy="2827800"/>
+          </a:xfrm>
+          <a:prstGeom prst="rect">
+            <a:avLst/>
+          </a:prstGeom>
+          <a:noFill/>
+          <a:ln>
+            <a:noFill/>
+          </a:ln>
+        </p:spPr>
+        <p:txBody>
+          <a:bodyPr spcFirstLastPara="1" wrap="square" lIns="91425" tIns="91425" rIns="91425" bIns="91425" anchor="t" anchorCtr="0">
+            <a:noAutofit/>
+          </a:bodyPr>
+          <a:lstStyle/>
+          <a:p>
+            <a:pPr marL="0" lvl="0" indent="0" algn="l" rtl="0">
+              <a:spcBef>
+                <a:spcPts val="0"/>
+              </a:spcBef>
+              <a:spcAft>
+                <a:spcPts val="0"/>
+              </a:spcAft>
+              <a:buNone/>
+            </a:pPr>
+            <a:r>
+              <a:rPr lang="en-US" dirty="0"/>
+              <a:t>Decryption : </a:t>
+            </a:r>
+          </a:p>
+        </p:txBody>
+      </p:sp>
+      <p:sp>
+        <p:nvSpPr>
+          <p:cNvPr id="6" name="Rectangle 5">
+            <a:extLst>
+              <a:ext uri="{FF2B5EF4-FFF2-40B4-BE49-F238E27FC236}">
+                <a16:creationId xmlns:a16="http://schemas.microsoft.com/office/drawing/2014/main" id="{F660A199-0C43-45A9-A3C9-4A7D726FDB22}"/>
+              </a:ext>
+            </a:extLst>
+          </p:cNvPr>
+          <p:cNvSpPr/>
+          <p:nvPr/>
+        </p:nvSpPr>
+        <p:spPr>
+          <a:xfrm rot="5400000">
+            <a:off x="2235993" y="2482992"/>
+            <a:ext cx="1718074" cy="96440"/>
+          </a:xfrm>
+          <a:prstGeom prst="rect">
+            <a:avLst/>
+          </a:prstGeom>
+          <a:solidFill>
+            <a:srgbClr val="26303C"/>
+          </a:solidFill>
+          <a:ln/>
+        </p:spPr>
+        <p:style>
+          <a:lnRef idx="0">
+            <a:schemeClr val="accent3"/>
+          </a:lnRef>
+          <a:fillRef idx="3">
+            <a:schemeClr val="accent3"/>
+          </a:fillRef>
+          <a:effectRef idx="3">
+            <a:schemeClr val="accent3"/>
+          </a:effectRef>
+          <a:fontRef idx="minor">
+            <a:schemeClr val="lt1"/>
+          </a:fontRef>
+        </p:style>
+        <p:txBody>
+          <a:bodyPr rtlCol="0" anchor="ctr"/>
+          <a:lstStyle/>
+          <a:p>
+            <a:pPr algn="ctr"/>
+            <a:endParaRPr lang="en-US"/>
+          </a:p>
+        </p:txBody>
+      </p:sp>
+      <p:sp>
+        <p:nvSpPr>
+          <p:cNvPr id="13" name="Rectangle 12">
+            <a:extLst>
+              <a:ext uri="{FF2B5EF4-FFF2-40B4-BE49-F238E27FC236}">
+                <a16:creationId xmlns:a16="http://schemas.microsoft.com/office/drawing/2014/main" id="{E8874752-7DB6-45F7-9269-368977C6910F}"/>
+              </a:ext>
+            </a:extLst>
+          </p:cNvPr>
+          <p:cNvSpPr/>
+          <p:nvPr/>
+        </p:nvSpPr>
+        <p:spPr>
+          <a:xfrm>
+            <a:off x="3485684" y="1278731"/>
+            <a:ext cx="3042410" cy="2764632"/>
+          </a:xfrm>
+          <a:prstGeom prst="rect">
+            <a:avLst/>
+          </a:prstGeom>
+          <a:noFill/>
+          <a:ln>
+            <a:solidFill>
+              <a:schemeClr val="bg2"/>
+            </a:solidFill>
+          </a:ln>
+        </p:spPr>
+        <p:style>
+          <a:lnRef idx="2">
+            <a:schemeClr val="accent1">
+              <a:shade val="50000"/>
+            </a:schemeClr>
+          </a:lnRef>
+          <a:fillRef idx="1">
+            <a:schemeClr val="accent1"/>
+          </a:fillRef>
+          <a:effectRef idx="0">
+            <a:schemeClr val="accent1"/>
+          </a:effectRef>
+          <a:fontRef idx="minor">
+            <a:schemeClr val="lt1"/>
+          </a:fontRef>
+        </p:style>
+        <p:txBody>
+          <a:bodyPr rtlCol="0" anchor="ctr"/>
+          <a:lstStyle/>
+          <a:p>
+            <a:pPr algn="ctr"/>
+            <a:endParaRPr lang="en-US"/>
+          </a:p>
+        </p:txBody>
+      </p:sp>
+      <p:pic>
+        <p:nvPicPr>
+          <p:cNvPr id="3" name="Picture 2">
+            <a:extLst>
+              <a:ext uri="{FF2B5EF4-FFF2-40B4-BE49-F238E27FC236}">
+                <a16:creationId xmlns:a16="http://schemas.microsoft.com/office/drawing/2014/main" id="{C79F9B9B-700C-418F-BD05-1F32A861A361}"/>
+              </a:ext>
+            </a:extLst>
+          </p:cNvPr>
+          <p:cNvPicPr>
+            <a:picLocks noChangeAspect="1"/>
+          </p:cNvPicPr>
+          <p:nvPr/>
+        </p:nvPicPr>
+        <p:blipFill>
+          <a:blip r:embed="rId4"/>
+          <a:stretch>
+            <a:fillRect/>
+          </a:stretch>
+        </p:blipFill>
+        <p:spPr>
+          <a:xfrm>
+            <a:off x="4755751" y="1383088"/>
+            <a:ext cx="1723650" cy="2533989"/>
+          </a:xfrm>
+          <a:prstGeom prst="rect">
+            <a:avLst/>
+          </a:prstGeom>
+        </p:spPr>
+      </p:pic>
+    </p:spTree>
+    <p:extLst>
+      <p:ext uri="{BB962C8B-B14F-4D97-AF65-F5344CB8AC3E}">
+        <p14:creationId xmlns:p14="http://schemas.microsoft.com/office/powerpoint/2010/main" val="2653212391"/>
+      </p:ext>
+    </p:extLst>
+  </p:cSld>
+  <p:clrMapOvr>
+    <a:masterClrMapping/>
+  </p:clrMapOvr>
+  <mc:AlternateContent xmlns:mc="http://schemas.openxmlformats.org/markup-compatibility/2006" xmlns:p159="http://schemas.microsoft.com/office/powerpoint/2015/09/main">
+    <mc:Choice Requires="p159">
+      <p:transition xmlns:p14="http://schemas.microsoft.com/office/powerpoint/2010/main" spd="slow" p14:dur="2000">
+        <p159:morph option="byObject"/>
+      </p:transition>
+    </mc:Choice>
+    <mc:Fallback xmlns="">
+      <p:transition spd="slow">
+        <p:fade/>
+      </p:transition>
+    </mc:Fallback>
+  </mc:AlternateContent>
+</p:sld>
+</file>
+
+<file path=ppt/slides/slide14.xml><?xml version="1.0" encoding="utf-8"?>
+<p:sld xmlns:a="http://schemas.openxmlformats.org/drawingml/2006/main" xmlns:r="http://schemas.openxmlformats.org/officeDocument/2006/relationships" xmlns:p="http://schemas.openxmlformats.org/presentationml/2006/main">
+  <p:cSld>
+    <p:bg>
+      <p:bgPr>
+        <a:blipFill>
+          <a:blip r:embed="rId3">
+            <a:alphaModFix/>
+          </a:blip>
+          <a:stretch>
+            <a:fillRect/>
+          </a:stretch>
+        </a:blipFill>
+        <a:effectLst/>
+      </p:bgPr>
+    </p:bg>
+    <p:spTree>
+      <p:nvGrpSpPr>
+        <p:cNvPr id="1" name="Shape 119"/>
+        <p:cNvGrpSpPr/>
+        <p:nvPr/>
+      </p:nvGrpSpPr>
+      <p:grpSpPr>
+        <a:xfrm>
+          <a:off x="0" y="0"/>
+          <a:ext cx="0" cy="0"/>
+          <a:chOff x="0" y="0"/>
+          <a:chExt cx="0" cy="0"/>
+        </a:xfrm>
+      </p:grpSpPr>
+      <p:sp>
+        <p:nvSpPr>
+          <p:cNvPr id="120" name="Google Shape;120;p18"/>
+          <p:cNvSpPr/>
+          <p:nvPr/>
+        </p:nvSpPr>
+        <p:spPr>
+          <a:xfrm>
+            <a:off x="643589" y="3671678"/>
+            <a:ext cx="1858096" cy="245400"/>
+          </a:xfrm>
+          <a:prstGeom prst="roundRect">
+            <a:avLst>
+              <a:gd name="adj" fmla="val 50000"/>
+            </a:avLst>
+          </a:prstGeom>
+          <a:solidFill>
+            <a:srgbClr val="2E3E4D"/>
+          </a:solidFill>
+          <a:ln w="9525" cap="flat" cmpd="sng">
+            <a:solidFill>
+              <a:schemeClr val="dk1"/>
+            </a:solidFill>
+            <a:prstDash val="solid"/>
+            <a:round/>
+            <a:headEnd type="none" w="sm" len="sm"/>
+            <a:tailEnd type="none" w="sm" len="sm"/>
+          </a:ln>
+        </p:spPr>
+        <p:txBody>
+          <a:bodyPr spcFirstLastPara="1" wrap="square" lIns="91425" tIns="91425" rIns="91425" bIns="91425" anchor="ctr" anchorCtr="0">
+            <a:noAutofit/>
+          </a:bodyPr>
+          <a:lstStyle/>
+          <a:p>
+            <a:pPr marL="0" lvl="0" indent="0" algn="ctr" rtl="0">
+              <a:spcBef>
+                <a:spcPts val="0"/>
+              </a:spcBef>
+              <a:spcAft>
+                <a:spcPts val="0"/>
+              </a:spcAft>
+              <a:buNone/>
+            </a:pPr>
+            <a:endParaRPr/>
+          </a:p>
+        </p:txBody>
+      </p:sp>
+      <p:sp>
+        <p:nvSpPr>
+          <p:cNvPr id="121" name="Google Shape;121;p18"/>
+          <p:cNvSpPr txBox="1"/>
+          <p:nvPr/>
+        </p:nvSpPr>
+        <p:spPr>
+          <a:xfrm>
+            <a:off x="1834687" y="404329"/>
+            <a:ext cx="5003138" cy="459000"/>
+          </a:xfrm>
+          <a:prstGeom prst="rect">
+            <a:avLst/>
+          </a:prstGeom>
+          <a:noFill/>
+          <a:ln>
+            <a:noFill/>
+          </a:ln>
+        </p:spPr>
+        <p:txBody>
+          <a:bodyPr spcFirstLastPara="1" wrap="square" lIns="91425" tIns="91425" rIns="91425" bIns="91425" anchor="t" anchorCtr="0">
+            <a:noAutofit/>
+          </a:bodyPr>
+          <a:lstStyle/>
+          <a:p>
+            <a:pPr lvl="0" algn="ctr"/>
+            <a:r>
+              <a:rPr lang="en-GB" sz="2400" b="1" dirty="0">
+                <a:latin typeface="Verdana" panose="020B0604030504040204" pitchFamily="34" charset="0"/>
+                <a:ea typeface="Verdana" panose="020B0604030504040204" pitchFamily="34" charset="0"/>
+                <a:cs typeface="Tahoma" panose="020B0604030504040204" pitchFamily="34" charset="0"/>
+                <a:sym typeface="Helvetica Neue"/>
+              </a:rPr>
+              <a:t>USER INTERFACE</a:t>
+            </a:r>
+          </a:p>
+        </p:txBody>
+      </p:sp>
+      <p:sp>
+        <p:nvSpPr>
+          <p:cNvPr id="122" name="Google Shape;122;p18"/>
+          <p:cNvSpPr txBox="1"/>
+          <p:nvPr/>
+        </p:nvSpPr>
+        <p:spPr>
+          <a:xfrm>
+            <a:off x="256918" y="1606049"/>
+            <a:ext cx="2337000" cy="2604839"/>
+          </a:xfrm>
+          <a:prstGeom prst="rect">
+            <a:avLst/>
+          </a:prstGeom>
+          <a:noFill/>
+          <a:ln>
+            <a:noFill/>
+          </a:ln>
+        </p:spPr>
+        <p:txBody>
+          <a:bodyPr spcFirstLastPara="1" wrap="square" lIns="91425" tIns="91425" rIns="91425" bIns="91425" anchor="t" anchorCtr="0">
+            <a:noAutofit/>
+          </a:bodyPr>
+          <a:lstStyle/>
+          <a:p>
+            <a:pPr marL="0" lvl="0" indent="0" algn="l" rtl="0">
+              <a:spcBef>
+                <a:spcPts val="0"/>
+              </a:spcBef>
+              <a:spcAft>
+                <a:spcPts val="0"/>
+              </a:spcAft>
+              <a:buNone/>
+            </a:pPr>
+            <a:r>
+              <a:rPr lang="en-GB" sz="1100" dirty="0">
+                <a:solidFill>
+                  <a:schemeClr val="bg1"/>
+                </a:solidFill>
+              </a:rPr>
+              <a:t>∎</a:t>
+            </a:r>
+            <a:r>
+              <a:rPr lang="en-GB" sz="1100" dirty="0">
+                <a:solidFill>
+                  <a:schemeClr val="tx1"/>
+                </a:solidFill>
+              </a:rPr>
+              <a:t>      </a:t>
+            </a:r>
+            <a:r>
+              <a:rPr lang="en-GB" sz="1100" dirty="0">
+                <a:solidFill>
+                  <a:schemeClr val="bg1"/>
+                </a:solidFill>
+              </a:rPr>
+              <a:t>  AES - 256 File Encryption</a:t>
+            </a:r>
+            <a:endParaRPr sz="1100" dirty="0">
+              <a:solidFill>
+                <a:schemeClr val="bg1"/>
+              </a:solidFill>
+            </a:endParaRPr>
+          </a:p>
+          <a:p>
+            <a:pPr marL="0" lvl="0" indent="0" algn="l" rtl="0">
+              <a:spcBef>
+                <a:spcPts val="0"/>
+              </a:spcBef>
+              <a:spcAft>
+                <a:spcPts val="0"/>
+              </a:spcAft>
+              <a:buNone/>
+            </a:pPr>
+            <a:endParaRPr sz="1100" dirty="0">
+              <a:solidFill>
+                <a:srgbClr val="FF0000"/>
+              </a:solidFill>
+            </a:endParaRPr>
+          </a:p>
+          <a:p>
+            <a:pPr marL="0" lvl="0" indent="0" algn="l" rtl="0">
+              <a:spcBef>
+                <a:spcPts val="0"/>
+              </a:spcBef>
+              <a:spcAft>
+                <a:spcPts val="0"/>
+              </a:spcAft>
+              <a:buNone/>
+            </a:pPr>
+            <a:endParaRPr sz="1100" dirty="0">
+              <a:solidFill>
+                <a:srgbClr val="FF0000"/>
+              </a:solidFill>
+            </a:endParaRPr>
+          </a:p>
+          <a:p>
+            <a:pPr marL="0" lvl="0" indent="0" algn="l" rtl="0">
+              <a:spcBef>
+                <a:spcPts val="0"/>
+              </a:spcBef>
+              <a:spcAft>
+                <a:spcPts val="0"/>
+              </a:spcAft>
+              <a:buNone/>
+            </a:pPr>
+            <a:r>
+              <a:rPr lang="en-GB" sz="1100" dirty="0">
+                <a:solidFill>
+                  <a:schemeClr val="bg1"/>
+                </a:solidFill>
+              </a:rPr>
+              <a:t>∎        AES - 256 File Decryption </a:t>
+            </a:r>
+            <a:endParaRPr sz="1100" dirty="0">
+              <a:solidFill>
+                <a:schemeClr val="bg1"/>
+              </a:solidFill>
+            </a:endParaRPr>
+          </a:p>
+          <a:p>
+            <a:pPr marL="0" lvl="0" indent="0" algn="l" rtl="0">
+              <a:spcBef>
+                <a:spcPts val="0"/>
+              </a:spcBef>
+              <a:spcAft>
+                <a:spcPts val="0"/>
+              </a:spcAft>
+              <a:buNone/>
+            </a:pPr>
+            <a:endParaRPr sz="1100" dirty="0">
+              <a:solidFill>
+                <a:schemeClr val="bg1"/>
+              </a:solidFill>
+            </a:endParaRPr>
+          </a:p>
+          <a:p>
+            <a:pPr marL="0" lvl="0" indent="0" algn="l" rtl="0">
+              <a:spcBef>
+                <a:spcPts val="0"/>
+              </a:spcBef>
+              <a:spcAft>
+                <a:spcPts val="0"/>
+              </a:spcAft>
+              <a:buNone/>
+            </a:pPr>
+            <a:endParaRPr sz="1100" dirty="0">
+              <a:solidFill>
+                <a:schemeClr val="bg1"/>
+              </a:solidFill>
+            </a:endParaRPr>
+          </a:p>
+          <a:p>
+            <a:pPr marL="0" lvl="0" indent="0" algn="l" rtl="0">
+              <a:spcBef>
+                <a:spcPts val="0"/>
+              </a:spcBef>
+              <a:spcAft>
+                <a:spcPts val="0"/>
+              </a:spcAft>
+              <a:buNone/>
+            </a:pPr>
+            <a:r>
+              <a:rPr lang="en-GB" sz="1100" dirty="0">
+                <a:solidFill>
+                  <a:schemeClr val="bg1"/>
+                </a:solidFill>
+              </a:rPr>
+              <a:t>∎        Huffman Compression</a:t>
+            </a:r>
+            <a:endParaRPr sz="1100" dirty="0">
+              <a:solidFill>
+                <a:schemeClr val="bg1"/>
+              </a:solidFill>
+            </a:endParaRPr>
+          </a:p>
+          <a:p>
+            <a:pPr marL="0" lvl="0" indent="0" algn="l" rtl="0">
+              <a:spcBef>
+                <a:spcPts val="0"/>
+              </a:spcBef>
+              <a:spcAft>
+                <a:spcPts val="0"/>
+              </a:spcAft>
+              <a:buNone/>
+            </a:pPr>
+            <a:endParaRPr sz="1100" dirty="0">
+              <a:solidFill>
+                <a:schemeClr val="bg1"/>
+              </a:solidFill>
+            </a:endParaRPr>
+          </a:p>
+          <a:p>
+            <a:pPr marL="0" lvl="0" indent="0" algn="l" rtl="0">
+              <a:spcBef>
+                <a:spcPts val="0"/>
+              </a:spcBef>
+              <a:spcAft>
+                <a:spcPts val="0"/>
+              </a:spcAft>
+              <a:buNone/>
+            </a:pPr>
+            <a:endParaRPr sz="1100" dirty="0">
+              <a:solidFill>
+                <a:schemeClr val="bg1"/>
+              </a:solidFill>
+            </a:endParaRPr>
+          </a:p>
+          <a:p>
+            <a:pPr marL="0" lvl="0" indent="0" algn="l" rtl="0">
+              <a:spcBef>
+                <a:spcPts val="0"/>
+              </a:spcBef>
+              <a:spcAft>
+                <a:spcPts val="0"/>
+              </a:spcAft>
+              <a:buNone/>
+            </a:pPr>
+            <a:r>
+              <a:rPr lang="en-GB" sz="1100" dirty="0">
+                <a:solidFill>
+                  <a:schemeClr val="bg1"/>
+                </a:solidFill>
+              </a:rPr>
+              <a:t>∎        </a:t>
+            </a:r>
+            <a:r>
+              <a:rPr lang="en-GB" sz="1100" dirty="0">
+                <a:solidFill>
+                  <a:schemeClr val="bg2"/>
+                </a:solidFill>
+              </a:rPr>
+              <a:t>Huffman Decompression</a:t>
+            </a:r>
+          </a:p>
+          <a:p>
+            <a:pPr marL="0" lvl="0" indent="0" algn="l" rtl="0">
+              <a:spcBef>
+                <a:spcPts val="0"/>
+              </a:spcBef>
+              <a:spcAft>
+                <a:spcPts val="0"/>
+              </a:spcAft>
+              <a:buNone/>
+            </a:pPr>
+            <a:endParaRPr lang="en-GB" sz="1100" dirty="0">
+              <a:solidFill>
+                <a:schemeClr val="bg2"/>
+              </a:solidFill>
+            </a:endParaRPr>
+          </a:p>
+          <a:p>
+            <a:pPr marL="0" lvl="0" indent="0" algn="l" rtl="0">
+              <a:spcBef>
+                <a:spcPts val="0"/>
+              </a:spcBef>
+              <a:spcAft>
+                <a:spcPts val="0"/>
+              </a:spcAft>
+              <a:buNone/>
+            </a:pPr>
+            <a:endParaRPr lang="en-GB" sz="1100" dirty="0">
+              <a:solidFill>
+                <a:schemeClr val="tx1"/>
+              </a:solidFill>
+            </a:endParaRPr>
+          </a:p>
+          <a:p>
+            <a:r>
+              <a:rPr lang="en-GB" sz="1100" dirty="0">
+                <a:latin typeface="Verdana" panose="020B0604030504040204" pitchFamily="34" charset="0"/>
+                <a:ea typeface="Verdana" panose="020B0604030504040204" pitchFamily="34" charset="0"/>
+              </a:rPr>
+              <a:t>∎      </a:t>
+            </a:r>
+            <a:r>
+              <a:rPr lang="en-GB" sz="1100" dirty="0">
+                <a:solidFill>
+                  <a:schemeClr val="tx1"/>
+                </a:solidFill>
+                <a:ea typeface="Verdana" panose="020B0604030504040204" pitchFamily="34" charset="0"/>
+              </a:rPr>
+              <a:t>User Interface</a:t>
+            </a:r>
+            <a:endParaRPr lang="en-GB" sz="1100" dirty="0">
+              <a:solidFill>
+                <a:schemeClr val="tx1"/>
+              </a:solidFill>
+            </a:endParaRPr>
+          </a:p>
+          <a:p>
+            <a:pPr marL="0" lvl="0" indent="0" algn="l" rtl="0">
+              <a:spcBef>
+                <a:spcPts val="0"/>
+              </a:spcBef>
+              <a:spcAft>
+                <a:spcPts val="0"/>
+              </a:spcAft>
+              <a:buNone/>
+            </a:pPr>
+            <a:endParaRPr sz="1100" dirty="0">
+              <a:solidFill>
+                <a:schemeClr val="tx1"/>
+              </a:solidFill>
+            </a:endParaRPr>
+          </a:p>
+        </p:txBody>
+      </p:sp>
+      <p:sp>
+        <p:nvSpPr>
+          <p:cNvPr id="5" name="Google Shape;123;p18">
+            <a:extLst>
+              <a:ext uri="{FF2B5EF4-FFF2-40B4-BE49-F238E27FC236}">
+                <a16:creationId xmlns:a16="http://schemas.microsoft.com/office/drawing/2014/main" id="{82792166-AD0D-47D7-8640-CB12DBE85BD7}"/>
+              </a:ext>
+            </a:extLst>
+          </p:cNvPr>
+          <p:cNvSpPr txBox="1"/>
+          <p:nvPr/>
+        </p:nvSpPr>
+        <p:spPr>
+          <a:xfrm>
+            <a:off x="3596143" y="1383089"/>
+            <a:ext cx="3161017" cy="2827800"/>
+          </a:xfrm>
+          <a:prstGeom prst="rect">
+            <a:avLst/>
+          </a:prstGeom>
+          <a:noFill/>
+          <a:ln>
+            <a:noFill/>
+          </a:ln>
+        </p:spPr>
+        <p:txBody>
+          <a:bodyPr spcFirstLastPara="1" wrap="square" lIns="91425" tIns="91425" rIns="91425" bIns="91425" anchor="t" anchorCtr="0">
+            <a:noAutofit/>
+          </a:bodyPr>
+          <a:lstStyle/>
+          <a:p>
+            <a:pPr marL="0" lvl="0" indent="0" algn="l" rtl="0">
+              <a:spcBef>
+                <a:spcPts val="0"/>
+              </a:spcBef>
+              <a:spcAft>
+                <a:spcPts val="0"/>
+              </a:spcAft>
+              <a:buNone/>
+            </a:pPr>
+            <a:r>
+              <a:rPr lang="en-US" dirty="0"/>
+              <a:t>Decryption : </a:t>
+            </a:r>
+          </a:p>
+        </p:txBody>
+      </p:sp>
+      <p:sp>
+        <p:nvSpPr>
+          <p:cNvPr id="6" name="Rectangle 5">
+            <a:extLst>
+              <a:ext uri="{FF2B5EF4-FFF2-40B4-BE49-F238E27FC236}">
+                <a16:creationId xmlns:a16="http://schemas.microsoft.com/office/drawing/2014/main" id="{F660A199-0C43-45A9-A3C9-4A7D726FDB22}"/>
+              </a:ext>
+            </a:extLst>
+          </p:cNvPr>
+          <p:cNvSpPr/>
+          <p:nvPr/>
+        </p:nvSpPr>
+        <p:spPr>
+          <a:xfrm rot="5400000">
+            <a:off x="2235993" y="2482992"/>
+            <a:ext cx="1718074" cy="96440"/>
+          </a:xfrm>
+          <a:prstGeom prst="rect">
+            <a:avLst/>
+          </a:prstGeom>
+          <a:solidFill>
+            <a:srgbClr val="26303C"/>
+          </a:solidFill>
+          <a:ln/>
+        </p:spPr>
+        <p:style>
+          <a:lnRef idx="0">
+            <a:schemeClr val="accent3"/>
+          </a:lnRef>
+          <a:fillRef idx="3">
+            <a:schemeClr val="accent3"/>
+          </a:fillRef>
+          <a:effectRef idx="3">
+            <a:schemeClr val="accent3"/>
+          </a:effectRef>
+          <a:fontRef idx="minor">
+            <a:schemeClr val="lt1"/>
+          </a:fontRef>
+        </p:style>
+        <p:txBody>
+          <a:bodyPr rtlCol="0" anchor="ctr"/>
+          <a:lstStyle/>
+          <a:p>
+            <a:pPr algn="ctr"/>
+            <a:endParaRPr lang="en-US"/>
+          </a:p>
+        </p:txBody>
+      </p:sp>
+      <p:sp>
+        <p:nvSpPr>
+          <p:cNvPr id="13" name="Rectangle 12">
+            <a:extLst>
+              <a:ext uri="{FF2B5EF4-FFF2-40B4-BE49-F238E27FC236}">
+                <a16:creationId xmlns:a16="http://schemas.microsoft.com/office/drawing/2014/main" id="{E8874752-7DB6-45F7-9269-368977C6910F}"/>
+              </a:ext>
+            </a:extLst>
+          </p:cNvPr>
+          <p:cNvSpPr/>
+          <p:nvPr/>
+        </p:nvSpPr>
+        <p:spPr>
+          <a:xfrm>
+            <a:off x="3485684" y="1278731"/>
+            <a:ext cx="3042410" cy="2764632"/>
+          </a:xfrm>
+          <a:prstGeom prst="rect">
+            <a:avLst/>
+          </a:prstGeom>
+          <a:noFill/>
+          <a:ln>
+            <a:solidFill>
+              <a:schemeClr val="bg2"/>
+            </a:solidFill>
+          </a:ln>
+        </p:spPr>
+        <p:style>
+          <a:lnRef idx="2">
+            <a:schemeClr val="accent1">
+              <a:shade val="50000"/>
+            </a:schemeClr>
+          </a:lnRef>
+          <a:fillRef idx="1">
+            <a:schemeClr val="accent1"/>
+          </a:fillRef>
+          <a:effectRef idx="0">
+            <a:schemeClr val="accent1"/>
+          </a:effectRef>
+          <a:fontRef idx="minor">
+            <a:schemeClr val="lt1"/>
+          </a:fontRef>
+        </p:style>
+        <p:txBody>
+          <a:bodyPr rtlCol="0" anchor="ctr"/>
+          <a:lstStyle/>
+          <a:p>
+            <a:pPr algn="ctr"/>
+            <a:endParaRPr lang="en-US"/>
+          </a:p>
+        </p:txBody>
+      </p:sp>
+      <p:pic>
+        <p:nvPicPr>
+          <p:cNvPr id="2" name="Picture 1">
+            <a:extLst>
+              <a:ext uri="{FF2B5EF4-FFF2-40B4-BE49-F238E27FC236}">
+                <a16:creationId xmlns:a16="http://schemas.microsoft.com/office/drawing/2014/main" id="{4D8B18EA-60AD-4D2D-BE4D-7F0BD20D2A37}"/>
+              </a:ext>
+            </a:extLst>
+          </p:cNvPr>
+          <p:cNvPicPr>
+            <a:picLocks noChangeAspect="1"/>
+          </p:cNvPicPr>
+          <p:nvPr/>
+        </p:nvPicPr>
+        <p:blipFill>
+          <a:blip r:embed="rId4"/>
+          <a:stretch>
+            <a:fillRect/>
+          </a:stretch>
+        </p:blipFill>
+        <p:spPr>
+          <a:xfrm>
+            <a:off x="3604687" y="2045395"/>
+            <a:ext cx="2804403" cy="971634"/>
+          </a:xfrm>
+          <a:prstGeom prst="rect">
+            <a:avLst/>
+          </a:prstGeom>
+        </p:spPr>
+      </p:pic>
+    </p:spTree>
+    <p:extLst>
+      <p:ext uri="{BB962C8B-B14F-4D97-AF65-F5344CB8AC3E}">
+        <p14:creationId xmlns:p14="http://schemas.microsoft.com/office/powerpoint/2010/main" val="2903860940"/>
+      </p:ext>
+    </p:extLst>
+  </p:cSld>
+  <p:clrMapOvr>
+    <a:masterClrMapping/>
+  </p:clrMapOvr>
+  <mc:AlternateContent xmlns:mc="http://schemas.openxmlformats.org/markup-compatibility/2006" xmlns:p159="http://schemas.microsoft.com/office/powerpoint/2015/09/main">
+    <mc:Choice Requires="p159">
+      <p:transition xmlns:p14="http://schemas.microsoft.com/office/powerpoint/2010/main" spd="slow" p14:dur="2000">
+        <p159:morph option="byObject"/>
+      </p:transition>
+    </mc:Choice>
+    <mc:Fallback xmlns="">
+      <p:transition spd="slow">
+        <p:fade/>
+      </p:transition>
+    </mc:Fallback>
+  </mc:AlternateContent>
+</p:sld>
+</file>
+
+<file path=ppt/slides/slide15.xml><?xml version="1.0" encoding="utf-8"?>
+<p:sld xmlns:a="http://schemas.openxmlformats.org/drawingml/2006/main" xmlns:r="http://schemas.openxmlformats.org/officeDocument/2006/relationships" xmlns:p="http://schemas.openxmlformats.org/presentationml/2006/main" showMasterSp="0">
+  <p:cSld>
+    <p:bg>
+      <p:bgPr>
+        <a:blipFill>
+          <a:blip r:embed="rId3">
+            <a:alphaModFix/>
+          </a:blip>
+          <a:stretch>
+            <a:fillRect/>
+          </a:stretch>
+        </a:blipFill>
+        <a:effectLst/>
+      </p:bgPr>
+    </p:bg>
+    <p:spTree>
+      <p:nvGrpSpPr>
+        <p:cNvPr id="1" name="Shape 39"/>
+        <p:cNvGrpSpPr/>
+        <p:nvPr/>
+      </p:nvGrpSpPr>
+      <p:grpSpPr>
+        <a:xfrm>
+          <a:off x="0" y="0"/>
+          <a:ext cx="0" cy="0"/>
+          <a:chOff x="0" y="0"/>
+          <a:chExt cx="0" cy="0"/>
+        </a:xfrm>
+      </p:grpSpPr>
+      <p:sp>
+        <p:nvSpPr>
+          <p:cNvPr id="2" name="TextBox 1">
+            <a:extLst>
+              <a:ext uri="{FF2B5EF4-FFF2-40B4-BE49-F238E27FC236}">
+                <a16:creationId xmlns:a16="http://schemas.microsoft.com/office/drawing/2014/main" id="{F1ADAB7B-10CB-48CC-AF75-2425C87BFF27}"/>
+              </a:ext>
+            </a:extLst>
+          </p:cNvPr>
+          <p:cNvSpPr txBox="1"/>
+          <p:nvPr/>
+        </p:nvSpPr>
+        <p:spPr>
+          <a:xfrm>
+            <a:off x="2321719" y="971550"/>
+            <a:ext cx="3743325" cy="635794"/>
+          </a:xfrm>
+          <a:prstGeom prst="rect">
+            <a:avLst/>
+          </a:prstGeom>
+          <a:noFill/>
+        </p:spPr>
+        <p:txBody>
+          <a:bodyPr wrap="square" rtlCol="0">
+            <a:spAutoFit/>
+          </a:bodyPr>
+          <a:lstStyle/>
+          <a:p>
+            <a:endParaRPr lang="en-US" dirty="0"/>
+          </a:p>
+        </p:txBody>
+      </p:sp>
+      <p:sp>
+        <p:nvSpPr>
+          <p:cNvPr id="4" name="Google Shape;121;p18">
+            <a:extLst>
+              <a:ext uri="{FF2B5EF4-FFF2-40B4-BE49-F238E27FC236}">
+                <a16:creationId xmlns:a16="http://schemas.microsoft.com/office/drawing/2014/main" id="{94AF0AA5-D846-4ADF-89E0-C2219A7AFBAA}"/>
+              </a:ext>
+            </a:extLst>
+          </p:cNvPr>
+          <p:cNvSpPr txBox="1"/>
+          <p:nvPr/>
+        </p:nvSpPr>
+        <p:spPr>
+          <a:xfrm>
+            <a:off x="2304918" y="431125"/>
+            <a:ext cx="4534165" cy="459000"/>
+          </a:xfrm>
+          <a:prstGeom prst="rect">
+            <a:avLst/>
+          </a:prstGeom>
+          <a:noFill/>
+          <a:ln>
+            <a:noFill/>
+          </a:ln>
+        </p:spPr>
+        <p:txBody>
+          <a:bodyPr spcFirstLastPara="1" wrap="square" lIns="91425" tIns="91425" rIns="91425" bIns="91425" anchor="t" anchorCtr="0">
+            <a:noAutofit/>
+          </a:bodyPr>
+          <a:lstStyle/>
+          <a:p>
+            <a:pPr marL="0" lvl="0" indent="0" algn="ctr" rtl="0">
+              <a:spcBef>
+                <a:spcPts val="0"/>
+              </a:spcBef>
+              <a:spcAft>
+                <a:spcPts val="0"/>
+              </a:spcAft>
+              <a:buNone/>
+            </a:pPr>
+            <a:r>
+              <a:rPr lang="en-GB" sz="2400" b="1" dirty="0">
+                <a:latin typeface="Verdana" panose="020B0604030504040204" pitchFamily="34" charset="0"/>
+                <a:ea typeface="Verdana" panose="020B0604030504040204" pitchFamily="34" charset="0"/>
+                <a:cs typeface="Tahoma" panose="020B0604030504040204" pitchFamily="34" charset="0"/>
+                <a:sym typeface="Helvetica Neue"/>
+              </a:rPr>
+              <a:t>MOTIVATION</a:t>
+            </a:r>
+            <a:endParaRPr sz="2400" b="1" dirty="0">
+              <a:latin typeface="Verdana" panose="020B0604030504040204" pitchFamily="34" charset="0"/>
+              <a:ea typeface="Verdana" panose="020B0604030504040204" pitchFamily="34" charset="0"/>
+              <a:cs typeface="Tahoma" panose="020B0604030504040204" pitchFamily="34" charset="0"/>
+              <a:sym typeface="Helvetica Neue"/>
+            </a:endParaRPr>
+          </a:p>
+        </p:txBody>
+      </p:sp>
+      <p:sp>
+        <p:nvSpPr>
+          <p:cNvPr id="5" name="Google Shape;115;p17">
+            <a:extLst>
+              <a:ext uri="{FF2B5EF4-FFF2-40B4-BE49-F238E27FC236}">
+                <a16:creationId xmlns:a16="http://schemas.microsoft.com/office/drawing/2014/main" id="{2F180E52-F80E-4947-AA46-B58C91EFF926}"/>
+              </a:ext>
+            </a:extLst>
+          </p:cNvPr>
+          <p:cNvSpPr txBox="1"/>
+          <p:nvPr/>
+        </p:nvSpPr>
+        <p:spPr>
+          <a:xfrm>
+            <a:off x="1196969" y="1139428"/>
+            <a:ext cx="5289556" cy="3500100"/>
+          </a:xfrm>
+          <a:prstGeom prst="rect">
+            <a:avLst/>
+          </a:prstGeom>
+          <a:noFill/>
+          <a:ln>
+            <a:noFill/>
+          </a:ln>
+        </p:spPr>
+        <p:txBody>
+          <a:bodyPr spcFirstLastPara="1" wrap="square" lIns="91425" tIns="91425" rIns="91425" bIns="91425" anchor="t" anchorCtr="0">
+            <a:noAutofit/>
+          </a:bodyPr>
+          <a:lstStyle/>
+          <a:p>
+            <a:pPr marL="0" lvl="0" indent="0" algn="l" rtl="0">
+              <a:spcBef>
+                <a:spcPts val="0"/>
+              </a:spcBef>
+              <a:spcAft>
+                <a:spcPts val="0"/>
+              </a:spcAft>
+              <a:buNone/>
+            </a:pPr>
+            <a:r>
+              <a:rPr lang="en-GB" sz="1800" dirty="0">
+                <a:latin typeface="Verdana" panose="020B0604030504040204" pitchFamily="34" charset="0"/>
+                <a:ea typeface="Verdana" panose="020B0604030504040204" pitchFamily="34" charset="0"/>
+              </a:rPr>
+              <a:t>∎    Security</a:t>
+            </a:r>
+          </a:p>
+          <a:p>
+            <a:pPr marL="0" lvl="0" indent="0" algn="l" rtl="0">
+              <a:spcBef>
+                <a:spcPts val="0"/>
+              </a:spcBef>
+              <a:spcAft>
+                <a:spcPts val="0"/>
+              </a:spcAft>
+              <a:buNone/>
+            </a:pPr>
+            <a:endParaRPr lang="en-GB" sz="1800" dirty="0">
+              <a:latin typeface="Verdana" panose="020B0604030504040204" pitchFamily="34" charset="0"/>
+              <a:ea typeface="Verdana" panose="020B0604030504040204" pitchFamily="34" charset="0"/>
+            </a:endParaRPr>
+          </a:p>
+          <a:p>
+            <a:pPr lvl="0"/>
+            <a:r>
+              <a:rPr lang="en-GB" sz="1800" dirty="0">
+                <a:latin typeface="Verdana" panose="020B0604030504040204" pitchFamily="34" charset="0"/>
+                <a:ea typeface="Verdana" panose="020B0604030504040204" pitchFamily="34" charset="0"/>
+              </a:rPr>
+              <a:t>∎    Confidentiality</a:t>
+            </a:r>
+          </a:p>
+          <a:p>
+            <a:pPr lvl="0"/>
+            <a:endParaRPr lang="en-GB" sz="1800" dirty="0">
+              <a:latin typeface="Verdana" panose="020B0604030504040204" pitchFamily="34" charset="0"/>
+              <a:ea typeface="Verdana" panose="020B0604030504040204" pitchFamily="34" charset="0"/>
+            </a:endParaRPr>
+          </a:p>
+          <a:p>
+            <a:pPr lvl="0"/>
+            <a:r>
+              <a:rPr lang="en-GB" sz="1800" dirty="0">
+                <a:latin typeface="Verdana" panose="020B0604030504040204" pitchFamily="34" charset="0"/>
+                <a:ea typeface="Verdana" panose="020B0604030504040204" pitchFamily="34" charset="0"/>
+              </a:rPr>
+              <a:t>∎    Data Protection</a:t>
+            </a:r>
+          </a:p>
+          <a:p>
+            <a:pPr lvl="0"/>
+            <a:endParaRPr lang="en-GB" sz="1800" dirty="0">
+              <a:latin typeface="Verdana" panose="020B0604030504040204" pitchFamily="34" charset="0"/>
+              <a:ea typeface="Verdana" panose="020B0604030504040204" pitchFamily="34" charset="0"/>
+            </a:endParaRPr>
+          </a:p>
+          <a:p>
+            <a:pPr lvl="0"/>
+            <a:r>
+              <a:rPr lang="en-GB" sz="1800" dirty="0">
+                <a:latin typeface="Verdana" panose="020B0604030504040204" pitchFamily="34" charset="0"/>
+                <a:ea typeface="Verdana" panose="020B0604030504040204" pitchFamily="34" charset="0"/>
+              </a:rPr>
+              <a:t>∎    File Size Reduction</a:t>
+            </a:r>
+          </a:p>
+          <a:p>
+            <a:pPr lvl="0"/>
+            <a:endParaRPr lang="en-GB" sz="1800" dirty="0">
+              <a:latin typeface="Verdana" panose="020B0604030504040204" pitchFamily="34" charset="0"/>
+              <a:ea typeface="Verdana" panose="020B0604030504040204" pitchFamily="34" charset="0"/>
+            </a:endParaRPr>
+          </a:p>
+          <a:p>
+            <a:pPr lvl="0"/>
+            <a:r>
+              <a:rPr lang="en-GB" sz="1800" dirty="0">
+                <a:latin typeface="Verdana" panose="020B0604030504040204" pitchFamily="34" charset="0"/>
+                <a:ea typeface="Verdana" panose="020B0604030504040204" pitchFamily="34" charset="0"/>
+              </a:rPr>
+              <a:t>∎    Speed and Efficiency</a:t>
+            </a:r>
+            <a:endParaRPr sz="1800" dirty="0">
+              <a:latin typeface="Verdana" panose="020B0604030504040204" pitchFamily="34" charset="0"/>
+              <a:ea typeface="Verdana" panose="020B0604030504040204" pitchFamily="34" charset="0"/>
+            </a:endParaRPr>
+          </a:p>
+        </p:txBody>
+      </p:sp>
+    </p:spTree>
+    <p:extLst>
+      <p:ext uri="{BB962C8B-B14F-4D97-AF65-F5344CB8AC3E}">
+        <p14:creationId xmlns:p14="http://schemas.microsoft.com/office/powerpoint/2010/main" val="1101603126"/>
+      </p:ext>
+    </p:extLst>
+  </p:cSld>
+  <p:clrMapOvr>
+    <a:masterClrMapping/>
+  </p:clrMapOvr>
   <mc:AlternateContent xmlns:mc="http://schemas.openxmlformats.org/markup-compatibility/2006">
     <mc:Choice xmlns:p14="http://schemas.microsoft.com/office/powerpoint/2010/main" Requires="p14">
       <p:transition spd="med" p14:dur="700">
@@ -5773,6 +10081,395 @@
     <mc:Fallback>
       <p:transition spd="med">
         <p:fade/>
+      </p:transition>
+    </mc:Fallback>
+  </mc:AlternateContent>
+</p:sld>
+</file>
+
+<file path=ppt/slides/slide16.xml><?xml version="1.0" encoding="utf-8"?>
+<p:sld xmlns:a="http://schemas.openxmlformats.org/drawingml/2006/main" xmlns:r="http://schemas.openxmlformats.org/officeDocument/2006/relationships" xmlns:p="http://schemas.openxmlformats.org/presentationml/2006/main" showMasterSp="0">
+  <p:cSld>
+    <p:bg>
+      <p:bgPr>
+        <a:blipFill>
+          <a:blip r:embed="rId3">
+            <a:alphaModFix/>
+          </a:blip>
+          <a:stretch>
+            <a:fillRect/>
+          </a:stretch>
+        </a:blipFill>
+        <a:effectLst/>
+      </p:bgPr>
+    </p:bg>
+    <p:spTree>
+      <p:nvGrpSpPr>
+        <p:cNvPr id="1" name="Shape 39"/>
+        <p:cNvGrpSpPr/>
+        <p:nvPr/>
+      </p:nvGrpSpPr>
+      <p:grpSpPr>
+        <a:xfrm>
+          <a:off x="0" y="0"/>
+          <a:ext cx="0" cy="0"/>
+          <a:chOff x="0" y="0"/>
+          <a:chExt cx="0" cy="0"/>
+        </a:xfrm>
+      </p:grpSpPr>
+      <p:sp>
+        <p:nvSpPr>
+          <p:cNvPr id="2" name="TextBox 1">
+            <a:extLst>
+              <a:ext uri="{FF2B5EF4-FFF2-40B4-BE49-F238E27FC236}">
+                <a16:creationId xmlns:a16="http://schemas.microsoft.com/office/drawing/2014/main" id="{F1ADAB7B-10CB-48CC-AF75-2425C87BFF27}"/>
+              </a:ext>
+            </a:extLst>
+          </p:cNvPr>
+          <p:cNvSpPr txBox="1"/>
+          <p:nvPr/>
+        </p:nvSpPr>
+        <p:spPr>
+          <a:xfrm>
+            <a:off x="2321719" y="971550"/>
+            <a:ext cx="3743325" cy="635794"/>
+          </a:xfrm>
+          <a:prstGeom prst="rect">
+            <a:avLst/>
+          </a:prstGeom>
+          <a:noFill/>
+        </p:spPr>
+        <p:txBody>
+          <a:bodyPr wrap="square" rtlCol="0">
+            <a:spAutoFit/>
+          </a:bodyPr>
+          <a:lstStyle/>
+          <a:p>
+            <a:endParaRPr lang="en-US" dirty="0"/>
+          </a:p>
+        </p:txBody>
+      </p:sp>
+      <p:sp>
+        <p:nvSpPr>
+          <p:cNvPr id="4" name="Google Shape;121;p18">
+            <a:extLst>
+              <a:ext uri="{FF2B5EF4-FFF2-40B4-BE49-F238E27FC236}">
+                <a16:creationId xmlns:a16="http://schemas.microsoft.com/office/drawing/2014/main" id="{94AF0AA5-D846-4ADF-89E0-C2219A7AFBAA}"/>
+              </a:ext>
+            </a:extLst>
+          </p:cNvPr>
+          <p:cNvSpPr txBox="1"/>
+          <p:nvPr/>
+        </p:nvSpPr>
+        <p:spPr>
+          <a:xfrm>
+            <a:off x="2304918" y="431125"/>
+            <a:ext cx="4534165" cy="459000"/>
+          </a:xfrm>
+          <a:prstGeom prst="rect">
+            <a:avLst/>
+          </a:prstGeom>
+          <a:noFill/>
+          <a:ln>
+            <a:noFill/>
+          </a:ln>
+        </p:spPr>
+        <p:txBody>
+          <a:bodyPr spcFirstLastPara="1" wrap="square" lIns="91425" tIns="91425" rIns="91425" bIns="91425" anchor="t" anchorCtr="0">
+            <a:noAutofit/>
+          </a:bodyPr>
+          <a:lstStyle/>
+          <a:p>
+            <a:pPr marL="0" lvl="0" indent="0" algn="ctr" rtl="0">
+              <a:spcBef>
+                <a:spcPts val="0"/>
+              </a:spcBef>
+              <a:spcAft>
+                <a:spcPts val="0"/>
+              </a:spcAft>
+              <a:buNone/>
+            </a:pPr>
+            <a:r>
+              <a:rPr lang="en-GB" sz="2400" b="1" dirty="0">
+                <a:latin typeface="Verdana" panose="020B0604030504040204" pitchFamily="34" charset="0"/>
+                <a:ea typeface="Verdana" panose="020B0604030504040204" pitchFamily="34" charset="0"/>
+                <a:cs typeface="Tahoma" panose="020B0604030504040204" pitchFamily="34" charset="0"/>
+                <a:sym typeface="Helvetica Neue"/>
+              </a:rPr>
+              <a:t>CHALLENGES</a:t>
+            </a:r>
+            <a:endParaRPr sz="2400" b="1" dirty="0">
+              <a:latin typeface="Verdana" panose="020B0604030504040204" pitchFamily="34" charset="0"/>
+              <a:ea typeface="Verdana" panose="020B0604030504040204" pitchFamily="34" charset="0"/>
+              <a:cs typeface="Tahoma" panose="020B0604030504040204" pitchFamily="34" charset="0"/>
+              <a:sym typeface="Helvetica Neue"/>
+            </a:endParaRPr>
+          </a:p>
+        </p:txBody>
+      </p:sp>
+      <p:sp>
+        <p:nvSpPr>
+          <p:cNvPr id="5" name="Google Shape;115;p17">
+            <a:extLst>
+              <a:ext uri="{FF2B5EF4-FFF2-40B4-BE49-F238E27FC236}">
+                <a16:creationId xmlns:a16="http://schemas.microsoft.com/office/drawing/2014/main" id="{2F180E52-F80E-4947-AA46-B58C91EFF926}"/>
+              </a:ext>
+            </a:extLst>
+          </p:cNvPr>
+          <p:cNvSpPr txBox="1"/>
+          <p:nvPr/>
+        </p:nvSpPr>
+        <p:spPr>
+          <a:xfrm>
+            <a:off x="1196969" y="1289447"/>
+            <a:ext cx="5289556" cy="3500100"/>
+          </a:xfrm>
+          <a:prstGeom prst="rect">
+            <a:avLst/>
+          </a:prstGeom>
+          <a:noFill/>
+          <a:ln>
+            <a:noFill/>
+          </a:ln>
+        </p:spPr>
+        <p:txBody>
+          <a:bodyPr spcFirstLastPara="1" wrap="square" lIns="91425" tIns="91425" rIns="91425" bIns="91425" anchor="t" anchorCtr="0">
+            <a:noAutofit/>
+          </a:bodyPr>
+          <a:lstStyle/>
+          <a:p>
+            <a:pPr marL="0" lvl="0" indent="0" algn="l" rtl="0">
+              <a:spcBef>
+                <a:spcPts val="0"/>
+              </a:spcBef>
+              <a:spcAft>
+                <a:spcPts val="0"/>
+              </a:spcAft>
+              <a:buNone/>
+            </a:pPr>
+            <a:r>
+              <a:rPr lang="en-GB" sz="1800" dirty="0">
+                <a:latin typeface="Verdana" panose="020B0604030504040204" pitchFamily="34" charset="0"/>
+                <a:ea typeface="Verdana" panose="020B0604030504040204" pitchFamily="34" charset="0"/>
+              </a:rPr>
+              <a:t>∎    Dividing the state arrays into blocks</a:t>
+            </a:r>
+          </a:p>
+          <a:p>
+            <a:pPr marL="0" lvl="0" indent="0" algn="l" rtl="0">
+              <a:spcBef>
+                <a:spcPts val="0"/>
+              </a:spcBef>
+              <a:spcAft>
+                <a:spcPts val="0"/>
+              </a:spcAft>
+              <a:buNone/>
+            </a:pPr>
+            <a:r>
+              <a:rPr lang="en-GB" sz="1800" dirty="0">
+                <a:latin typeface="Verdana" panose="020B0604030504040204" pitchFamily="34" charset="0"/>
+                <a:ea typeface="Verdana" panose="020B0604030504040204" pitchFamily="34" charset="0"/>
+              </a:rPr>
+              <a:t>      of multiple state arrays</a:t>
+            </a:r>
+          </a:p>
+          <a:p>
+            <a:pPr marL="0" lvl="0" indent="0" algn="l" rtl="0">
+              <a:spcBef>
+                <a:spcPts val="0"/>
+              </a:spcBef>
+              <a:spcAft>
+                <a:spcPts val="0"/>
+              </a:spcAft>
+              <a:buNone/>
+            </a:pPr>
+            <a:endParaRPr lang="en-GB" sz="1800" dirty="0">
+              <a:latin typeface="Verdana" panose="020B0604030504040204" pitchFamily="34" charset="0"/>
+              <a:ea typeface="Verdana" panose="020B0604030504040204" pitchFamily="34" charset="0"/>
+            </a:endParaRPr>
+          </a:p>
+          <a:p>
+            <a:pPr lvl="0"/>
+            <a:r>
+              <a:rPr lang="en-GB" sz="1800" dirty="0">
+                <a:latin typeface="Verdana" panose="020B0604030504040204" pitchFamily="34" charset="0"/>
+                <a:ea typeface="Verdana" panose="020B0604030504040204" pitchFamily="34" charset="0"/>
+              </a:rPr>
+              <a:t>∎    Bit Manipulation</a:t>
+            </a:r>
+          </a:p>
+          <a:p>
+            <a:pPr lvl="0"/>
+            <a:endParaRPr lang="en-GB" sz="1800" dirty="0">
+              <a:latin typeface="Verdana" panose="020B0604030504040204" pitchFamily="34" charset="0"/>
+              <a:ea typeface="Verdana" panose="020B0604030504040204" pitchFamily="34" charset="0"/>
+            </a:endParaRPr>
+          </a:p>
+          <a:p>
+            <a:pPr lvl="0"/>
+            <a:r>
+              <a:rPr lang="en-GB" sz="1800" dirty="0">
+                <a:latin typeface="Verdana" panose="020B0604030504040204" pitchFamily="34" charset="0"/>
+                <a:ea typeface="Verdana" panose="020B0604030504040204" pitchFamily="34" charset="0"/>
+              </a:rPr>
+              <a:t>∎    Galois Field Arithmetic</a:t>
+            </a:r>
+          </a:p>
+          <a:p>
+            <a:pPr lvl="0"/>
+            <a:endParaRPr lang="en-GB" sz="1800" dirty="0">
+              <a:latin typeface="Verdana" panose="020B0604030504040204" pitchFamily="34" charset="0"/>
+              <a:ea typeface="Verdana" panose="020B0604030504040204" pitchFamily="34" charset="0"/>
+            </a:endParaRPr>
+          </a:p>
+          <a:p>
+            <a:pPr lvl="0"/>
+            <a:r>
+              <a:rPr lang="en-GB" sz="1800" dirty="0">
+                <a:latin typeface="Verdana" panose="020B0604030504040204" pitchFamily="34" charset="0"/>
+                <a:ea typeface="Verdana" panose="020B0604030504040204" pitchFamily="34" charset="0"/>
+              </a:rPr>
+              <a:t>∎    Integrating with the Huffman Algorithm</a:t>
+            </a:r>
+            <a:endParaRPr sz="1800" dirty="0">
+              <a:latin typeface="Verdana" panose="020B0604030504040204" pitchFamily="34" charset="0"/>
+              <a:ea typeface="Verdana" panose="020B0604030504040204" pitchFamily="34" charset="0"/>
+            </a:endParaRPr>
+          </a:p>
+        </p:txBody>
+      </p:sp>
+    </p:spTree>
+    <p:extLst>
+      <p:ext uri="{BB962C8B-B14F-4D97-AF65-F5344CB8AC3E}">
+        <p14:creationId xmlns:p14="http://schemas.microsoft.com/office/powerpoint/2010/main" val="4204123043"/>
+      </p:ext>
+    </p:extLst>
+  </p:cSld>
+  <p:clrMapOvr>
+    <a:masterClrMapping/>
+  </p:clrMapOvr>
+  <mc:AlternateContent xmlns:mc="http://schemas.openxmlformats.org/markup-compatibility/2006">
+    <mc:Choice xmlns:p159="http://schemas.microsoft.com/office/powerpoint/2015/09/main" Requires="p159">
+      <p:transition xmlns:p14="http://schemas.microsoft.com/office/powerpoint/2010/main" spd="slow" p14:dur="2000">
+        <p159:morph option="byObject"/>
+      </p:transition>
+    </mc:Choice>
+    <mc:Fallback>
+      <p:transition spd="slow">
+        <p:fade/>
+      </p:transition>
+    </mc:Fallback>
+  </mc:AlternateContent>
+</p:sld>
+</file>
+
+<file path=ppt/slides/slide17.xml><?xml version="1.0" encoding="utf-8"?>
+<p:sld xmlns:a="http://schemas.openxmlformats.org/drawingml/2006/main" xmlns:r="http://schemas.openxmlformats.org/officeDocument/2006/relationships" xmlns:p="http://schemas.openxmlformats.org/presentationml/2006/main" showMasterSp="0">
+  <p:cSld>
+    <p:bg>
+      <p:bgPr>
+        <a:blipFill>
+          <a:blip r:embed="rId3">
+            <a:alphaModFix/>
+          </a:blip>
+          <a:stretch>
+            <a:fillRect/>
+          </a:stretch>
+        </a:blipFill>
+        <a:effectLst/>
+      </p:bgPr>
+    </p:bg>
+    <p:spTree>
+      <p:nvGrpSpPr>
+        <p:cNvPr id="1" name="Shape 39"/>
+        <p:cNvGrpSpPr/>
+        <p:nvPr/>
+      </p:nvGrpSpPr>
+      <p:grpSpPr>
+        <a:xfrm>
+          <a:off x="0" y="0"/>
+          <a:ext cx="0" cy="0"/>
+          <a:chOff x="0" y="0"/>
+          <a:chExt cx="0" cy="0"/>
+        </a:xfrm>
+      </p:grpSpPr>
+      <p:sp>
+        <p:nvSpPr>
+          <p:cNvPr id="4" name="Google Shape;121;p18">
+            <a:extLst>
+              <a:ext uri="{FF2B5EF4-FFF2-40B4-BE49-F238E27FC236}">
+                <a16:creationId xmlns:a16="http://schemas.microsoft.com/office/drawing/2014/main" id="{94AF0AA5-D846-4ADF-89E0-C2219A7AFBAA}"/>
+              </a:ext>
+            </a:extLst>
+          </p:cNvPr>
+          <p:cNvSpPr txBox="1"/>
+          <p:nvPr/>
+        </p:nvSpPr>
+        <p:spPr>
+          <a:xfrm>
+            <a:off x="2304917" y="2017038"/>
+            <a:ext cx="4534165" cy="459000"/>
+          </a:xfrm>
+          <a:prstGeom prst="rect">
+            <a:avLst/>
+          </a:prstGeom>
+          <a:noFill/>
+          <a:ln>
+            <a:noFill/>
+          </a:ln>
+        </p:spPr>
+        <p:txBody>
+          <a:bodyPr spcFirstLastPara="1" wrap="square" lIns="91425" tIns="91425" rIns="91425" bIns="91425" anchor="t" anchorCtr="0">
+            <a:noAutofit/>
+          </a:bodyPr>
+          <a:lstStyle/>
+          <a:p>
+            <a:pPr marL="0" lvl="0" indent="0" algn="ctr" rtl="0">
+              <a:spcBef>
+                <a:spcPts val="0"/>
+              </a:spcBef>
+              <a:spcAft>
+                <a:spcPts val="0"/>
+              </a:spcAft>
+              <a:buNone/>
+            </a:pPr>
+            <a:r>
+              <a:rPr lang="en-GB" sz="3200" b="1" dirty="0">
+                <a:latin typeface="Verdana" panose="020B0604030504040204" pitchFamily="34" charset="0"/>
+                <a:ea typeface="Verdana" panose="020B0604030504040204" pitchFamily="34" charset="0"/>
+                <a:cs typeface="Tahoma" panose="020B0604030504040204" pitchFamily="34" charset="0"/>
+                <a:sym typeface="Helvetica Neue"/>
+              </a:rPr>
+              <a:t>THE END</a:t>
+            </a:r>
+            <a:endParaRPr sz="3200" b="1" dirty="0">
+              <a:latin typeface="Verdana" panose="020B0604030504040204" pitchFamily="34" charset="0"/>
+              <a:ea typeface="Verdana" panose="020B0604030504040204" pitchFamily="34" charset="0"/>
+              <a:cs typeface="Tahoma" panose="020B0604030504040204" pitchFamily="34" charset="0"/>
+              <a:sym typeface="Helvetica Neue"/>
+            </a:endParaRPr>
+          </a:p>
+        </p:txBody>
+      </p:sp>
+    </p:spTree>
+    <p:extLst>
+      <p:ext uri="{BB962C8B-B14F-4D97-AF65-F5344CB8AC3E}">
+        <p14:creationId xmlns:p14="http://schemas.microsoft.com/office/powerpoint/2010/main" val="1877157520"/>
+      </p:ext>
+    </p:extLst>
+  </p:cSld>
+  <p:clrMapOvr>
+    <a:masterClrMapping/>
+  </p:clrMapOvr>
+  <mc:AlternateContent xmlns:mc="http://schemas.openxmlformats.org/markup-compatibility/2006" xmlns:p14="http://schemas.microsoft.com/office/powerpoint/2010/main">
+    <mc:Choice Requires="p14">
+      <p:transition p14:dur="100">
+        <p:cut/>
+      </p:transition>
+    </mc:Choice>
+    <mc:Fallback xmlns="">
+      <p:transition>
+        <p:cut/>
       </p:transition>
     </mc:Fallback>
   </mc:AlternateContent>
@@ -6077,13 +10774,13 @@
   <p:clrMapOvr>
     <a:masterClrMapping/>
   </p:clrMapOvr>
-  <mc:AlternateContent xmlns:mc="http://schemas.openxmlformats.org/markup-compatibility/2006">
-    <mc:Choice xmlns:p14="http://schemas.microsoft.com/office/powerpoint/2010/main" Requires="p14">
+  <mc:AlternateContent xmlns:mc="http://schemas.openxmlformats.org/markup-compatibility/2006" xmlns:p14="http://schemas.microsoft.com/office/powerpoint/2010/main">
+    <mc:Choice Requires="p14">
       <p:transition p14:dur="100">
         <p:cut/>
       </p:transition>
     </mc:Choice>
-    <mc:Fallback>
+    <mc:Fallback xmlns="">
       <p:transition>
         <p:cut/>
       </p:transition>
@@ -6183,7 +10880,7 @@
         <p:spPr>
           <a:xfrm>
             <a:off x="418300" y="1263475"/>
-            <a:ext cx="4972800" cy="3500100"/>
+            <a:ext cx="4972800" cy="3880025"/>
           </a:xfrm>
           <a:prstGeom prst="rect">
             <a:avLst/>
@@ -6245,21 +10942,6 @@
               </a:spcAft>
               <a:buNone/>
             </a:pPr>
-            <a:endParaRPr sz="2000" dirty="0">
-              <a:latin typeface="Verdana" panose="020B0604030504040204" pitchFamily="34" charset="0"/>
-              <a:ea typeface="Verdana" panose="020B0604030504040204" pitchFamily="34" charset="0"/>
-            </a:endParaRPr>
-          </a:p>
-          <a:p>
-            <a:pPr marL="0" lvl="0" indent="0" algn="l" rtl="0">
-              <a:spcBef>
-                <a:spcPts val="0"/>
-              </a:spcBef>
-              <a:spcAft>
-                <a:spcPts val="0"/>
-              </a:spcAft>
-              <a:buNone/>
-            </a:pPr>
             <a:r>
               <a:rPr lang="en-GB" sz="2000" dirty="0">
                 <a:latin typeface="Verdana" panose="020B0604030504040204" pitchFamily="34" charset="0"/>
@@ -6297,21 +10979,6 @@
               </a:spcAft>
               <a:buNone/>
             </a:pPr>
-            <a:endParaRPr sz="2000" dirty="0">
-              <a:latin typeface="Verdana" panose="020B0604030504040204" pitchFamily="34" charset="0"/>
-              <a:ea typeface="Verdana" panose="020B0604030504040204" pitchFamily="34" charset="0"/>
-            </a:endParaRPr>
-          </a:p>
-          <a:p>
-            <a:pPr marL="0" lvl="0" indent="0" algn="l" rtl="0">
-              <a:spcBef>
-                <a:spcPts val="0"/>
-              </a:spcBef>
-              <a:spcAft>
-                <a:spcPts val="0"/>
-              </a:spcAft>
-              <a:buNone/>
-            </a:pPr>
             <a:r>
               <a:rPr lang="en-GB" sz="2000" dirty="0">
                 <a:latin typeface="Verdana" panose="020B0604030504040204" pitchFamily="34" charset="0"/>
@@ -6349,27 +11016,37 @@
               </a:spcAft>
               <a:buNone/>
             </a:pPr>
-            <a:endParaRPr sz="2000" dirty="0">
-              <a:latin typeface="Verdana" panose="020B0604030504040204" pitchFamily="34" charset="0"/>
-              <a:ea typeface="Verdana" panose="020B0604030504040204" pitchFamily="34" charset="0"/>
-            </a:endParaRPr>
-          </a:p>
-          <a:p>
-            <a:pPr marL="0" lvl="0" indent="0" algn="l" rtl="0">
-              <a:spcBef>
-                <a:spcPts val="0"/>
-              </a:spcBef>
-              <a:spcAft>
-                <a:spcPts val="0"/>
-              </a:spcAft>
-              <a:buNone/>
-            </a:pPr>
             <a:r>
               <a:rPr lang="en-GB" sz="2000" dirty="0">
                 <a:latin typeface="Verdana" panose="020B0604030504040204" pitchFamily="34" charset="0"/>
                 <a:ea typeface="Verdana" panose="020B0604030504040204" pitchFamily="34" charset="0"/>
               </a:rPr>
               <a:t>∎    Huffman Decompression</a:t>
+            </a:r>
+          </a:p>
+          <a:p>
+            <a:pPr marL="0" lvl="0" indent="0" algn="l" rtl="0">
+              <a:spcBef>
+                <a:spcPts val="0"/>
+              </a:spcBef>
+              <a:spcAft>
+                <a:spcPts val="0"/>
+              </a:spcAft>
+              <a:buNone/>
+            </a:pPr>
+            <a:endParaRPr lang="en-GB" sz="2000" dirty="0">
+              <a:latin typeface="Verdana" panose="020B0604030504040204" pitchFamily="34" charset="0"/>
+              <a:ea typeface="Verdana" panose="020B0604030504040204" pitchFamily="34" charset="0"/>
+            </a:endParaRPr>
+          </a:p>
+          <a:p>
+            <a:pPr lvl="0"/>
+            <a:r>
+              <a:rPr lang="en-GB" sz="2000" dirty="0">
+                <a:latin typeface="Verdana" panose="020B0604030504040204" pitchFamily="34" charset="0"/>
+                <a:ea typeface="Verdana" panose="020B0604030504040204" pitchFamily="34" charset="0"/>
+              </a:rPr>
+              <a:t>∎    User Interface</a:t>
             </a:r>
             <a:endParaRPr sz="2000" dirty="0">
               <a:latin typeface="Verdana" panose="020B0604030504040204" pitchFamily="34" charset="0"/>
@@ -6536,8 +11213,8 @@
         </p:nvSpPr>
         <p:spPr>
           <a:xfrm>
-            <a:off x="256650" y="1606050"/>
-            <a:ext cx="2337000" cy="1931400"/>
+            <a:off x="256650" y="1606049"/>
+            <a:ext cx="2337000" cy="2437313"/>
           </a:xfrm>
           <a:prstGeom prst="rect">
             <a:avLst/>
@@ -6746,6 +11423,55 @@
               </a:rPr>
               <a:t>∎        Huffman Decompression</a:t>
             </a:r>
+          </a:p>
+          <a:p>
+            <a:pPr marL="0" lvl="0" indent="0" algn="l" rtl="0">
+              <a:spcBef>
+                <a:spcPts val="0"/>
+              </a:spcBef>
+              <a:spcAft>
+                <a:spcPts val="0"/>
+              </a:spcAft>
+              <a:buNone/>
+            </a:pPr>
+            <a:endParaRPr lang="en-GB" sz="1100" dirty="0">
+              <a:solidFill>
+                <a:schemeClr val="bg1"/>
+              </a:solidFill>
+            </a:endParaRPr>
+          </a:p>
+          <a:p>
+            <a:pPr marL="0" lvl="0" indent="0" algn="l" rtl="0">
+              <a:spcBef>
+                <a:spcPts val="0"/>
+              </a:spcBef>
+              <a:spcAft>
+                <a:spcPts val="0"/>
+              </a:spcAft>
+              <a:buNone/>
+            </a:pPr>
+            <a:endParaRPr lang="en-GB" sz="1100" dirty="0">
+              <a:solidFill>
+                <a:schemeClr val="bg1"/>
+              </a:solidFill>
+            </a:endParaRPr>
+          </a:p>
+          <a:p>
+            <a:pPr lvl="0"/>
+            <a:r>
+              <a:rPr lang="en-GB" sz="1100" dirty="0">
+                <a:latin typeface="Verdana" panose="020B0604030504040204" pitchFamily="34" charset="0"/>
+                <a:ea typeface="Verdana" panose="020B0604030504040204" pitchFamily="34" charset="0"/>
+              </a:rPr>
+              <a:t>∎      </a:t>
+            </a:r>
+            <a:r>
+              <a:rPr lang="en-GB" sz="1100" dirty="0">
+                <a:latin typeface="+mj-lt"/>
+                <a:ea typeface="Verdana" panose="020B0604030504040204" pitchFamily="34" charset="0"/>
+              </a:rPr>
+              <a:t>User Interface</a:t>
+            </a:r>
             <a:endParaRPr sz="1100" dirty="0">
               <a:solidFill>
                 <a:schemeClr val="bg1"/>
@@ -6762,8 +11488,8 @@
         </p:nvSpPr>
         <p:spPr>
           <a:xfrm>
-            <a:off x="2924829" y="1361657"/>
-            <a:ext cx="3468000" cy="2827800"/>
+            <a:off x="3558003" y="2036225"/>
+            <a:ext cx="3042410" cy="950119"/>
           </a:xfrm>
           <a:prstGeom prst="rect">
             <a:avLst/>
@@ -6788,11 +11514,278 @@
               </a:spcAft>
               <a:buNone/>
             </a:pPr>
-            <a:endParaRPr dirty="0"/>
+            <a:r>
+              <a:rPr lang="en-US" dirty="0"/>
+              <a:t>          What is AES Encryption?</a:t>
+            </a:r>
+          </a:p>
+          <a:p>
+            <a:pPr marL="0" lvl="0" indent="0" algn="l" rtl="0">
+              <a:spcBef>
+                <a:spcPts val="0"/>
+              </a:spcBef>
+              <a:spcAft>
+                <a:spcPts val="0"/>
+              </a:spcAft>
+              <a:buNone/>
+            </a:pPr>
+            <a:endParaRPr lang="en-US" dirty="0"/>
+          </a:p>
+          <a:p>
+            <a:pPr marL="0" lvl="0" indent="0" algn="l" rtl="0">
+              <a:spcBef>
+                <a:spcPts val="0"/>
+              </a:spcBef>
+              <a:spcAft>
+                <a:spcPts val="0"/>
+              </a:spcAft>
+              <a:buNone/>
+            </a:pPr>
+            <a:r>
+              <a:rPr lang="en-US" dirty="0"/>
+              <a:t>          Why AES?</a:t>
+            </a:r>
+          </a:p>
+          <a:p>
+            <a:pPr marL="0" lvl="0" indent="0" algn="l" rtl="0">
+              <a:spcBef>
+                <a:spcPts val="0"/>
+              </a:spcBef>
+              <a:spcAft>
+                <a:spcPts val="0"/>
+              </a:spcAft>
+              <a:buNone/>
+            </a:pPr>
+            <a:endParaRPr lang="en-US" dirty="0"/>
+          </a:p>
+          <a:p>
+            <a:pPr marL="0" lvl="0" indent="0" algn="l" rtl="0">
+              <a:spcBef>
+                <a:spcPts val="0"/>
+              </a:spcBef>
+              <a:spcAft>
+                <a:spcPts val="0"/>
+              </a:spcAft>
+              <a:buNone/>
+            </a:pPr>
+            <a:endParaRPr lang="en-US" dirty="0"/>
+          </a:p>
+        </p:txBody>
+      </p:sp>
+      <p:sp>
+        <p:nvSpPr>
+          <p:cNvPr id="6" name="Rectangle 5">
+            <a:extLst>
+              <a:ext uri="{FF2B5EF4-FFF2-40B4-BE49-F238E27FC236}">
+                <a16:creationId xmlns:a16="http://schemas.microsoft.com/office/drawing/2014/main" id="{56E09D96-529B-41C3-AE68-0CC95D57D34E}"/>
+              </a:ext>
+            </a:extLst>
+          </p:cNvPr>
+          <p:cNvSpPr/>
+          <p:nvPr/>
+        </p:nvSpPr>
+        <p:spPr>
+          <a:xfrm rot="5400000">
+            <a:off x="2235993" y="2482992"/>
+            <a:ext cx="1718074" cy="96440"/>
+          </a:xfrm>
+          <a:prstGeom prst="rect">
+            <a:avLst/>
+          </a:prstGeom>
+          <a:solidFill>
+            <a:srgbClr val="26303C"/>
+          </a:solidFill>
+          <a:ln/>
+        </p:spPr>
+        <p:style>
+          <a:lnRef idx="0">
+            <a:schemeClr val="accent3"/>
+          </a:lnRef>
+          <a:fillRef idx="3">
+            <a:schemeClr val="accent3"/>
+          </a:fillRef>
+          <a:effectRef idx="3">
+            <a:schemeClr val="accent3"/>
+          </a:effectRef>
+          <a:fontRef idx="minor">
+            <a:schemeClr val="lt1"/>
+          </a:fontRef>
+        </p:style>
+        <p:txBody>
+          <a:bodyPr rtlCol="0" anchor="ctr"/>
+          <a:lstStyle/>
+          <a:p>
+            <a:pPr algn="ctr"/>
+            <a:endParaRPr lang="en-US"/>
+          </a:p>
+        </p:txBody>
+      </p:sp>
+      <p:sp>
+        <p:nvSpPr>
+          <p:cNvPr id="4" name="Arrow: Right 3">
+            <a:extLst>
+              <a:ext uri="{FF2B5EF4-FFF2-40B4-BE49-F238E27FC236}">
+                <a16:creationId xmlns:a16="http://schemas.microsoft.com/office/drawing/2014/main" id="{71B9DFD7-5A17-45F7-892E-CA2C5428AECB}"/>
+              </a:ext>
+            </a:extLst>
+          </p:cNvPr>
+          <p:cNvSpPr/>
+          <p:nvPr/>
+        </p:nvSpPr>
+        <p:spPr>
+          <a:xfrm>
+            <a:off x="3686175" y="2154288"/>
+            <a:ext cx="285750" cy="129125"/>
+          </a:xfrm>
+          <a:prstGeom prst="rightArrow">
+            <a:avLst/>
+          </a:prstGeom>
+          <a:solidFill>
+            <a:schemeClr val="bg2"/>
+          </a:solidFill>
+          <a:ln>
+            <a:solidFill>
+              <a:schemeClr val="bg2"/>
+            </a:solidFill>
+          </a:ln>
+        </p:spPr>
+        <p:style>
+          <a:lnRef idx="2">
+            <a:schemeClr val="accent1">
+              <a:shade val="50000"/>
+            </a:schemeClr>
+          </a:lnRef>
+          <a:fillRef idx="1">
+            <a:schemeClr val="accent1"/>
+          </a:fillRef>
+          <a:effectRef idx="0">
+            <a:schemeClr val="accent1"/>
+          </a:effectRef>
+          <a:fontRef idx="minor">
+            <a:schemeClr val="lt1"/>
+          </a:fontRef>
+        </p:style>
+        <p:txBody>
+          <a:bodyPr rtlCol="0" anchor="ctr"/>
+          <a:lstStyle/>
+          <a:p>
+            <a:pPr algn="ctr"/>
+            <a:endParaRPr lang="en-US"/>
+          </a:p>
+        </p:txBody>
+      </p:sp>
+      <p:sp>
+        <p:nvSpPr>
+          <p:cNvPr id="5" name="Rectangle 4">
+            <a:extLst>
+              <a:ext uri="{FF2B5EF4-FFF2-40B4-BE49-F238E27FC236}">
+                <a16:creationId xmlns:a16="http://schemas.microsoft.com/office/drawing/2014/main" id="{64B79C33-DEEE-4748-AF03-A8029AEF003C}"/>
+              </a:ext>
+            </a:extLst>
+          </p:cNvPr>
+          <p:cNvSpPr/>
+          <p:nvPr/>
+        </p:nvSpPr>
+        <p:spPr>
+          <a:xfrm>
+            <a:off x="3485684" y="1278731"/>
+            <a:ext cx="3042410" cy="2764632"/>
+          </a:xfrm>
+          <a:prstGeom prst="rect">
+            <a:avLst/>
+          </a:prstGeom>
+          <a:noFill/>
+          <a:ln>
+            <a:solidFill>
+              <a:schemeClr val="bg2"/>
+            </a:solidFill>
+          </a:ln>
+        </p:spPr>
+        <p:style>
+          <a:lnRef idx="2">
+            <a:schemeClr val="accent1">
+              <a:shade val="50000"/>
+            </a:schemeClr>
+          </a:lnRef>
+          <a:fillRef idx="1">
+            <a:schemeClr val="accent1"/>
+          </a:fillRef>
+          <a:effectRef idx="0">
+            <a:schemeClr val="accent1"/>
+          </a:effectRef>
+          <a:fontRef idx="minor">
+            <a:schemeClr val="lt1"/>
+          </a:fontRef>
+        </p:style>
+        <p:txBody>
+          <a:bodyPr rtlCol="0" anchor="ctr"/>
+          <a:lstStyle/>
+          <a:p>
+            <a:pPr algn="ctr"/>
+            <a:endParaRPr lang="en-US"/>
+          </a:p>
+        </p:txBody>
+      </p:sp>
+      <p:sp>
+        <p:nvSpPr>
+          <p:cNvPr id="15" name="Arrow: Right 14">
+            <a:extLst>
+              <a:ext uri="{FF2B5EF4-FFF2-40B4-BE49-F238E27FC236}">
+                <a16:creationId xmlns:a16="http://schemas.microsoft.com/office/drawing/2014/main" id="{4C4AF2C2-135C-4195-B070-3E7CC88F1010}"/>
+              </a:ext>
+            </a:extLst>
+          </p:cNvPr>
+          <p:cNvSpPr/>
+          <p:nvPr/>
+        </p:nvSpPr>
+        <p:spPr>
+          <a:xfrm>
+            <a:off x="3686175" y="2588862"/>
+            <a:ext cx="285750" cy="129125"/>
+          </a:xfrm>
+          <a:prstGeom prst="rightArrow">
+            <a:avLst/>
+          </a:prstGeom>
+          <a:solidFill>
+            <a:schemeClr val="bg2"/>
+          </a:solidFill>
+          <a:ln>
+            <a:solidFill>
+              <a:schemeClr val="bg2"/>
+            </a:solidFill>
+          </a:ln>
+        </p:spPr>
+        <p:style>
+          <a:lnRef idx="2">
+            <a:schemeClr val="accent1">
+              <a:shade val="50000"/>
+            </a:schemeClr>
+          </a:lnRef>
+          <a:fillRef idx="1">
+            <a:schemeClr val="accent1"/>
+          </a:fillRef>
+          <a:effectRef idx="0">
+            <a:schemeClr val="accent1"/>
+          </a:effectRef>
+          <a:fontRef idx="minor">
+            <a:schemeClr val="lt1"/>
+          </a:fontRef>
+        </p:style>
+        <p:txBody>
+          <a:bodyPr rtlCol="0" anchor="ctr"/>
+          <a:lstStyle/>
+          <a:p>
+            <a:pPr algn="ctr"/>
+            <a:endParaRPr lang="en-US"/>
           </a:p>
         </p:txBody>
       </p:sp>
     </p:spTree>
+    <p:extLst>
+      <p:ext uri="{BB962C8B-B14F-4D97-AF65-F5344CB8AC3E}">
+        <p14:creationId xmlns:p14="http://schemas.microsoft.com/office/powerpoint/2010/main" val="2998852228"/>
+      </p:ext>
+    </p:extLst>
   </p:cSld>
   <p:clrMapOvr>
     <a:masterClrMapping/>
@@ -6850,7 +11843,7 @@
         </p:nvSpPr>
         <p:spPr>
           <a:xfrm>
-            <a:off x="659876" y="2172919"/>
+            <a:off x="587829" y="1672175"/>
             <a:ext cx="1858096" cy="245400"/>
           </a:xfrm>
           <a:prstGeom prst="roundRect">
@@ -6931,7 +11924,7 @@
                 <a:cs typeface="Tahoma" panose="020B0604030504040204" pitchFamily="34" charset="0"/>
                 <a:sym typeface="Helvetica Neue"/>
               </a:rPr>
-              <a:t>AES DECRYPTION</a:t>
+              <a:t>AES ENCRYPTION</a:t>
             </a:r>
             <a:endParaRPr sz="2400" b="1" dirty="0">
               <a:latin typeface="Verdana" panose="020B0604030504040204" pitchFamily="34" charset="0"/>
@@ -6950,8 +11943,8 @@
         </p:nvSpPr>
         <p:spPr>
           <a:xfrm>
-            <a:off x="256918" y="1606050"/>
-            <a:ext cx="2337000" cy="1931400"/>
+            <a:off x="256650" y="1606049"/>
+            <a:ext cx="2337000" cy="2437314"/>
           </a:xfrm>
           <a:prstGeom prst="rect">
             <a:avLst/>
@@ -6990,83 +11983,67 @@
                   <a:schemeClr val="tx1"/>
                 </a:solidFill>
               </a:rPr>
-              <a:t>      </a:t>
+              <a:t>        AES - 256 File Encryption</a:t>
             </a:r>
+            <a:endParaRPr sz="1100" dirty="0">
+              <a:solidFill>
+                <a:schemeClr val="tx1"/>
+              </a:solidFill>
+            </a:endParaRPr>
+          </a:p>
+          <a:p>
+            <a:pPr marL="0" lvl="0" indent="0" algn="l" rtl="0">
+              <a:spcBef>
+                <a:spcPts val="0"/>
+              </a:spcBef>
+              <a:spcAft>
+                <a:spcPts val="0"/>
+              </a:spcAft>
+              <a:buNone/>
+            </a:pPr>
+            <a:endParaRPr sz="1100" dirty="0">
+              <a:solidFill>
+                <a:srgbClr val="FF0000"/>
+              </a:solidFill>
+            </a:endParaRPr>
+          </a:p>
+          <a:p>
+            <a:pPr marL="0" lvl="0" indent="0" algn="l" rtl="0">
+              <a:spcBef>
+                <a:spcPts val="0"/>
+              </a:spcBef>
+              <a:spcAft>
+                <a:spcPts val="0"/>
+              </a:spcAft>
+              <a:buNone/>
+            </a:pPr>
+            <a:endParaRPr sz="1100" dirty="0">
+              <a:solidFill>
+                <a:srgbClr val="FF0000"/>
+              </a:solidFill>
+            </a:endParaRPr>
+          </a:p>
+          <a:p>
+            <a:pPr marL="0" lvl="0" indent="0" algn="l" rtl="0">
+              <a:spcBef>
+                <a:spcPts val="0"/>
+              </a:spcBef>
+              <a:spcAft>
+                <a:spcPts val="0"/>
+              </a:spcAft>
+              <a:buNone/>
+            </a:pPr>
             <a:r>
               <a:rPr lang="en-GB" sz="1100" dirty="0">
                 <a:solidFill>
                   <a:schemeClr val="bg1"/>
                 </a:solidFill>
               </a:rPr>
-              <a:t>  AES - 256 File Encryption</a:t>
+              <a:t>∎        AES - 256 File Decryption </a:t>
             </a:r>
             <a:endParaRPr sz="1100" dirty="0">
               <a:solidFill>
                 <a:schemeClr val="bg1"/>
-              </a:solidFill>
-            </a:endParaRPr>
-          </a:p>
-          <a:p>
-            <a:pPr marL="0" lvl="0" indent="0" algn="l" rtl="0">
-              <a:spcBef>
-                <a:spcPts val="0"/>
-              </a:spcBef>
-              <a:spcAft>
-                <a:spcPts val="0"/>
-              </a:spcAft>
-              <a:buNone/>
-            </a:pPr>
-            <a:endParaRPr sz="1100" dirty="0">
-              <a:solidFill>
-                <a:srgbClr val="FF0000"/>
-              </a:solidFill>
-            </a:endParaRPr>
-          </a:p>
-          <a:p>
-            <a:pPr marL="0" lvl="0" indent="0" algn="l" rtl="0">
-              <a:spcBef>
-                <a:spcPts val="0"/>
-              </a:spcBef>
-              <a:spcAft>
-                <a:spcPts val="0"/>
-              </a:spcAft>
-              <a:buNone/>
-            </a:pPr>
-            <a:endParaRPr sz="1100" dirty="0">
-              <a:solidFill>
-                <a:srgbClr val="FF0000"/>
-              </a:solidFill>
-            </a:endParaRPr>
-          </a:p>
-          <a:p>
-            <a:pPr marL="0" lvl="0" indent="0" algn="l" rtl="0">
-              <a:spcBef>
-                <a:spcPts val="0"/>
-              </a:spcBef>
-              <a:spcAft>
-                <a:spcPts val="0"/>
-              </a:spcAft>
-              <a:buNone/>
-            </a:pPr>
-            <a:r>
-              <a:rPr lang="en-GB" sz="1100" dirty="0">
-                <a:solidFill>
-                  <a:schemeClr val="bg1"/>
-                </a:solidFill>
-              </a:rPr>
-              <a:t>∎        </a:t>
-            </a:r>
-            <a:r>
-              <a:rPr lang="en-GB" sz="1100" dirty="0">
-                <a:solidFill>
-                  <a:schemeClr val="tx1"/>
-                </a:solidFill>
-              </a:rPr>
-              <a:t>AES - 256 File Decryption </a:t>
-            </a:r>
-            <a:endParaRPr sz="1100" dirty="0">
-              <a:solidFill>
-                <a:schemeClr val="tx1"/>
               </a:solidFill>
             </a:endParaRPr>
           </a:p>
@@ -7176,18 +12153,667 @@
               </a:rPr>
               <a:t>∎        Huffman Decompression</a:t>
             </a:r>
+          </a:p>
+          <a:p>
+            <a:pPr marL="0" lvl="0" indent="0" algn="l" rtl="0">
+              <a:spcBef>
+                <a:spcPts val="0"/>
+              </a:spcBef>
+              <a:spcAft>
+                <a:spcPts val="0"/>
+              </a:spcAft>
+              <a:buNone/>
+            </a:pPr>
+            <a:endParaRPr lang="en-GB" sz="1100" dirty="0">
+              <a:solidFill>
+                <a:schemeClr val="bg1"/>
+              </a:solidFill>
+            </a:endParaRPr>
+          </a:p>
+          <a:p>
+            <a:pPr marL="0" lvl="0" indent="0" algn="l" rtl="0">
+              <a:spcBef>
+                <a:spcPts val="0"/>
+              </a:spcBef>
+              <a:spcAft>
+                <a:spcPts val="0"/>
+              </a:spcAft>
+              <a:buNone/>
+            </a:pPr>
+            <a:endParaRPr lang="en-GB" sz="1100" dirty="0">
+              <a:solidFill>
+                <a:schemeClr val="bg1"/>
+              </a:solidFill>
+            </a:endParaRPr>
+          </a:p>
+          <a:p>
+            <a:pPr lvl="0"/>
+            <a:r>
+              <a:rPr lang="en-GB" sz="1100" dirty="0">
+                <a:latin typeface="Verdana" panose="020B0604030504040204" pitchFamily="34" charset="0"/>
+                <a:ea typeface="Verdana" panose="020B0604030504040204" pitchFamily="34" charset="0"/>
+              </a:rPr>
+              <a:t>∎      </a:t>
+            </a:r>
+            <a:r>
+              <a:rPr lang="en-GB" sz="1100" dirty="0">
+                <a:latin typeface="+mj-lt"/>
+                <a:ea typeface="Verdana" panose="020B0604030504040204" pitchFamily="34" charset="0"/>
+              </a:rPr>
+              <a:t>User Interface</a:t>
+            </a:r>
             <a:endParaRPr sz="1100" dirty="0">
               <a:solidFill>
                 <a:schemeClr val="bg1"/>
               </a:solidFill>
             </a:endParaRPr>
+          </a:p>
+        </p:txBody>
+      </p:sp>
+      <p:sp>
+        <p:nvSpPr>
+          <p:cNvPr id="123" name="Google Shape;123;p18"/>
+          <p:cNvSpPr txBox="1"/>
+          <p:nvPr/>
+        </p:nvSpPr>
+        <p:spPr>
+          <a:xfrm>
+            <a:off x="3714750" y="1383089"/>
+            <a:ext cx="3042410" cy="2827800"/>
+          </a:xfrm>
+          <a:prstGeom prst="rect">
+            <a:avLst/>
+          </a:prstGeom>
+          <a:noFill/>
+          <a:ln>
+            <a:noFill/>
+          </a:ln>
+        </p:spPr>
+        <p:txBody>
+          <a:bodyPr spcFirstLastPara="1" wrap="square" lIns="91425" tIns="91425" rIns="91425" bIns="91425" anchor="t" anchorCtr="0">
+            <a:noAutofit/>
+          </a:bodyPr>
+          <a:lstStyle/>
+          <a:p>
+            <a:pPr marL="0" lvl="0" indent="0" algn="l" rtl="0">
+              <a:spcBef>
+                <a:spcPts val="0"/>
+              </a:spcBef>
+              <a:spcAft>
+                <a:spcPts val="0"/>
+              </a:spcAft>
+              <a:buNone/>
+            </a:pPr>
+            <a:r>
+              <a:rPr lang="en-US" dirty="0"/>
+              <a:t>          Uses 256 bit key</a:t>
+            </a:r>
+          </a:p>
+          <a:p>
+            <a:pPr marL="0" lvl="0" indent="0" algn="l" rtl="0">
+              <a:spcBef>
+                <a:spcPts val="0"/>
+              </a:spcBef>
+              <a:spcAft>
+                <a:spcPts val="0"/>
+              </a:spcAft>
+              <a:buNone/>
+            </a:pPr>
+            <a:endParaRPr lang="en-US" dirty="0"/>
+          </a:p>
+          <a:p>
+            <a:pPr marL="0" lvl="0" indent="0" algn="l" rtl="0">
+              <a:spcBef>
+                <a:spcPts val="0"/>
+              </a:spcBef>
+              <a:spcAft>
+                <a:spcPts val="0"/>
+              </a:spcAft>
+              <a:buNone/>
+            </a:pPr>
+            <a:r>
+              <a:rPr lang="en-US" dirty="0"/>
+              <a:t>          14 rounds of operations</a:t>
+            </a:r>
+          </a:p>
+          <a:p>
+            <a:pPr marL="0" lvl="0" indent="0" algn="l" rtl="0">
+              <a:spcBef>
+                <a:spcPts val="0"/>
+              </a:spcBef>
+              <a:spcAft>
+                <a:spcPts val="0"/>
+              </a:spcAft>
+              <a:buNone/>
+            </a:pPr>
+            <a:endParaRPr lang="en-US" dirty="0"/>
+          </a:p>
+          <a:p>
+            <a:pPr marL="0" lvl="0" indent="0" algn="l" rtl="0">
+              <a:spcBef>
+                <a:spcPts val="0"/>
+              </a:spcBef>
+              <a:spcAft>
+                <a:spcPts val="0"/>
+              </a:spcAft>
+              <a:buNone/>
+            </a:pPr>
+            <a:r>
+              <a:rPr lang="en-US" dirty="0"/>
+              <a:t>          Substitute Bytes</a:t>
+            </a:r>
+          </a:p>
+          <a:p>
+            <a:pPr marL="0" lvl="0" indent="0" algn="l" rtl="0">
+              <a:spcBef>
+                <a:spcPts val="0"/>
+              </a:spcBef>
+              <a:spcAft>
+                <a:spcPts val="0"/>
+              </a:spcAft>
+              <a:buNone/>
+            </a:pPr>
+            <a:endParaRPr lang="en-US" dirty="0"/>
+          </a:p>
+          <a:p>
+            <a:pPr marL="0" lvl="0" indent="0" algn="l" rtl="0">
+              <a:spcBef>
+                <a:spcPts val="0"/>
+              </a:spcBef>
+              <a:spcAft>
+                <a:spcPts val="0"/>
+              </a:spcAft>
+              <a:buNone/>
+            </a:pPr>
+            <a:r>
+              <a:rPr lang="en-US" dirty="0"/>
+              <a:t>          Shift Row</a:t>
+            </a:r>
+          </a:p>
+          <a:p>
+            <a:pPr marL="0" lvl="0" indent="0" algn="l" rtl="0">
+              <a:spcBef>
+                <a:spcPts val="0"/>
+              </a:spcBef>
+              <a:spcAft>
+                <a:spcPts val="0"/>
+              </a:spcAft>
+              <a:buNone/>
+            </a:pPr>
+            <a:endParaRPr lang="en-US" dirty="0"/>
+          </a:p>
+          <a:p>
+            <a:pPr marL="0" lvl="0" indent="0" algn="l" rtl="0">
+              <a:spcBef>
+                <a:spcPts val="0"/>
+              </a:spcBef>
+              <a:spcAft>
+                <a:spcPts val="0"/>
+              </a:spcAft>
+              <a:buNone/>
+            </a:pPr>
+            <a:r>
+              <a:rPr lang="en-US" dirty="0"/>
+              <a:t>          Mix Column </a:t>
+            </a:r>
+          </a:p>
+          <a:p>
+            <a:pPr marL="0" lvl="0" indent="0" algn="l" rtl="0">
+              <a:spcBef>
+                <a:spcPts val="0"/>
+              </a:spcBef>
+              <a:spcAft>
+                <a:spcPts val="0"/>
+              </a:spcAft>
+              <a:buNone/>
+            </a:pPr>
+            <a:endParaRPr lang="en-US" dirty="0"/>
+          </a:p>
+          <a:p>
+            <a:pPr marL="0" lvl="0" indent="0" algn="l" rtl="0">
+              <a:spcBef>
+                <a:spcPts val="0"/>
+              </a:spcBef>
+              <a:spcAft>
+                <a:spcPts val="0"/>
+              </a:spcAft>
+              <a:buNone/>
+            </a:pPr>
+            <a:r>
+              <a:rPr lang="en-US" dirty="0"/>
+              <a:t>          Add Round key</a:t>
+            </a:r>
+          </a:p>
+        </p:txBody>
+      </p:sp>
+      <p:sp>
+        <p:nvSpPr>
+          <p:cNvPr id="6" name="Rectangle 5">
+            <a:extLst>
+              <a:ext uri="{FF2B5EF4-FFF2-40B4-BE49-F238E27FC236}">
+                <a16:creationId xmlns:a16="http://schemas.microsoft.com/office/drawing/2014/main" id="{56E09D96-529B-41C3-AE68-0CC95D57D34E}"/>
+              </a:ext>
+            </a:extLst>
+          </p:cNvPr>
+          <p:cNvSpPr/>
+          <p:nvPr/>
+        </p:nvSpPr>
+        <p:spPr>
+          <a:xfrm rot="5400000">
+            <a:off x="2235993" y="2482992"/>
+            <a:ext cx="1718074" cy="96440"/>
+          </a:xfrm>
+          <a:prstGeom prst="rect">
+            <a:avLst/>
+          </a:prstGeom>
+          <a:solidFill>
+            <a:srgbClr val="26303C"/>
+          </a:solidFill>
+          <a:ln/>
+        </p:spPr>
+        <p:style>
+          <a:lnRef idx="0">
+            <a:schemeClr val="accent3"/>
+          </a:lnRef>
+          <a:fillRef idx="3">
+            <a:schemeClr val="accent3"/>
+          </a:fillRef>
+          <a:effectRef idx="3">
+            <a:schemeClr val="accent3"/>
+          </a:effectRef>
+          <a:fontRef idx="minor">
+            <a:schemeClr val="lt1"/>
+          </a:fontRef>
+        </p:style>
+        <p:txBody>
+          <a:bodyPr rtlCol="0" anchor="ctr"/>
+          <a:lstStyle/>
+          <a:p>
+            <a:pPr algn="ctr"/>
+            <a:endParaRPr lang="en-US"/>
+          </a:p>
+        </p:txBody>
+      </p:sp>
+      <p:sp>
+        <p:nvSpPr>
+          <p:cNvPr id="4" name="Arrow: Right 3">
+            <a:extLst>
+              <a:ext uri="{FF2B5EF4-FFF2-40B4-BE49-F238E27FC236}">
+                <a16:creationId xmlns:a16="http://schemas.microsoft.com/office/drawing/2014/main" id="{71B9DFD7-5A17-45F7-892E-CA2C5428AECB}"/>
+              </a:ext>
+            </a:extLst>
+          </p:cNvPr>
+          <p:cNvSpPr/>
+          <p:nvPr/>
+        </p:nvSpPr>
+        <p:spPr>
+          <a:xfrm>
+            <a:off x="3779044" y="1518494"/>
+            <a:ext cx="285750" cy="129125"/>
+          </a:xfrm>
+          <a:prstGeom prst="rightArrow">
+            <a:avLst/>
+          </a:prstGeom>
+          <a:solidFill>
+            <a:schemeClr val="bg2"/>
+          </a:solidFill>
+          <a:ln>
+            <a:solidFill>
+              <a:schemeClr val="bg2"/>
+            </a:solidFill>
+          </a:ln>
+        </p:spPr>
+        <p:style>
+          <a:lnRef idx="2">
+            <a:schemeClr val="accent1">
+              <a:shade val="50000"/>
+            </a:schemeClr>
+          </a:lnRef>
+          <a:fillRef idx="1">
+            <a:schemeClr val="accent1"/>
+          </a:fillRef>
+          <a:effectRef idx="0">
+            <a:schemeClr val="accent1"/>
+          </a:effectRef>
+          <a:fontRef idx="minor">
+            <a:schemeClr val="lt1"/>
+          </a:fontRef>
+        </p:style>
+        <p:txBody>
+          <a:bodyPr rtlCol="0" anchor="ctr"/>
+          <a:lstStyle/>
+          <a:p>
+            <a:pPr algn="ctr"/>
+            <a:endParaRPr lang="en-US"/>
+          </a:p>
+        </p:txBody>
+      </p:sp>
+      <p:sp>
+        <p:nvSpPr>
+          <p:cNvPr id="10" name="Arrow: Right 9">
+            <a:extLst>
+              <a:ext uri="{FF2B5EF4-FFF2-40B4-BE49-F238E27FC236}">
+                <a16:creationId xmlns:a16="http://schemas.microsoft.com/office/drawing/2014/main" id="{88C414D1-0300-47BE-8109-61252ACEBBBC}"/>
+              </a:ext>
+            </a:extLst>
+          </p:cNvPr>
+          <p:cNvSpPr/>
+          <p:nvPr/>
+        </p:nvSpPr>
+        <p:spPr>
+          <a:xfrm>
+            <a:off x="3779044" y="1953068"/>
+            <a:ext cx="285750" cy="129125"/>
+          </a:xfrm>
+          <a:prstGeom prst="rightArrow">
+            <a:avLst/>
+          </a:prstGeom>
+          <a:solidFill>
+            <a:schemeClr val="bg2"/>
+          </a:solidFill>
+          <a:ln>
+            <a:solidFill>
+              <a:schemeClr val="bg2"/>
+            </a:solidFill>
+          </a:ln>
+        </p:spPr>
+        <p:style>
+          <a:lnRef idx="2">
+            <a:schemeClr val="accent1">
+              <a:shade val="50000"/>
+            </a:schemeClr>
+          </a:lnRef>
+          <a:fillRef idx="1">
+            <a:schemeClr val="accent1"/>
+          </a:fillRef>
+          <a:effectRef idx="0">
+            <a:schemeClr val="accent1"/>
+          </a:effectRef>
+          <a:fontRef idx="minor">
+            <a:schemeClr val="lt1"/>
+          </a:fontRef>
+        </p:style>
+        <p:txBody>
+          <a:bodyPr rtlCol="0" anchor="ctr"/>
+          <a:lstStyle/>
+          <a:p>
+            <a:pPr algn="ctr"/>
+            <a:endParaRPr lang="en-US"/>
+          </a:p>
+        </p:txBody>
+      </p:sp>
+      <p:sp>
+        <p:nvSpPr>
+          <p:cNvPr id="11" name="Arrow: Right 10">
+            <a:extLst>
+              <a:ext uri="{FF2B5EF4-FFF2-40B4-BE49-F238E27FC236}">
+                <a16:creationId xmlns:a16="http://schemas.microsoft.com/office/drawing/2014/main" id="{FFF723FA-3251-4D84-B2A2-8A6B67AA9501}"/>
+              </a:ext>
+            </a:extLst>
+          </p:cNvPr>
+          <p:cNvSpPr/>
+          <p:nvPr/>
+        </p:nvSpPr>
+        <p:spPr>
+          <a:xfrm>
+            <a:off x="3779044" y="2370969"/>
+            <a:ext cx="285750" cy="129125"/>
+          </a:xfrm>
+          <a:prstGeom prst="rightArrow">
+            <a:avLst/>
+          </a:prstGeom>
+          <a:solidFill>
+            <a:schemeClr val="bg2"/>
+          </a:solidFill>
+          <a:ln>
+            <a:solidFill>
+              <a:schemeClr val="bg2"/>
+            </a:solidFill>
+          </a:ln>
+        </p:spPr>
+        <p:style>
+          <a:lnRef idx="2">
+            <a:schemeClr val="accent1">
+              <a:shade val="50000"/>
+            </a:schemeClr>
+          </a:lnRef>
+          <a:fillRef idx="1">
+            <a:schemeClr val="accent1"/>
+          </a:fillRef>
+          <a:effectRef idx="0">
+            <a:schemeClr val="accent1"/>
+          </a:effectRef>
+          <a:fontRef idx="minor">
+            <a:schemeClr val="lt1"/>
+          </a:fontRef>
+        </p:style>
+        <p:txBody>
+          <a:bodyPr rtlCol="0" anchor="ctr"/>
+          <a:lstStyle/>
+          <a:p>
+            <a:pPr algn="ctr"/>
+            <a:endParaRPr lang="en-US"/>
+          </a:p>
+        </p:txBody>
+      </p:sp>
+      <p:sp>
+        <p:nvSpPr>
+          <p:cNvPr id="12" name="Arrow: Right 11">
+            <a:extLst>
+              <a:ext uri="{FF2B5EF4-FFF2-40B4-BE49-F238E27FC236}">
+                <a16:creationId xmlns:a16="http://schemas.microsoft.com/office/drawing/2014/main" id="{12346916-35E6-4782-8A00-A43B29CF1ABA}"/>
+              </a:ext>
+            </a:extLst>
+          </p:cNvPr>
+          <p:cNvSpPr/>
+          <p:nvPr/>
+        </p:nvSpPr>
+        <p:spPr>
+          <a:xfrm>
+            <a:off x="3779044" y="2788870"/>
+            <a:ext cx="285750" cy="129125"/>
+          </a:xfrm>
+          <a:prstGeom prst="rightArrow">
+            <a:avLst/>
+          </a:prstGeom>
+          <a:solidFill>
+            <a:schemeClr val="bg2"/>
+          </a:solidFill>
+          <a:ln>
+            <a:solidFill>
+              <a:schemeClr val="bg2"/>
+            </a:solidFill>
+          </a:ln>
+        </p:spPr>
+        <p:style>
+          <a:lnRef idx="2">
+            <a:schemeClr val="accent1">
+              <a:shade val="50000"/>
+            </a:schemeClr>
+          </a:lnRef>
+          <a:fillRef idx="1">
+            <a:schemeClr val="accent1"/>
+          </a:fillRef>
+          <a:effectRef idx="0">
+            <a:schemeClr val="accent1"/>
+          </a:effectRef>
+          <a:fontRef idx="minor">
+            <a:schemeClr val="lt1"/>
+          </a:fontRef>
+        </p:style>
+        <p:txBody>
+          <a:bodyPr rtlCol="0" anchor="ctr"/>
+          <a:lstStyle/>
+          <a:p>
+            <a:pPr algn="ctr"/>
+            <a:endParaRPr lang="en-US"/>
+          </a:p>
+        </p:txBody>
+      </p:sp>
+      <p:sp>
+        <p:nvSpPr>
+          <p:cNvPr id="13" name="Arrow: Right 12">
+            <a:extLst>
+              <a:ext uri="{FF2B5EF4-FFF2-40B4-BE49-F238E27FC236}">
+                <a16:creationId xmlns:a16="http://schemas.microsoft.com/office/drawing/2014/main" id="{A93A698F-C896-4369-BD73-8E72B8303DF0}"/>
+              </a:ext>
+            </a:extLst>
+          </p:cNvPr>
+          <p:cNvSpPr/>
+          <p:nvPr/>
+        </p:nvSpPr>
+        <p:spPr>
+          <a:xfrm>
+            <a:off x="3779044" y="3206771"/>
+            <a:ext cx="285750" cy="129125"/>
+          </a:xfrm>
+          <a:prstGeom prst="rightArrow">
+            <a:avLst/>
+          </a:prstGeom>
+          <a:solidFill>
+            <a:schemeClr val="bg2"/>
+          </a:solidFill>
+          <a:ln>
+            <a:solidFill>
+              <a:schemeClr val="bg2"/>
+            </a:solidFill>
+          </a:ln>
+        </p:spPr>
+        <p:style>
+          <a:lnRef idx="2">
+            <a:schemeClr val="accent1">
+              <a:shade val="50000"/>
+            </a:schemeClr>
+          </a:lnRef>
+          <a:fillRef idx="1">
+            <a:schemeClr val="accent1"/>
+          </a:fillRef>
+          <a:effectRef idx="0">
+            <a:schemeClr val="accent1"/>
+          </a:effectRef>
+          <a:fontRef idx="minor">
+            <a:schemeClr val="lt1"/>
+          </a:fontRef>
+        </p:style>
+        <p:txBody>
+          <a:bodyPr rtlCol="0" anchor="ctr"/>
+          <a:lstStyle/>
+          <a:p>
+            <a:pPr algn="ctr"/>
+            <a:endParaRPr lang="en-US"/>
+          </a:p>
+        </p:txBody>
+      </p:sp>
+      <p:sp>
+        <p:nvSpPr>
+          <p:cNvPr id="14" name="Arrow: Right 13">
+            <a:extLst>
+              <a:ext uri="{FF2B5EF4-FFF2-40B4-BE49-F238E27FC236}">
+                <a16:creationId xmlns:a16="http://schemas.microsoft.com/office/drawing/2014/main" id="{69C9E558-49B3-4D7B-BC2D-E8B5ED18C1C8}"/>
+              </a:ext>
+            </a:extLst>
+          </p:cNvPr>
+          <p:cNvSpPr/>
+          <p:nvPr/>
+        </p:nvSpPr>
+        <p:spPr>
+          <a:xfrm>
+            <a:off x="3779044" y="3658822"/>
+            <a:ext cx="285750" cy="129125"/>
+          </a:xfrm>
+          <a:prstGeom prst="rightArrow">
+            <a:avLst/>
+          </a:prstGeom>
+          <a:solidFill>
+            <a:schemeClr val="bg2"/>
+          </a:solidFill>
+          <a:ln>
+            <a:solidFill>
+              <a:schemeClr val="bg2"/>
+            </a:solidFill>
+          </a:ln>
+        </p:spPr>
+        <p:style>
+          <a:lnRef idx="2">
+            <a:schemeClr val="accent1">
+              <a:shade val="50000"/>
+            </a:schemeClr>
+          </a:lnRef>
+          <a:fillRef idx="1">
+            <a:schemeClr val="accent1"/>
+          </a:fillRef>
+          <a:effectRef idx="0">
+            <a:schemeClr val="accent1"/>
+          </a:effectRef>
+          <a:fontRef idx="minor">
+            <a:schemeClr val="lt1"/>
+          </a:fontRef>
+        </p:style>
+        <p:txBody>
+          <a:bodyPr rtlCol="0" anchor="ctr"/>
+          <a:lstStyle/>
+          <a:p>
+            <a:pPr algn="ctr"/>
+            <a:endParaRPr lang="en-US"/>
+          </a:p>
+        </p:txBody>
+      </p:sp>
+      <p:sp>
+        <p:nvSpPr>
+          <p:cNvPr id="5" name="Rectangle 4">
+            <a:extLst>
+              <a:ext uri="{FF2B5EF4-FFF2-40B4-BE49-F238E27FC236}">
+                <a16:creationId xmlns:a16="http://schemas.microsoft.com/office/drawing/2014/main" id="{64B79C33-DEEE-4748-AF03-A8029AEF003C}"/>
+              </a:ext>
+            </a:extLst>
+          </p:cNvPr>
+          <p:cNvSpPr/>
+          <p:nvPr/>
+        </p:nvSpPr>
+        <p:spPr>
+          <a:xfrm>
+            <a:off x="3485684" y="1278731"/>
+            <a:ext cx="3042410" cy="2764632"/>
+          </a:xfrm>
+          <a:prstGeom prst="rect">
+            <a:avLst/>
+          </a:prstGeom>
+          <a:noFill/>
+          <a:ln>
+            <a:solidFill>
+              <a:schemeClr val="bg2"/>
+            </a:solidFill>
+          </a:ln>
+        </p:spPr>
+        <p:style>
+          <a:lnRef idx="2">
+            <a:schemeClr val="accent1">
+              <a:shade val="50000"/>
+            </a:schemeClr>
+          </a:lnRef>
+          <a:fillRef idx="1">
+            <a:schemeClr val="accent1"/>
+          </a:fillRef>
+          <a:effectRef idx="0">
+            <a:schemeClr val="accent1"/>
+          </a:effectRef>
+          <a:fontRef idx="minor">
+            <a:schemeClr val="lt1"/>
+          </a:fontRef>
+        </p:style>
+        <p:txBody>
+          <a:bodyPr rtlCol="0" anchor="ctr"/>
+          <a:lstStyle/>
+          <a:p>
+            <a:pPr algn="ctr"/>
+            <a:endParaRPr lang="en-US"/>
           </a:p>
         </p:txBody>
       </p:sp>
     </p:spTree>
     <p:extLst>
       <p:ext uri="{BB962C8B-B14F-4D97-AF65-F5344CB8AC3E}">
-        <p14:creationId xmlns:p14="http://schemas.microsoft.com/office/powerpoint/2010/main" val="1713786929"/>
+        <p14:creationId xmlns:p14="http://schemas.microsoft.com/office/powerpoint/2010/main" val="1999977191"/>
       </p:ext>
     </p:extLst>
   </p:cSld>
@@ -7247,7 +12873,7 @@
         </p:nvSpPr>
         <p:spPr>
           <a:xfrm>
-            <a:off x="650732" y="2675839"/>
+            <a:off x="659876" y="2172919"/>
             <a:ext cx="1858096" cy="245400"/>
           </a:xfrm>
           <a:prstGeom prst="roundRect">
@@ -7295,8 +12921,8 @@
         </p:nvSpPr>
         <p:spPr>
           <a:xfrm>
-            <a:off x="2304918" y="431125"/>
-            <a:ext cx="4534165" cy="459000"/>
+            <a:off x="2911664" y="431125"/>
+            <a:ext cx="3320672" cy="459000"/>
           </a:xfrm>
           <a:prstGeom prst="rect">
             <a:avLst/>
@@ -7328,7 +12954,7 @@
                 <a:cs typeface="Tahoma" panose="020B0604030504040204" pitchFamily="34" charset="0"/>
                 <a:sym typeface="Helvetica Neue"/>
               </a:rPr>
-              <a:t>HUFFMAN COMPRESSION</a:t>
+              <a:t>AES DECRYPTION</a:t>
             </a:r>
             <a:endParaRPr sz="2400" b="1" dirty="0">
               <a:latin typeface="Verdana" panose="020B0604030504040204" pitchFamily="34" charset="0"/>
@@ -7347,8 +12973,8 @@
         </p:nvSpPr>
         <p:spPr>
           <a:xfrm>
-            <a:off x="256918" y="1606050"/>
-            <a:ext cx="2337000" cy="1931400"/>
+            <a:off x="256918" y="1606049"/>
+            <a:ext cx="2337000" cy="2437314"/>
           </a:xfrm>
           <a:prstGeom prst="rect">
             <a:avLst/>
@@ -7451,62 +13077,6 @@
                   <a:schemeClr val="bg1"/>
                 </a:solidFill>
               </a:rPr>
-              <a:t>∎        AES - 256 File Decryption </a:t>
-            </a:r>
-            <a:endParaRPr sz="1100" dirty="0">
-              <a:solidFill>
-                <a:schemeClr val="bg1"/>
-              </a:solidFill>
-            </a:endParaRPr>
-          </a:p>
-          <a:p>
-            <a:pPr marL="0" lvl="0" indent="0" algn="l" rtl="0">
-              <a:spcBef>
-                <a:spcPts val="0"/>
-              </a:spcBef>
-              <a:spcAft>
-                <a:spcPts val="0"/>
-              </a:spcAft>
-              <a:buNone/>
-            </a:pPr>
-            <a:endParaRPr sz="1100" dirty="0">
-              <a:solidFill>
-                <a:schemeClr val="bg1"/>
-              </a:solidFill>
-            </a:endParaRPr>
-          </a:p>
-          <a:p>
-            <a:pPr marL="0" lvl="0" indent="0" algn="l" rtl="0">
-              <a:spcBef>
-                <a:spcPts val="0"/>
-              </a:spcBef>
-              <a:spcAft>
-                <a:spcPts val="0"/>
-              </a:spcAft>
-              <a:buNone/>
-            </a:pPr>
-            <a:endParaRPr sz="1100" dirty="0">
-              <a:solidFill>
-                <a:schemeClr val="bg1"/>
-              </a:solidFill>
-            </a:endParaRPr>
-          </a:p>
-          <a:p>
-            <a:pPr marL="0" lvl="0" indent="0" algn="l" rtl="0">
-              <a:spcBef>
-                <a:spcPts val="0"/>
-              </a:spcBef>
-              <a:spcAft>
-                <a:spcPts val="0"/>
-              </a:spcAft>
-              <a:buNone/>
-            </a:pPr>
-            <a:r>
-              <a:rPr lang="en-GB" sz="1100" dirty="0">
-                <a:solidFill>
-                  <a:schemeClr val="bg1"/>
-                </a:solidFill>
-              </a:rPr>
               <a:t>∎        </a:t>
             </a:r>
             <a:r>
@@ -7515,11 +13085,67 @@
                   <a:schemeClr val="tx1"/>
                 </a:solidFill>
               </a:rPr>
-              <a:t>Huffman Compression</a:t>
+              <a:t>AES - 256 File Decryption </a:t>
             </a:r>
             <a:endParaRPr sz="1100" dirty="0">
               <a:solidFill>
                 <a:schemeClr val="tx1"/>
+              </a:solidFill>
+            </a:endParaRPr>
+          </a:p>
+          <a:p>
+            <a:pPr marL="0" lvl="0" indent="0" algn="l" rtl="0">
+              <a:spcBef>
+                <a:spcPts val="0"/>
+              </a:spcBef>
+              <a:spcAft>
+                <a:spcPts val="0"/>
+              </a:spcAft>
+              <a:buNone/>
+            </a:pPr>
+            <a:endParaRPr sz="1100" dirty="0">
+              <a:solidFill>
+                <a:schemeClr val="bg1"/>
+              </a:solidFill>
+            </a:endParaRPr>
+          </a:p>
+          <a:p>
+            <a:pPr marL="0" lvl="0" indent="0" algn="l" rtl="0">
+              <a:spcBef>
+                <a:spcPts val="0"/>
+              </a:spcBef>
+              <a:spcAft>
+                <a:spcPts val="0"/>
+              </a:spcAft>
+              <a:buNone/>
+            </a:pPr>
+            <a:endParaRPr sz="1100" dirty="0">
+              <a:solidFill>
+                <a:schemeClr val="bg1"/>
+              </a:solidFill>
+            </a:endParaRPr>
+          </a:p>
+          <a:p>
+            <a:pPr marL="0" lvl="0" indent="0" algn="l" rtl="0">
+              <a:spcBef>
+                <a:spcPts val="0"/>
+              </a:spcBef>
+              <a:spcAft>
+                <a:spcPts val="0"/>
+              </a:spcAft>
+              <a:buNone/>
+            </a:pPr>
+            <a:r>
+              <a:rPr lang="en-GB" sz="1100" dirty="0">
+                <a:solidFill>
+                  <a:schemeClr val="bg1"/>
+                </a:solidFill>
+              </a:rPr>
+              <a:t>∎        Huffman Compression</a:t>
+            </a:r>
+            <a:endParaRPr sz="1100" dirty="0">
+              <a:solidFill>
+                <a:schemeClr val="bg1"/>
               </a:solidFill>
             </a:endParaRPr>
           </a:p>
@@ -7573,18 +13199,687 @@
               </a:rPr>
               <a:t>∎        Huffman Decompression</a:t>
             </a:r>
+          </a:p>
+          <a:p>
+            <a:pPr marL="0" lvl="0" indent="0" algn="l" rtl="0">
+              <a:spcBef>
+                <a:spcPts val="0"/>
+              </a:spcBef>
+              <a:spcAft>
+                <a:spcPts val="0"/>
+              </a:spcAft>
+              <a:buNone/>
+            </a:pPr>
+            <a:endParaRPr lang="en-GB" sz="1100" dirty="0">
+              <a:solidFill>
+                <a:schemeClr val="bg1"/>
+              </a:solidFill>
+            </a:endParaRPr>
+          </a:p>
+          <a:p>
+            <a:pPr marL="0" lvl="0" indent="0" algn="l" rtl="0">
+              <a:spcBef>
+                <a:spcPts val="0"/>
+              </a:spcBef>
+              <a:spcAft>
+                <a:spcPts val="0"/>
+              </a:spcAft>
+              <a:buNone/>
+            </a:pPr>
+            <a:endParaRPr lang="en-GB" sz="1100" dirty="0">
+              <a:solidFill>
+                <a:schemeClr val="bg1"/>
+              </a:solidFill>
+            </a:endParaRPr>
+          </a:p>
+          <a:p>
+            <a:r>
+              <a:rPr lang="en-GB" sz="1100" dirty="0">
+                <a:latin typeface="Verdana" panose="020B0604030504040204" pitchFamily="34" charset="0"/>
+                <a:ea typeface="Verdana" panose="020B0604030504040204" pitchFamily="34" charset="0"/>
+              </a:rPr>
+              <a:t>∎      </a:t>
+            </a:r>
+            <a:r>
+              <a:rPr lang="en-GB" sz="1100" dirty="0">
+                <a:ea typeface="Verdana" panose="020B0604030504040204" pitchFamily="34" charset="0"/>
+              </a:rPr>
+              <a:t>User Interface</a:t>
+            </a:r>
+            <a:endParaRPr lang="en-GB" sz="1100" dirty="0">
+              <a:solidFill>
+                <a:schemeClr val="bg1"/>
+              </a:solidFill>
+            </a:endParaRPr>
+          </a:p>
+          <a:p>
+            <a:pPr marL="0" lvl="0" indent="0" algn="l" rtl="0">
+              <a:spcBef>
+                <a:spcPts val="0"/>
+              </a:spcBef>
+              <a:spcAft>
+                <a:spcPts val="0"/>
+              </a:spcAft>
+              <a:buNone/>
+            </a:pPr>
             <a:endParaRPr sz="1100" dirty="0">
               <a:solidFill>
                 <a:schemeClr val="bg1"/>
               </a:solidFill>
             </a:endParaRPr>
+          </a:p>
+        </p:txBody>
+      </p:sp>
+      <p:sp>
+        <p:nvSpPr>
+          <p:cNvPr id="5" name="Google Shape;123;p18">
+            <a:extLst>
+              <a:ext uri="{FF2B5EF4-FFF2-40B4-BE49-F238E27FC236}">
+                <a16:creationId xmlns:a16="http://schemas.microsoft.com/office/drawing/2014/main" id="{F7135FE6-0C05-4EFC-84FC-B133990831B4}"/>
+              </a:ext>
+            </a:extLst>
+          </p:cNvPr>
+          <p:cNvSpPr txBox="1"/>
+          <p:nvPr/>
+        </p:nvSpPr>
+        <p:spPr>
+          <a:xfrm>
+            <a:off x="3714750" y="1383089"/>
+            <a:ext cx="3042410" cy="2827800"/>
+          </a:xfrm>
+          <a:prstGeom prst="rect">
+            <a:avLst/>
+          </a:prstGeom>
+          <a:noFill/>
+          <a:ln>
+            <a:noFill/>
+          </a:ln>
+        </p:spPr>
+        <p:txBody>
+          <a:bodyPr spcFirstLastPara="1" wrap="square" lIns="91425" tIns="91425" rIns="91425" bIns="91425" anchor="t" anchorCtr="0">
+            <a:noAutofit/>
+          </a:bodyPr>
+          <a:lstStyle/>
+          <a:p>
+            <a:pPr marL="0" lvl="0" indent="0" algn="l" rtl="0">
+              <a:spcBef>
+                <a:spcPts val="0"/>
+              </a:spcBef>
+              <a:spcAft>
+                <a:spcPts val="0"/>
+              </a:spcAft>
+              <a:buNone/>
+            </a:pPr>
+            <a:r>
+              <a:rPr lang="en-US" dirty="0"/>
+              <a:t>          Uses same key</a:t>
+            </a:r>
+          </a:p>
+          <a:p>
+            <a:pPr marL="0" lvl="0" indent="0" algn="l" rtl="0">
+              <a:spcBef>
+                <a:spcPts val="0"/>
+              </a:spcBef>
+              <a:spcAft>
+                <a:spcPts val="0"/>
+              </a:spcAft>
+              <a:buNone/>
+            </a:pPr>
+            <a:endParaRPr lang="en-US" dirty="0"/>
+          </a:p>
+          <a:p>
+            <a:pPr marL="0" lvl="0" indent="0" algn="l" rtl="0">
+              <a:spcBef>
+                <a:spcPts val="0"/>
+              </a:spcBef>
+              <a:spcAft>
+                <a:spcPts val="0"/>
+              </a:spcAft>
+              <a:buNone/>
+            </a:pPr>
+            <a:r>
+              <a:rPr lang="en-US" dirty="0"/>
+              <a:t>          14 rounds of operations</a:t>
+            </a:r>
+          </a:p>
+          <a:p>
+            <a:pPr marL="0" lvl="0" indent="0" algn="l" rtl="0">
+              <a:spcBef>
+                <a:spcPts val="0"/>
+              </a:spcBef>
+              <a:spcAft>
+                <a:spcPts val="0"/>
+              </a:spcAft>
+              <a:buNone/>
+            </a:pPr>
+            <a:endParaRPr lang="en-US" dirty="0"/>
+          </a:p>
+          <a:p>
+            <a:pPr marL="0" lvl="0" indent="0" algn="l" rtl="0">
+              <a:spcBef>
+                <a:spcPts val="0"/>
+              </a:spcBef>
+              <a:spcAft>
+                <a:spcPts val="0"/>
+              </a:spcAft>
+              <a:buNone/>
+            </a:pPr>
+            <a:r>
+              <a:rPr lang="en-US" dirty="0"/>
+              <a:t>          Inverse Shift Row</a:t>
+            </a:r>
+          </a:p>
+          <a:p>
+            <a:pPr marL="0" lvl="0" indent="0" algn="l" rtl="0">
+              <a:spcBef>
+                <a:spcPts val="0"/>
+              </a:spcBef>
+              <a:spcAft>
+                <a:spcPts val="0"/>
+              </a:spcAft>
+              <a:buNone/>
+            </a:pPr>
+            <a:endParaRPr lang="en-US" dirty="0"/>
+          </a:p>
+          <a:p>
+            <a:pPr marL="0" lvl="0" indent="0" algn="l" rtl="0">
+              <a:spcBef>
+                <a:spcPts val="0"/>
+              </a:spcBef>
+              <a:spcAft>
+                <a:spcPts val="0"/>
+              </a:spcAft>
+              <a:buNone/>
+            </a:pPr>
+            <a:r>
+              <a:rPr lang="en-US" dirty="0"/>
+              <a:t>          Inverse Substitute Byte</a:t>
+            </a:r>
+          </a:p>
+          <a:p>
+            <a:pPr marL="0" lvl="0" indent="0" algn="l" rtl="0">
+              <a:spcBef>
+                <a:spcPts val="0"/>
+              </a:spcBef>
+              <a:spcAft>
+                <a:spcPts val="0"/>
+              </a:spcAft>
+              <a:buNone/>
+            </a:pPr>
+            <a:endParaRPr lang="en-US" dirty="0"/>
+          </a:p>
+          <a:p>
+            <a:pPr marL="0" lvl="0" indent="0" algn="l" rtl="0">
+              <a:spcBef>
+                <a:spcPts val="0"/>
+              </a:spcBef>
+              <a:spcAft>
+                <a:spcPts val="0"/>
+              </a:spcAft>
+              <a:buNone/>
+            </a:pPr>
+            <a:r>
+              <a:rPr lang="en-US" dirty="0"/>
+              <a:t>          Add Round Key</a:t>
+            </a:r>
+          </a:p>
+          <a:p>
+            <a:pPr marL="0" lvl="0" indent="0" algn="l" rtl="0">
+              <a:spcBef>
+                <a:spcPts val="0"/>
+              </a:spcBef>
+              <a:spcAft>
+                <a:spcPts val="0"/>
+              </a:spcAft>
+              <a:buNone/>
+            </a:pPr>
+            <a:endParaRPr lang="en-US" dirty="0"/>
+          </a:p>
+          <a:p>
+            <a:pPr marL="0" lvl="0" indent="0" algn="l" rtl="0">
+              <a:spcBef>
+                <a:spcPts val="0"/>
+              </a:spcBef>
+              <a:spcAft>
+                <a:spcPts val="0"/>
+              </a:spcAft>
+              <a:buNone/>
+            </a:pPr>
+            <a:r>
+              <a:rPr lang="en-US" dirty="0"/>
+              <a:t>          Inverse Mix Column</a:t>
+            </a:r>
+          </a:p>
+        </p:txBody>
+      </p:sp>
+      <p:sp>
+        <p:nvSpPr>
+          <p:cNvPr id="6" name="Rectangle 5">
+            <a:extLst>
+              <a:ext uri="{FF2B5EF4-FFF2-40B4-BE49-F238E27FC236}">
+                <a16:creationId xmlns:a16="http://schemas.microsoft.com/office/drawing/2014/main" id="{8082285A-0C45-426F-B3FC-BB74422FBF8C}"/>
+              </a:ext>
+            </a:extLst>
+          </p:cNvPr>
+          <p:cNvSpPr/>
+          <p:nvPr/>
+        </p:nvSpPr>
+        <p:spPr>
+          <a:xfrm rot="5400000">
+            <a:off x="2235993" y="2482992"/>
+            <a:ext cx="1718074" cy="96440"/>
+          </a:xfrm>
+          <a:prstGeom prst="rect">
+            <a:avLst/>
+          </a:prstGeom>
+          <a:solidFill>
+            <a:srgbClr val="26303C"/>
+          </a:solidFill>
+          <a:ln/>
+        </p:spPr>
+        <p:style>
+          <a:lnRef idx="0">
+            <a:schemeClr val="accent3"/>
+          </a:lnRef>
+          <a:fillRef idx="3">
+            <a:schemeClr val="accent3"/>
+          </a:fillRef>
+          <a:effectRef idx="3">
+            <a:schemeClr val="accent3"/>
+          </a:effectRef>
+          <a:fontRef idx="minor">
+            <a:schemeClr val="lt1"/>
+          </a:fontRef>
+        </p:style>
+        <p:txBody>
+          <a:bodyPr rtlCol="0" anchor="ctr"/>
+          <a:lstStyle/>
+          <a:p>
+            <a:pPr algn="ctr"/>
+            <a:endParaRPr lang="en-US"/>
+          </a:p>
+        </p:txBody>
+      </p:sp>
+      <p:sp>
+        <p:nvSpPr>
+          <p:cNvPr id="7" name="Arrow: Right 6">
+            <a:extLst>
+              <a:ext uri="{FF2B5EF4-FFF2-40B4-BE49-F238E27FC236}">
+                <a16:creationId xmlns:a16="http://schemas.microsoft.com/office/drawing/2014/main" id="{A702DF02-F53B-479B-96C4-9120F135CC92}"/>
+              </a:ext>
+            </a:extLst>
+          </p:cNvPr>
+          <p:cNvSpPr/>
+          <p:nvPr/>
+        </p:nvSpPr>
+        <p:spPr>
+          <a:xfrm>
+            <a:off x="3779044" y="1518494"/>
+            <a:ext cx="285750" cy="129125"/>
+          </a:xfrm>
+          <a:prstGeom prst="rightArrow">
+            <a:avLst/>
+          </a:prstGeom>
+          <a:solidFill>
+            <a:schemeClr val="bg2"/>
+          </a:solidFill>
+          <a:ln>
+            <a:solidFill>
+              <a:schemeClr val="bg2"/>
+            </a:solidFill>
+          </a:ln>
+        </p:spPr>
+        <p:style>
+          <a:lnRef idx="2">
+            <a:schemeClr val="accent1">
+              <a:shade val="50000"/>
+            </a:schemeClr>
+          </a:lnRef>
+          <a:fillRef idx="1">
+            <a:schemeClr val="accent1"/>
+          </a:fillRef>
+          <a:effectRef idx="0">
+            <a:schemeClr val="accent1"/>
+          </a:effectRef>
+          <a:fontRef idx="minor">
+            <a:schemeClr val="lt1"/>
+          </a:fontRef>
+        </p:style>
+        <p:txBody>
+          <a:bodyPr rtlCol="0" anchor="ctr"/>
+          <a:lstStyle/>
+          <a:p>
+            <a:pPr algn="ctr"/>
+            <a:endParaRPr lang="en-US"/>
+          </a:p>
+        </p:txBody>
+      </p:sp>
+      <p:sp>
+        <p:nvSpPr>
+          <p:cNvPr id="8" name="Arrow: Right 7">
+            <a:extLst>
+              <a:ext uri="{FF2B5EF4-FFF2-40B4-BE49-F238E27FC236}">
+                <a16:creationId xmlns:a16="http://schemas.microsoft.com/office/drawing/2014/main" id="{1BCDD2B9-0D97-493D-A022-053460EC60A0}"/>
+              </a:ext>
+            </a:extLst>
+          </p:cNvPr>
+          <p:cNvSpPr/>
+          <p:nvPr/>
+        </p:nvSpPr>
+        <p:spPr>
+          <a:xfrm>
+            <a:off x="3779044" y="1953068"/>
+            <a:ext cx="285750" cy="129125"/>
+          </a:xfrm>
+          <a:prstGeom prst="rightArrow">
+            <a:avLst/>
+          </a:prstGeom>
+          <a:solidFill>
+            <a:schemeClr val="bg2"/>
+          </a:solidFill>
+          <a:ln>
+            <a:solidFill>
+              <a:schemeClr val="bg2"/>
+            </a:solidFill>
+          </a:ln>
+        </p:spPr>
+        <p:style>
+          <a:lnRef idx="2">
+            <a:schemeClr val="accent1">
+              <a:shade val="50000"/>
+            </a:schemeClr>
+          </a:lnRef>
+          <a:fillRef idx="1">
+            <a:schemeClr val="accent1"/>
+          </a:fillRef>
+          <a:effectRef idx="0">
+            <a:schemeClr val="accent1"/>
+          </a:effectRef>
+          <a:fontRef idx="minor">
+            <a:schemeClr val="lt1"/>
+          </a:fontRef>
+        </p:style>
+        <p:txBody>
+          <a:bodyPr rtlCol="0" anchor="ctr"/>
+          <a:lstStyle/>
+          <a:p>
+            <a:pPr algn="ctr"/>
+            <a:endParaRPr lang="en-US"/>
+          </a:p>
+        </p:txBody>
+      </p:sp>
+      <p:sp>
+        <p:nvSpPr>
+          <p:cNvPr id="9" name="Arrow: Right 8">
+            <a:extLst>
+              <a:ext uri="{FF2B5EF4-FFF2-40B4-BE49-F238E27FC236}">
+                <a16:creationId xmlns:a16="http://schemas.microsoft.com/office/drawing/2014/main" id="{D5A55F41-010D-4257-A3D6-358BBF4CDCC5}"/>
+              </a:ext>
+            </a:extLst>
+          </p:cNvPr>
+          <p:cNvSpPr/>
+          <p:nvPr/>
+        </p:nvSpPr>
+        <p:spPr>
+          <a:xfrm>
+            <a:off x="3779044" y="2370969"/>
+            <a:ext cx="285750" cy="129125"/>
+          </a:xfrm>
+          <a:prstGeom prst="rightArrow">
+            <a:avLst/>
+          </a:prstGeom>
+          <a:solidFill>
+            <a:schemeClr val="bg2"/>
+          </a:solidFill>
+          <a:ln>
+            <a:solidFill>
+              <a:schemeClr val="bg2"/>
+            </a:solidFill>
+          </a:ln>
+        </p:spPr>
+        <p:style>
+          <a:lnRef idx="2">
+            <a:schemeClr val="accent1">
+              <a:shade val="50000"/>
+            </a:schemeClr>
+          </a:lnRef>
+          <a:fillRef idx="1">
+            <a:schemeClr val="accent1"/>
+          </a:fillRef>
+          <a:effectRef idx="0">
+            <a:schemeClr val="accent1"/>
+          </a:effectRef>
+          <a:fontRef idx="minor">
+            <a:schemeClr val="lt1"/>
+          </a:fontRef>
+        </p:style>
+        <p:txBody>
+          <a:bodyPr rtlCol="0" anchor="ctr"/>
+          <a:lstStyle/>
+          <a:p>
+            <a:pPr algn="ctr"/>
+            <a:endParaRPr lang="en-US"/>
+          </a:p>
+        </p:txBody>
+      </p:sp>
+      <p:sp>
+        <p:nvSpPr>
+          <p:cNvPr id="10" name="Arrow: Right 9">
+            <a:extLst>
+              <a:ext uri="{FF2B5EF4-FFF2-40B4-BE49-F238E27FC236}">
+                <a16:creationId xmlns:a16="http://schemas.microsoft.com/office/drawing/2014/main" id="{2E3BA634-BF9D-4AD3-875B-EC97FE33FF87}"/>
+              </a:ext>
+            </a:extLst>
+          </p:cNvPr>
+          <p:cNvSpPr/>
+          <p:nvPr/>
+        </p:nvSpPr>
+        <p:spPr>
+          <a:xfrm>
+            <a:off x="3779044" y="2788870"/>
+            <a:ext cx="285750" cy="129125"/>
+          </a:xfrm>
+          <a:prstGeom prst="rightArrow">
+            <a:avLst/>
+          </a:prstGeom>
+          <a:solidFill>
+            <a:schemeClr val="bg2"/>
+          </a:solidFill>
+          <a:ln>
+            <a:solidFill>
+              <a:schemeClr val="bg2"/>
+            </a:solidFill>
+          </a:ln>
+        </p:spPr>
+        <p:style>
+          <a:lnRef idx="2">
+            <a:schemeClr val="accent1">
+              <a:shade val="50000"/>
+            </a:schemeClr>
+          </a:lnRef>
+          <a:fillRef idx="1">
+            <a:schemeClr val="accent1"/>
+          </a:fillRef>
+          <a:effectRef idx="0">
+            <a:schemeClr val="accent1"/>
+          </a:effectRef>
+          <a:fontRef idx="minor">
+            <a:schemeClr val="lt1"/>
+          </a:fontRef>
+        </p:style>
+        <p:txBody>
+          <a:bodyPr rtlCol="0" anchor="ctr"/>
+          <a:lstStyle/>
+          <a:p>
+            <a:pPr algn="ctr"/>
+            <a:endParaRPr lang="en-US"/>
+          </a:p>
+        </p:txBody>
+      </p:sp>
+      <p:sp>
+        <p:nvSpPr>
+          <p:cNvPr id="11" name="Arrow: Right 10">
+            <a:extLst>
+              <a:ext uri="{FF2B5EF4-FFF2-40B4-BE49-F238E27FC236}">
+                <a16:creationId xmlns:a16="http://schemas.microsoft.com/office/drawing/2014/main" id="{E5E954B1-B42A-4F2B-B720-1ED7AA0893F4}"/>
+              </a:ext>
+            </a:extLst>
+          </p:cNvPr>
+          <p:cNvSpPr/>
+          <p:nvPr/>
+        </p:nvSpPr>
+        <p:spPr>
+          <a:xfrm>
+            <a:off x="3779044" y="3206771"/>
+            <a:ext cx="285750" cy="129125"/>
+          </a:xfrm>
+          <a:prstGeom prst="rightArrow">
+            <a:avLst/>
+          </a:prstGeom>
+          <a:solidFill>
+            <a:schemeClr val="bg2"/>
+          </a:solidFill>
+          <a:ln>
+            <a:solidFill>
+              <a:schemeClr val="bg2"/>
+            </a:solidFill>
+          </a:ln>
+        </p:spPr>
+        <p:style>
+          <a:lnRef idx="2">
+            <a:schemeClr val="accent1">
+              <a:shade val="50000"/>
+            </a:schemeClr>
+          </a:lnRef>
+          <a:fillRef idx="1">
+            <a:schemeClr val="accent1"/>
+          </a:fillRef>
+          <a:effectRef idx="0">
+            <a:schemeClr val="accent1"/>
+          </a:effectRef>
+          <a:fontRef idx="minor">
+            <a:schemeClr val="lt1"/>
+          </a:fontRef>
+        </p:style>
+        <p:txBody>
+          <a:bodyPr rtlCol="0" anchor="ctr"/>
+          <a:lstStyle/>
+          <a:p>
+            <a:pPr algn="ctr"/>
+            <a:endParaRPr lang="en-US"/>
+          </a:p>
+        </p:txBody>
+      </p:sp>
+      <p:sp>
+        <p:nvSpPr>
+          <p:cNvPr id="12" name="Arrow: Right 11">
+            <a:extLst>
+              <a:ext uri="{FF2B5EF4-FFF2-40B4-BE49-F238E27FC236}">
+                <a16:creationId xmlns:a16="http://schemas.microsoft.com/office/drawing/2014/main" id="{F395446C-F5F2-42D0-8FC8-306D3A7EBC53}"/>
+              </a:ext>
+            </a:extLst>
+          </p:cNvPr>
+          <p:cNvSpPr/>
+          <p:nvPr/>
+        </p:nvSpPr>
+        <p:spPr>
+          <a:xfrm>
+            <a:off x="3779044" y="3658822"/>
+            <a:ext cx="285750" cy="129125"/>
+          </a:xfrm>
+          <a:prstGeom prst="rightArrow">
+            <a:avLst/>
+          </a:prstGeom>
+          <a:solidFill>
+            <a:schemeClr val="bg2"/>
+          </a:solidFill>
+          <a:ln>
+            <a:solidFill>
+              <a:schemeClr val="bg2"/>
+            </a:solidFill>
+          </a:ln>
+        </p:spPr>
+        <p:style>
+          <a:lnRef idx="2">
+            <a:schemeClr val="accent1">
+              <a:shade val="50000"/>
+            </a:schemeClr>
+          </a:lnRef>
+          <a:fillRef idx="1">
+            <a:schemeClr val="accent1"/>
+          </a:fillRef>
+          <a:effectRef idx="0">
+            <a:schemeClr val="accent1"/>
+          </a:effectRef>
+          <a:fontRef idx="minor">
+            <a:schemeClr val="lt1"/>
+          </a:fontRef>
+        </p:style>
+        <p:txBody>
+          <a:bodyPr rtlCol="0" anchor="ctr"/>
+          <a:lstStyle/>
+          <a:p>
+            <a:pPr algn="ctr"/>
+            <a:endParaRPr lang="en-US"/>
+          </a:p>
+        </p:txBody>
+      </p:sp>
+      <p:sp>
+        <p:nvSpPr>
+          <p:cNvPr id="13" name="Rectangle 12">
+            <a:extLst>
+              <a:ext uri="{FF2B5EF4-FFF2-40B4-BE49-F238E27FC236}">
+                <a16:creationId xmlns:a16="http://schemas.microsoft.com/office/drawing/2014/main" id="{B52630EA-5002-42D2-ABF7-F59E27B4F1F8}"/>
+              </a:ext>
+            </a:extLst>
+          </p:cNvPr>
+          <p:cNvSpPr/>
+          <p:nvPr/>
+        </p:nvSpPr>
+        <p:spPr>
+          <a:xfrm>
+            <a:off x="3485684" y="1278731"/>
+            <a:ext cx="3042410" cy="2764632"/>
+          </a:xfrm>
+          <a:prstGeom prst="rect">
+            <a:avLst/>
+          </a:prstGeom>
+          <a:noFill/>
+          <a:ln>
+            <a:solidFill>
+              <a:schemeClr val="bg2"/>
+            </a:solidFill>
+          </a:ln>
+        </p:spPr>
+        <p:style>
+          <a:lnRef idx="2">
+            <a:schemeClr val="accent1">
+              <a:shade val="50000"/>
+            </a:schemeClr>
+          </a:lnRef>
+          <a:fillRef idx="1">
+            <a:schemeClr val="accent1"/>
+          </a:fillRef>
+          <a:effectRef idx="0">
+            <a:schemeClr val="accent1"/>
+          </a:effectRef>
+          <a:fontRef idx="minor">
+            <a:schemeClr val="lt1"/>
+          </a:fontRef>
+        </p:style>
+        <p:txBody>
+          <a:bodyPr rtlCol="0" anchor="ctr"/>
+          <a:lstStyle/>
+          <a:p>
+            <a:pPr algn="ctr"/>
+            <a:endParaRPr lang="en-US"/>
           </a:p>
         </p:txBody>
       </p:sp>
     </p:spTree>
     <p:extLst>
       <p:ext uri="{BB962C8B-B14F-4D97-AF65-F5344CB8AC3E}">
-        <p14:creationId xmlns:p14="http://schemas.microsoft.com/office/powerpoint/2010/main" val="1312420505"/>
+        <p14:creationId xmlns:p14="http://schemas.microsoft.com/office/powerpoint/2010/main" val="1713786929"/>
       </p:ext>
     </p:extLst>
   </p:cSld>
@@ -7644,7 +13939,7 @@
         </p:nvSpPr>
         <p:spPr>
           <a:xfrm>
-            <a:off x="650732" y="3178759"/>
+            <a:off x="650732" y="2675839"/>
             <a:ext cx="1858096" cy="245400"/>
           </a:xfrm>
           <a:prstGeom prst="roundRect">
@@ -7744,8 +14039,8 @@
         </p:nvSpPr>
         <p:spPr>
           <a:xfrm>
-            <a:off x="256918" y="1606050"/>
-            <a:ext cx="2337000" cy="1931400"/>
+            <a:off x="256918" y="1606049"/>
+            <a:ext cx="2337000" cy="2501607"/>
           </a:xfrm>
           <a:prstGeom prst="rect">
             <a:avLst/>
@@ -7904,6 +14199,907 @@
                   <a:schemeClr val="bg1"/>
                 </a:solidFill>
               </a:rPr>
+              <a:t>∎        </a:t>
+            </a:r>
+            <a:r>
+              <a:rPr lang="en-GB" sz="1100" dirty="0">
+                <a:solidFill>
+                  <a:schemeClr val="tx1"/>
+                </a:solidFill>
+              </a:rPr>
+              <a:t>Huffman Compression</a:t>
+            </a:r>
+            <a:endParaRPr sz="1100" dirty="0">
+              <a:solidFill>
+                <a:schemeClr val="tx1"/>
+              </a:solidFill>
+            </a:endParaRPr>
+          </a:p>
+          <a:p>
+            <a:pPr marL="0" lvl="0" indent="0" algn="l" rtl="0">
+              <a:spcBef>
+                <a:spcPts val="0"/>
+              </a:spcBef>
+              <a:spcAft>
+                <a:spcPts val="0"/>
+              </a:spcAft>
+              <a:buNone/>
+            </a:pPr>
+            <a:endParaRPr sz="1100" dirty="0">
+              <a:solidFill>
+                <a:schemeClr val="bg1"/>
+              </a:solidFill>
+            </a:endParaRPr>
+          </a:p>
+          <a:p>
+            <a:pPr marL="0" lvl="0" indent="0" algn="l" rtl="0">
+              <a:spcBef>
+                <a:spcPts val="0"/>
+              </a:spcBef>
+              <a:spcAft>
+                <a:spcPts val="0"/>
+              </a:spcAft>
+              <a:buNone/>
+            </a:pPr>
+            <a:endParaRPr sz="1100" dirty="0">
+              <a:solidFill>
+                <a:schemeClr val="bg1"/>
+              </a:solidFill>
+            </a:endParaRPr>
+          </a:p>
+          <a:p>
+            <a:pPr marL="0" lvl="0" indent="0" algn="l" rtl="0">
+              <a:spcBef>
+                <a:spcPts val="0"/>
+              </a:spcBef>
+              <a:spcAft>
+                <a:spcPts val="0"/>
+              </a:spcAft>
+              <a:buNone/>
+            </a:pPr>
+            <a:r>
+              <a:rPr lang="en-GB" sz="1100" dirty="0">
+                <a:solidFill>
+                  <a:schemeClr val="bg1"/>
+                </a:solidFill>
+              </a:rPr>
+              <a:t>∎        Huffman Decompression</a:t>
+            </a:r>
+          </a:p>
+          <a:p>
+            <a:pPr marL="0" lvl="0" indent="0" algn="l" rtl="0">
+              <a:spcBef>
+                <a:spcPts val="0"/>
+              </a:spcBef>
+              <a:spcAft>
+                <a:spcPts val="0"/>
+              </a:spcAft>
+              <a:buNone/>
+            </a:pPr>
+            <a:endParaRPr lang="en-GB" sz="1100" dirty="0">
+              <a:solidFill>
+                <a:schemeClr val="bg1"/>
+              </a:solidFill>
+            </a:endParaRPr>
+          </a:p>
+          <a:p>
+            <a:pPr marL="0" lvl="0" indent="0" algn="l" rtl="0">
+              <a:spcBef>
+                <a:spcPts val="0"/>
+              </a:spcBef>
+              <a:spcAft>
+                <a:spcPts val="0"/>
+              </a:spcAft>
+              <a:buNone/>
+            </a:pPr>
+            <a:endParaRPr lang="en-GB" sz="1100" dirty="0">
+              <a:solidFill>
+                <a:schemeClr val="bg1"/>
+              </a:solidFill>
+            </a:endParaRPr>
+          </a:p>
+          <a:p>
+            <a:r>
+              <a:rPr lang="en-GB" sz="1100" dirty="0">
+                <a:latin typeface="Verdana" panose="020B0604030504040204" pitchFamily="34" charset="0"/>
+                <a:ea typeface="Verdana" panose="020B0604030504040204" pitchFamily="34" charset="0"/>
+              </a:rPr>
+              <a:t>∎      </a:t>
+            </a:r>
+            <a:r>
+              <a:rPr lang="en-GB" sz="1100" dirty="0">
+                <a:ea typeface="Verdana" panose="020B0604030504040204" pitchFamily="34" charset="0"/>
+              </a:rPr>
+              <a:t>User Interface</a:t>
+            </a:r>
+            <a:endParaRPr lang="en-GB" sz="1100" dirty="0">
+              <a:solidFill>
+                <a:schemeClr val="bg1"/>
+              </a:solidFill>
+            </a:endParaRPr>
+          </a:p>
+          <a:p>
+            <a:pPr marL="0" lvl="0" indent="0" algn="l" rtl="0">
+              <a:spcBef>
+                <a:spcPts val="0"/>
+              </a:spcBef>
+              <a:spcAft>
+                <a:spcPts val="0"/>
+              </a:spcAft>
+              <a:buNone/>
+            </a:pPr>
+            <a:endParaRPr sz="1100" b="1" dirty="0">
+              <a:solidFill>
+                <a:schemeClr val="bg1"/>
+              </a:solidFill>
+            </a:endParaRPr>
+          </a:p>
+        </p:txBody>
+      </p:sp>
+      <p:sp>
+        <p:nvSpPr>
+          <p:cNvPr id="5" name="Google Shape;123;p18">
+            <a:extLst>
+              <a:ext uri="{FF2B5EF4-FFF2-40B4-BE49-F238E27FC236}">
+                <a16:creationId xmlns:a16="http://schemas.microsoft.com/office/drawing/2014/main" id="{7E3EAF66-6D76-4C42-B9A7-4B4E0D4CC3EE}"/>
+              </a:ext>
+            </a:extLst>
+          </p:cNvPr>
+          <p:cNvSpPr txBox="1"/>
+          <p:nvPr/>
+        </p:nvSpPr>
+        <p:spPr>
+          <a:xfrm>
+            <a:off x="3714750" y="1383089"/>
+            <a:ext cx="3042410" cy="2827800"/>
+          </a:xfrm>
+          <a:prstGeom prst="rect">
+            <a:avLst/>
+          </a:prstGeom>
+          <a:noFill/>
+          <a:ln>
+            <a:noFill/>
+          </a:ln>
+        </p:spPr>
+        <p:txBody>
+          <a:bodyPr spcFirstLastPara="1" wrap="square" lIns="91425" tIns="91425" rIns="91425" bIns="91425" anchor="t" anchorCtr="0">
+            <a:noAutofit/>
+          </a:bodyPr>
+          <a:lstStyle/>
+          <a:p>
+            <a:pPr marL="0" lvl="0" indent="0" algn="l" rtl="0">
+              <a:spcBef>
+                <a:spcPts val="0"/>
+              </a:spcBef>
+              <a:spcAft>
+                <a:spcPts val="0"/>
+              </a:spcAft>
+              <a:buNone/>
+            </a:pPr>
+            <a:r>
+              <a:rPr lang="en-US" dirty="0"/>
+              <a:t>          Variable-Length Code</a:t>
+            </a:r>
+          </a:p>
+          <a:p>
+            <a:pPr marL="0" lvl="0" indent="0" algn="l" rtl="0">
+              <a:spcBef>
+                <a:spcPts val="0"/>
+              </a:spcBef>
+              <a:spcAft>
+                <a:spcPts val="0"/>
+              </a:spcAft>
+              <a:buNone/>
+            </a:pPr>
+            <a:endParaRPr lang="en-US" dirty="0"/>
+          </a:p>
+          <a:p>
+            <a:pPr marL="0" lvl="0" indent="0" algn="l" rtl="0">
+              <a:spcBef>
+                <a:spcPts val="0"/>
+              </a:spcBef>
+              <a:spcAft>
+                <a:spcPts val="0"/>
+              </a:spcAft>
+              <a:buNone/>
+            </a:pPr>
+            <a:endParaRPr lang="en-US" dirty="0"/>
+          </a:p>
+          <a:p>
+            <a:pPr marL="0" lvl="0" indent="0" algn="l" rtl="0">
+              <a:spcBef>
+                <a:spcPts val="0"/>
+              </a:spcBef>
+              <a:spcAft>
+                <a:spcPts val="0"/>
+              </a:spcAft>
+              <a:buNone/>
+            </a:pPr>
+            <a:r>
+              <a:rPr lang="en-US" dirty="0"/>
+              <a:t>          Huffman Tree using the</a:t>
+            </a:r>
+          </a:p>
+          <a:p>
+            <a:pPr marL="0" lvl="0" indent="0" algn="l" rtl="0">
+              <a:spcBef>
+                <a:spcPts val="0"/>
+              </a:spcBef>
+              <a:spcAft>
+                <a:spcPts val="0"/>
+              </a:spcAft>
+              <a:buNone/>
+            </a:pPr>
+            <a:endParaRPr lang="en-US" dirty="0"/>
+          </a:p>
+          <a:p>
+            <a:pPr marL="0" lvl="0" indent="0" algn="l" rtl="0">
+              <a:spcBef>
+                <a:spcPts val="0"/>
+              </a:spcBef>
+              <a:spcAft>
+                <a:spcPts val="0"/>
+              </a:spcAft>
+              <a:buNone/>
+            </a:pPr>
+            <a:r>
+              <a:rPr lang="en-US" dirty="0"/>
+              <a:t>          frequencies of characters</a:t>
+            </a:r>
+          </a:p>
+          <a:p>
+            <a:pPr marL="0" lvl="0" indent="0" algn="l" rtl="0">
+              <a:spcBef>
+                <a:spcPts val="0"/>
+              </a:spcBef>
+              <a:spcAft>
+                <a:spcPts val="0"/>
+              </a:spcAft>
+              <a:buNone/>
+            </a:pPr>
+            <a:endParaRPr lang="en-US" dirty="0"/>
+          </a:p>
+          <a:p>
+            <a:pPr marL="0" lvl="0" indent="0" algn="l" rtl="0">
+              <a:spcBef>
+                <a:spcPts val="0"/>
+              </a:spcBef>
+              <a:spcAft>
+                <a:spcPts val="0"/>
+              </a:spcAft>
+              <a:buNone/>
+            </a:pPr>
+            <a:endParaRPr lang="en-US" dirty="0"/>
+          </a:p>
+          <a:p>
+            <a:pPr marL="0" lvl="0" indent="0" algn="l" rtl="0">
+              <a:spcBef>
+                <a:spcPts val="0"/>
+              </a:spcBef>
+              <a:spcAft>
+                <a:spcPts val="0"/>
+              </a:spcAft>
+              <a:buNone/>
+            </a:pPr>
+            <a:r>
+              <a:rPr lang="en-US" dirty="0"/>
+              <a:t>          Tree Traversal to assign</a:t>
+            </a:r>
+          </a:p>
+          <a:p>
+            <a:pPr marL="0" lvl="0" indent="0" algn="l" rtl="0">
+              <a:spcBef>
+                <a:spcPts val="0"/>
+              </a:spcBef>
+              <a:spcAft>
+                <a:spcPts val="0"/>
+              </a:spcAft>
+              <a:buNone/>
+            </a:pPr>
+            <a:endParaRPr lang="en-US" dirty="0"/>
+          </a:p>
+          <a:p>
+            <a:pPr marL="0" lvl="0" indent="0" algn="l" rtl="0">
+              <a:spcBef>
+                <a:spcPts val="0"/>
+              </a:spcBef>
+              <a:spcAft>
+                <a:spcPts val="0"/>
+              </a:spcAft>
+              <a:buNone/>
+            </a:pPr>
+            <a:r>
+              <a:rPr lang="en-US" dirty="0"/>
+              <a:t>          codes</a:t>
+            </a:r>
+          </a:p>
+        </p:txBody>
+      </p:sp>
+      <p:sp>
+        <p:nvSpPr>
+          <p:cNvPr id="6" name="Rectangle 5">
+            <a:extLst>
+              <a:ext uri="{FF2B5EF4-FFF2-40B4-BE49-F238E27FC236}">
+                <a16:creationId xmlns:a16="http://schemas.microsoft.com/office/drawing/2014/main" id="{345DD5F5-1E5B-4A4C-8210-3CCF3710BED6}"/>
+              </a:ext>
+            </a:extLst>
+          </p:cNvPr>
+          <p:cNvSpPr/>
+          <p:nvPr/>
+        </p:nvSpPr>
+        <p:spPr>
+          <a:xfrm rot="5400000">
+            <a:off x="2235993" y="2482992"/>
+            <a:ext cx="1718074" cy="96440"/>
+          </a:xfrm>
+          <a:prstGeom prst="rect">
+            <a:avLst/>
+          </a:prstGeom>
+          <a:solidFill>
+            <a:srgbClr val="26303C"/>
+          </a:solidFill>
+          <a:ln/>
+        </p:spPr>
+        <p:style>
+          <a:lnRef idx="0">
+            <a:schemeClr val="accent3"/>
+          </a:lnRef>
+          <a:fillRef idx="3">
+            <a:schemeClr val="accent3"/>
+          </a:fillRef>
+          <a:effectRef idx="3">
+            <a:schemeClr val="accent3"/>
+          </a:effectRef>
+          <a:fontRef idx="minor">
+            <a:schemeClr val="lt1"/>
+          </a:fontRef>
+        </p:style>
+        <p:txBody>
+          <a:bodyPr rtlCol="0" anchor="ctr"/>
+          <a:lstStyle/>
+          <a:p>
+            <a:pPr algn="ctr"/>
+            <a:endParaRPr lang="en-US"/>
+          </a:p>
+        </p:txBody>
+      </p:sp>
+      <p:sp>
+        <p:nvSpPr>
+          <p:cNvPr id="7" name="Arrow: Right 6">
+            <a:extLst>
+              <a:ext uri="{FF2B5EF4-FFF2-40B4-BE49-F238E27FC236}">
+                <a16:creationId xmlns:a16="http://schemas.microsoft.com/office/drawing/2014/main" id="{A90D7824-97A9-44D0-9448-8E15B38903C1}"/>
+              </a:ext>
+            </a:extLst>
+          </p:cNvPr>
+          <p:cNvSpPr/>
+          <p:nvPr/>
+        </p:nvSpPr>
+        <p:spPr>
+          <a:xfrm>
+            <a:off x="3779044" y="1518494"/>
+            <a:ext cx="285750" cy="129125"/>
+          </a:xfrm>
+          <a:prstGeom prst="rightArrow">
+            <a:avLst/>
+          </a:prstGeom>
+          <a:solidFill>
+            <a:schemeClr val="bg2"/>
+          </a:solidFill>
+          <a:ln>
+            <a:solidFill>
+              <a:schemeClr val="bg2"/>
+            </a:solidFill>
+          </a:ln>
+        </p:spPr>
+        <p:style>
+          <a:lnRef idx="2">
+            <a:schemeClr val="accent1">
+              <a:shade val="50000"/>
+            </a:schemeClr>
+          </a:lnRef>
+          <a:fillRef idx="1">
+            <a:schemeClr val="accent1"/>
+          </a:fillRef>
+          <a:effectRef idx="0">
+            <a:schemeClr val="accent1"/>
+          </a:effectRef>
+          <a:fontRef idx="minor">
+            <a:schemeClr val="lt1"/>
+          </a:fontRef>
+        </p:style>
+        <p:txBody>
+          <a:bodyPr rtlCol="0" anchor="ctr"/>
+          <a:lstStyle/>
+          <a:p>
+            <a:pPr algn="ctr"/>
+            <a:endParaRPr lang="en-US"/>
+          </a:p>
+        </p:txBody>
+      </p:sp>
+      <p:sp>
+        <p:nvSpPr>
+          <p:cNvPr id="8" name="Arrow: Right 7">
+            <a:extLst>
+              <a:ext uri="{FF2B5EF4-FFF2-40B4-BE49-F238E27FC236}">
+                <a16:creationId xmlns:a16="http://schemas.microsoft.com/office/drawing/2014/main" id="{AF6104C8-84CB-4DD4-88F7-C045555B1841}"/>
+              </a:ext>
+            </a:extLst>
+          </p:cNvPr>
+          <p:cNvSpPr/>
+          <p:nvPr/>
+        </p:nvSpPr>
+        <p:spPr>
+          <a:xfrm>
+            <a:off x="3779044" y="2160239"/>
+            <a:ext cx="285750" cy="129125"/>
+          </a:xfrm>
+          <a:prstGeom prst="rightArrow">
+            <a:avLst/>
+          </a:prstGeom>
+          <a:solidFill>
+            <a:schemeClr val="bg2"/>
+          </a:solidFill>
+          <a:ln>
+            <a:solidFill>
+              <a:schemeClr val="bg2"/>
+            </a:solidFill>
+          </a:ln>
+        </p:spPr>
+        <p:style>
+          <a:lnRef idx="2">
+            <a:schemeClr val="accent1">
+              <a:shade val="50000"/>
+            </a:schemeClr>
+          </a:lnRef>
+          <a:fillRef idx="1">
+            <a:schemeClr val="accent1"/>
+          </a:fillRef>
+          <a:effectRef idx="0">
+            <a:schemeClr val="accent1"/>
+          </a:effectRef>
+          <a:fontRef idx="minor">
+            <a:schemeClr val="lt1"/>
+          </a:fontRef>
+        </p:style>
+        <p:txBody>
+          <a:bodyPr rtlCol="0" anchor="ctr"/>
+          <a:lstStyle/>
+          <a:p>
+            <a:pPr algn="ctr"/>
+            <a:endParaRPr lang="en-US"/>
+          </a:p>
+        </p:txBody>
+      </p:sp>
+      <p:sp>
+        <p:nvSpPr>
+          <p:cNvPr id="10" name="Arrow: Right 9">
+            <a:extLst>
+              <a:ext uri="{FF2B5EF4-FFF2-40B4-BE49-F238E27FC236}">
+                <a16:creationId xmlns:a16="http://schemas.microsoft.com/office/drawing/2014/main" id="{5696FBCA-DFF7-42A4-BCF2-B3C261EDA6B5}"/>
+              </a:ext>
+            </a:extLst>
+          </p:cNvPr>
+          <p:cNvSpPr/>
+          <p:nvPr/>
+        </p:nvSpPr>
+        <p:spPr>
+          <a:xfrm>
+            <a:off x="3779044" y="3224644"/>
+            <a:ext cx="285750" cy="129125"/>
+          </a:xfrm>
+          <a:prstGeom prst="rightArrow">
+            <a:avLst/>
+          </a:prstGeom>
+          <a:solidFill>
+            <a:schemeClr val="bg2"/>
+          </a:solidFill>
+          <a:ln>
+            <a:solidFill>
+              <a:schemeClr val="bg2"/>
+            </a:solidFill>
+          </a:ln>
+        </p:spPr>
+        <p:style>
+          <a:lnRef idx="2">
+            <a:schemeClr val="accent1">
+              <a:shade val="50000"/>
+            </a:schemeClr>
+          </a:lnRef>
+          <a:fillRef idx="1">
+            <a:schemeClr val="accent1"/>
+          </a:fillRef>
+          <a:effectRef idx="0">
+            <a:schemeClr val="accent1"/>
+          </a:effectRef>
+          <a:fontRef idx="minor">
+            <a:schemeClr val="lt1"/>
+          </a:fontRef>
+        </p:style>
+        <p:txBody>
+          <a:bodyPr rtlCol="0" anchor="ctr"/>
+          <a:lstStyle/>
+          <a:p>
+            <a:pPr algn="ctr"/>
+            <a:endParaRPr lang="en-US"/>
+          </a:p>
+        </p:txBody>
+      </p:sp>
+      <p:sp>
+        <p:nvSpPr>
+          <p:cNvPr id="13" name="Rectangle 12">
+            <a:extLst>
+              <a:ext uri="{FF2B5EF4-FFF2-40B4-BE49-F238E27FC236}">
+                <a16:creationId xmlns:a16="http://schemas.microsoft.com/office/drawing/2014/main" id="{CAF209AF-C4CE-4ADD-BFC2-C0C565E2DC9E}"/>
+              </a:ext>
+            </a:extLst>
+          </p:cNvPr>
+          <p:cNvSpPr/>
+          <p:nvPr/>
+        </p:nvSpPr>
+        <p:spPr>
+          <a:xfrm>
+            <a:off x="3485684" y="1278731"/>
+            <a:ext cx="3042410" cy="2764632"/>
+          </a:xfrm>
+          <a:prstGeom prst="rect">
+            <a:avLst/>
+          </a:prstGeom>
+          <a:noFill/>
+          <a:ln>
+            <a:solidFill>
+              <a:schemeClr val="bg2"/>
+            </a:solidFill>
+          </a:ln>
+        </p:spPr>
+        <p:style>
+          <a:lnRef idx="2">
+            <a:schemeClr val="accent1">
+              <a:shade val="50000"/>
+            </a:schemeClr>
+          </a:lnRef>
+          <a:fillRef idx="1">
+            <a:schemeClr val="accent1"/>
+          </a:fillRef>
+          <a:effectRef idx="0">
+            <a:schemeClr val="accent1"/>
+          </a:effectRef>
+          <a:fontRef idx="minor">
+            <a:schemeClr val="lt1"/>
+          </a:fontRef>
+        </p:style>
+        <p:txBody>
+          <a:bodyPr rtlCol="0" anchor="ctr"/>
+          <a:lstStyle/>
+          <a:p>
+            <a:pPr algn="ctr"/>
+            <a:endParaRPr lang="en-US"/>
+          </a:p>
+        </p:txBody>
+      </p:sp>
+    </p:spTree>
+    <p:extLst>
+      <p:ext uri="{BB962C8B-B14F-4D97-AF65-F5344CB8AC3E}">
+        <p14:creationId xmlns:p14="http://schemas.microsoft.com/office/powerpoint/2010/main" val="1312420505"/>
+      </p:ext>
+    </p:extLst>
+  </p:cSld>
+  <p:clrMapOvr>
+    <a:masterClrMapping/>
+  </p:clrMapOvr>
+  <mc:AlternateContent xmlns:mc="http://schemas.openxmlformats.org/markup-compatibility/2006" xmlns:p159="http://schemas.microsoft.com/office/powerpoint/2015/09/main">
+    <mc:Choice Requires="p159">
+      <p:transition xmlns:p14="http://schemas.microsoft.com/office/powerpoint/2010/main" spd="slow" p14:dur="2000">
+        <p159:morph option="byObject"/>
+      </p:transition>
+    </mc:Choice>
+    <mc:Fallback xmlns="">
+      <p:transition spd="slow">
+        <p:fade/>
+      </p:transition>
+    </mc:Fallback>
+  </mc:AlternateContent>
+</p:sld>
+</file>
+
+<file path=ppt/slides/slide8.xml><?xml version="1.0" encoding="utf-8"?>
+<p:sld xmlns:a="http://schemas.openxmlformats.org/drawingml/2006/main" xmlns:r="http://schemas.openxmlformats.org/officeDocument/2006/relationships" xmlns:p="http://schemas.openxmlformats.org/presentationml/2006/main">
+  <p:cSld>
+    <p:bg>
+      <p:bgPr>
+        <a:blipFill>
+          <a:blip r:embed="rId3">
+            <a:alphaModFix/>
+          </a:blip>
+          <a:stretch>
+            <a:fillRect/>
+          </a:stretch>
+        </a:blipFill>
+        <a:effectLst/>
+      </p:bgPr>
+    </p:bg>
+    <p:spTree>
+      <p:nvGrpSpPr>
+        <p:cNvPr id="1" name="Shape 119"/>
+        <p:cNvGrpSpPr/>
+        <p:nvPr/>
+      </p:nvGrpSpPr>
+      <p:grpSpPr>
+        <a:xfrm>
+          <a:off x="0" y="0"/>
+          <a:ext cx="0" cy="0"/>
+          <a:chOff x="0" y="0"/>
+          <a:chExt cx="0" cy="0"/>
+        </a:xfrm>
+      </p:grpSpPr>
+      <p:sp>
+        <p:nvSpPr>
+          <p:cNvPr id="120" name="Google Shape;120;p18"/>
+          <p:cNvSpPr/>
+          <p:nvPr/>
+        </p:nvSpPr>
+        <p:spPr>
+          <a:xfrm>
+            <a:off x="650732" y="3178759"/>
+            <a:ext cx="1858096" cy="245400"/>
+          </a:xfrm>
+          <a:prstGeom prst="roundRect">
+            <a:avLst>
+              <a:gd name="adj" fmla="val 50000"/>
+            </a:avLst>
+          </a:prstGeom>
+          <a:solidFill>
+            <a:srgbClr val="2E3E4D"/>
+          </a:solidFill>
+          <a:ln w="9525" cap="flat" cmpd="sng">
+            <a:solidFill>
+              <a:schemeClr val="dk1"/>
+            </a:solidFill>
+            <a:prstDash val="solid"/>
+            <a:round/>
+            <a:headEnd type="none" w="sm" len="sm"/>
+            <a:tailEnd type="none" w="sm" len="sm"/>
+          </a:ln>
+        </p:spPr>
+        <p:txBody>
+          <a:bodyPr spcFirstLastPara="1" wrap="square" lIns="91425" tIns="91425" rIns="91425" bIns="91425" anchor="ctr" anchorCtr="0">
+            <a:noAutofit/>
+          </a:bodyPr>
+          <a:lstStyle/>
+          <a:p>
+            <a:pPr marL="0" lvl="0" indent="0" algn="ctr" rtl="0">
+              <a:spcBef>
+                <a:spcPts val="0"/>
+              </a:spcBef>
+              <a:spcAft>
+                <a:spcPts val="0"/>
+              </a:spcAft>
+              <a:buNone/>
+            </a:pPr>
+            <a:endParaRPr/>
+          </a:p>
+        </p:txBody>
+      </p:sp>
+      <p:sp>
+        <p:nvSpPr>
+          <p:cNvPr id="121" name="Google Shape;121;p18"/>
+          <p:cNvSpPr txBox="1"/>
+          <p:nvPr/>
+        </p:nvSpPr>
+        <p:spPr>
+          <a:xfrm>
+            <a:off x="1834687" y="404329"/>
+            <a:ext cx="5003138" cy="459000"/>
+          </a:xfrm>
+          <a:prstGeom prst="rect">
+            <a:avLst/>
+          </a:prstGeom>
+          <a:noFill/>
+          <a:ln>
+            <a:noFill/>
+          </a:ln>
+        </p:spPr>
+        <p:txBody>
+          <a:bodyPr spcFirstLastPara="1" wrap="square" lIns="91425" tIns="91425" rIns="91425" bIns="91425" anchor="t" anchorCtr="0">
+            <a:noAutofit/>
+          </a:bodyPr>
+          <a:lstStyle/>
+          <a:p>
+            <a:pPr marL="0" lvl="0" indent="0" algn="ctr" rtl="0">
+              <a:spcBef>
+                <a:spcPts val="0"/>
+              </a:spcBef>
+              <a:spcAft>
+                <a:spcPts val="0"/>
+              </a:spcAft>
+              <a:buNone/>
+            </a:pPr>
+            <a:r>
+              <a:rPr lang="en-GB" sz="2400" b="1" dirty="0">
+                <a:latin typeface="Verdana" panose="020B0604030504040204" pitchFamily="34" charset="0"/>
+                <a:ea typeface="Verdana" panose="020B0604030504040204" pitchFamily="34" charset="0"/>
+                <a:cs typeface="Tahoma" panose="020B0604030504040204" pitchFamily="34" charset="0"/>
+                <a:sym typeface="Helvetica Neue"/>
+              </a:rPr>
+              <a:t>HUFFMAN DECOMPRESSION</a:t>
+            </a:r>
+            <a:endParaRPr sz="2400" b="1" dirty="0">
+              <a:latin typeface="Verdana" panose="020B0604030504040204" pitchFamily="34" charset="0"/>
+              <a:ea typeface="Verdana" panose="020B0604030504040204" pitchFamily="34" charset="0"/>
+              <a:cs typeface="Tahoma" panose="020B0604030504040204" pitchFamily="34" charset="0"/>
+              <a:sym typeface="Helvetica Neue"/>
+            </a:endParaRPr>
+          </a:p>
+        </p:txBody>
+      </p:sp>
+      <p:sp>
+        <p:nvSpPr>
+          <p:cNvPr id="122" name="Google Shape;122;p18"/>
+          <p:cNvSpPr txBox="1"/>
+          <p:nvPr/>
+        </p:nvSpPr>
+        <p:spPr>
+          <a:xfrm>
+            <a:off x="256918" y="1606049"/>
+            <a:ext cx="2337000" cy="2437313"/>
+          </a:xfrm>
+          <a:prstGeom prst="rect">
+            <a:avLst/>
+          </a:prstGeom>
+          <a:noFill/>
+          <a:ln>
+            <a:noFill/>
+          </a:ln>
+        </p:spPr>
+        <p:txBody>
+          <a:bodyPr spcFirstLastPara="1" wrap="square" lIns="91425" tIns="91425" rIns="91425" bIns="91425" anchor="t" anchorCtr="0">
+            <a:noAutofit/>
+          </a:bodyPr>
+          <a:lstStyle/>
+          <a:p>
+            <a:pPr marL="0" lvl="0" indent="0" algn="l" rtl="0">
+              <a:spcBef>
+                <a:spcPts val="0"/>
+              </a:spcBef>
+              <a:spcAft>
+                <a:spcPts val="0"/>
+              </a:spcAft>
+              <a:buNone/>
+            </a:pPr>
+            <a:r>
+              <a:rPr lang="en-GB" sz="1100" dirty="0">
+                <a:solidFill>
+                  <a:schemeClr val="bg1"/>
+                </a:solidFill>
+              </a:rPr>
+              <a:t>∎</a:t>
+            </a:r>
+            <a:r>
+              <a:rPr lang="en-GB" sz="1100" dirty="0">
+                <a:solidFill>
+                  <a:schemeClr val="tx1"/>
+                </a:solidFill>
+              </a:rPr>
+              <a:t>      </a:t>
+            </a:r>
+            <a:r>
+              <a:rPr lang="en-GB" sz="1100" dirty="0">
+                <a:solidFill>
+                  <a:schemeClr val="bg1"/>
+                </a:solidFill>
+              </a:rPr>
+              <a:t>  AES - 256 File Encryption</a:t>
+            </a:r>
+            <a:endParaRPr sz="1100" dirty="0">
+              <a:solidFill>
+                <a:schemeClr val="bg1"/>
+              </a:solidFill>
+            </a:endParaRPr>
+          </a:p>
+          <a:p>
+            <a:pPr marL="0" lvl="0" indent="0" algn="l" rtl="0">
+              <a:spcBef>
+                <a:spcPts val="0"/>
+              </a:spcBef>
+              <a:spcAft>
+                <a:spcPts val="0"/>
+              </a:spcAft>
+              <a:buNone/>
+            </a:pPr>
+            <a:endParaRPr sz="1100" dirty="0">
+              <a:solidFill>
+                <a:srgbClr val="FF0000"/>
+              </a:solidFill>
+            </a:endParaRPr>
+          </a:p>
+          <a:p>
+            <a:pPr marL="0" lvl="0" indent="0" algn="l" rtl="0">
+              <a:spcBef>
+                <a:spcPts val="0"/>
+              </a:spcBef>
+              <a:spcAft>
+                <a:spcPts val="0"/>
+              </a:spcAft>
+              <a:buNone/>
+            </a:pPr>
+            <a:endParaRPr sz="1100" dirty="0">
+              <a:solidFill>
+                <a:srgbClr val="FF0000"/>
+              </a:solidFill>
+            </a:endParaRPr>
+          </a:p>
+          <a:p>
+            <a:pPr marL="0" lvl="0" indent="0" algn="l" rtl="0">
+              <a:spcBef>
+                <a:spcPts val="0"/>
+              </a:spcBef>
+              <a:spcAft>
+                <a:spcPts val="0"/>
+              </a:spcAft>
+              <a:buNone/>
+            </a:pPr>
+            <a:r>
+              <a:rPr lang="en-GB" sz="1100" dirty="0">
+                <a:solidFill>
+                  <a:schemeClr val="bg1"/>
+                </a:solidFill>
+              </a:rPr>
+              <a:t>∎        AES - 256 File Decryption </a:t>
+            </a:r>
+            <a:endParaRPr sz="1100" dirty="0">
+              <a:solidFill>
+                <a:schemeClr val="bg1"/>
+              </a:solidFill>
+            </a:endParaRPr>
+          </a:p>
+          <a:p>
+            <a:pPr marL="0" lvl="0" indent="0" algn="l" rtl="0">
+              <a:spcBef>
+                <a:spcPts val="0"/>
+              </a:spcBef>
+              <a:spcAft>
+                <a:spcPts val="0"/>
+              </a:spcAft>
+              <a:buNone/>
+            </a:pPr>
+            <a:endParaRPr sz="1100" dirty="0">
+              <a:solidFill>
+                <a:schemeClr val="bg1"/>
+              </a:solidFill>
+            </a:endParaRPr>
+          </a:p>
+          <a:p>
+            <a:pPr marL="0" lvl="0" indent="0" algn="l" rtl="0">
+              <a:spcBef>
+                <a:spcPts val="0"/>
+              </a:spcBef>
+              <a:spcAft>
+                <a:spcPts val="0"/>
+              </a:spcAft>
+              <a:buNone/>
+            </a:pPr>
+            <a:endParaRPr sz="1100" dirty="0">
+              <a:solidFill>
+                <a:schemeClr val="bg1"/>
+              </a:solidFill>
+            </a:endParaRPr>
+          </a:p>
+          <a:p>
+            <a:pPr marL="0" lvl="0" indent="0" algn="l" rtl="0">
+              <a:spcBef>
+                <a:spcPts val="0"/>
+              </a:spcBef>
+              <a:spcAft>
+                <a:spcPts val="0"/>
+              </a:spcAft>
+              <a:buNone/>
+            </a:pPr>
+            <a:r>
+              <a:rPr lang="en-GB" sz="1100" dirty="0">
+                <a:solidFill>
+                  <a:schemeClr val="bg1"/>
+                </a:solidFill>
+              </a:rPr>
               <a:t>∎        Huffman Compression</a:t>
             </a:r>
             <a:endParaRPr sz="1100" dirty="0">
@@ -7970,11 +15166,512 @@
               </a:rPr>
               <a:t>Huffman Decompression</a:t>
             </a:r>
+          </a:p>
+          <a:p>
+            <a:pPr marL="0" lvl="0" indent="0" algn="l" rtl="0">
+              <a:spcBef>
+                <a:spcPts val="0"/>
+              </a:spcBef>
+              <a:spcAft>
+                <a:spcPts val="0"/>
+              </a:spcAft>
+              <a:buNone/>
+            </a:pPr>
+            <a:endParaRPr lang="en-GB" sz="1100" dirty="0">
+              <a:solidFill>
+                <a:schemeClr val="tx1"/>
+              </a:solidFill>
+            </a:endParaRPr>
+          </a:p>
+          <a:p>
+            <a:pPr marL="0" lvl="0" indent="0" algn="l" rtl="0">
+              <a:spcBef>
+                <a:spcPts val="0"/>
+              </a:spcBef>
+              <a:spcAft>
+                <a:spcPts val="0"/>
+              </a:spcAft>
+              <a:buNone/>
+            </a:pPr>
+            <a:endParaRPr lang="en-GB" sz="1100" dirty="0">
+              <a:solidFill>
+                <a:schemeClr val="tx1"/>
+              </a:solidFill>
+            </a:endParaRPr>
+          </a:p>
+          <a:p>
+            <a:r>
+              <a:rPr lang="en-GB" sz="1100" dirty="0">
+                <a:latin typeface="Verdana" panose="020B0604030504040204" pitchFamily="34" charset="0"/>
+                <a:ea typeface="Verdana" panose="020B0604030504040204" pitchFamily="34" charset="0"/>
+              </a:rPr>
+              <a:t>∎      </a:t>
+            </a:r>
+            <a:r>
+              <a:rPr lang="en-GB" sz="1100" dirty="0">
+                <a:ea typeface="Verdana" panose="020B0604030504040204" pitchFamily="34" charset="0"/>
+              </a:rPr>
+              <a:t>User Interface</a:t>
+            </a:r>
+            <a:endParaRPr lang="en-GB" sz="1100" dirty="0">
+              <a:solidFill>
+                <a:schemeClr val="bg1"/>
+              </a:solidFill>
+            </a:endParaRPr>
+          </a:p>
+          <a:p>
+            <a:pPr marL="0" lvl="0" indent="0" algn="l" rtl="0">
+              <a:spcBef>
+                <a:spcPts val="0"/>
+              </a:spcBef>
+              <a:spcAft>
+                <a:spcPts val="0"/>
+              </a:spcAft>
+              <a:buNone/>
+            </a:pPr>
             <a:endParaRPr sz="1100" dirty="0">
               <a:solidFill>
                 <a:schemeClr val="tx1"/>
               </a:solidFill>
             </a:endParaRPr>
+          </a:p>
+        </p:txBody>
+      </p:sp>
+      <p:sp>
+        <p:nvSpPr>
+          <p:cNvPr id="5" name="Google Shape;123;p18">
+            <a:extLst>
+              <a:ext uri="{FF2B5EF4-FFF2-40B4-BE49-F238E27FC236}">
+                <a16:creationId xmlns:a16="http://schemas.microsoft.com/office/drawing/2014/main" id="{82792166-AD0D-47D7-8640-CB12DBE85BD7}"/>
+              </a:ext>
+            </a:extLst>
+          </p:cNvPr>
+          <p:cNvSpPr txBox="1"/>
+          <p:nvPr/>
+        </p:nvSpPr>
+        <p:spPr>
+          <a:xfrm>
+            <a:off x="3714750" y="1383089"/>
+            <a:ext cx="3042410" cy="2827800"/>
+          </a:xfrm>
+          <a:prstGeom prst="rect">
+            <a:avLst/>
+          </a:prstGeom>
+          <a:noFill/>
+          <a:ln>
+            <a:noFill/>
+          </a:ln>
+        </p:spPr>
+        <p:txBody>
+          <a:bodyPr spcFirstLastPara="1" wrap="square" lIns="91425" tIns="91425" rIns="91425" bIns="91425" anchor="t" anchorCtr="0">
+            <a:noAutofit/>
+          </a:bodyPr>
+          <a:lstStyle/>
+          <a:p>
+            <a:pPr marL="0" lvl="0" indent="0" algn="l" rtl="0">
+              <a:spcBef>
+                <a:spcPts val="0"/>
+              </a:spcBef>
+              <a:spcAft>
+                <a:spcPts val="0"/>
+              </a:spcAft>
+              <a:buNone/>
+            </a:pPr>
+            <a:r>
+              <a:rPr lang="en-US" dirty="0"/>
+              <a:t>          Traverse from root of Tree</a:t>
+            </a:r>
+          </a:p>
+          <a:p>
+            <a:pPr marL="0" lvl="0" indent="0" algn="l" rtl="0">
+              <a:spcBef>
+                <a:spcPts val="0"/>
+              </a:spcBef>
+              <a:spcAft>
+                <a:spcPts val="0"/>
+              </a:spcAft>
+              <a:buNone/>
+            </a:pPr>
+            <a:endParaRPr lang="en-US" dirty="0"/>
+          </a:p>
+          <a:p>
+            <a:pPr marL="0" lvl="0" indent="0" algn="l" rtl="0">
+              <a:spcBef>
+                <a:spcPts val="0"/>
+              </a:spcBef>
+              <a:spcAft>
+                <a:spcPts val="0"/>
+              </a:spcAft>
+              <a:buNone/>
+            </a:pPr>
+            <a:endParaRPr lang="en-US" dirty="0"/>
+          </a:p>
+          <a:p>
+            <a:pPr marL="0" lvl="0" indent="0" algn="l" rtl="0">
+              <a:spcBef>
+                <a:spcPts val="0"/>
+              </a:spcBef>
+              <a:spcAft>
+                <a:spcPts val="0"/>
+              </a:spcAft>
+              <a:buNone/>
+            </a:pPr>
+            <a:r>
+              <a:rPr lang="en-US" dirty="0"/>
+              <a:t>          Read file bit by bit</a:t>
+            </a:r>
+          </a:p>
+          <a:p>
+            <a:pPr marL="0" lvl="0" indent="0" algn="l" rtl="0">
+              <a:spcBef>
+                <a:spcPts val="0"/>
+              </a:spcBef>
+              <a:spcAft>
+                <a:spcPts val="0"/>
+              </a:spcAft>
+              <a:buNone/>
+            </a:pPr>
+            <a:endParaRPr lang="en-US" dirty="0"/>
+          </a:p>
+          <a:p>
+            <a:pPr marL="0" lvl="0" indent="0" algn="l" rtl="0">
+              <a:spcBef>
+                <a:spcPts val="0"/>
+              </a:spcBef>
+              <a:spcAft>
+                <a:spcPts val="0"/>
+              </a:spcAft>
+              <a:buNone/>
+            </a:pPr>
+            <a:endParaRPr lang="en-US" dirty="0"/>
+          </a:p>
+          <a:p>
+            <a:pPr marL="0" lvl="0" indent="0" algn="l" rtl="0">
+              <a:spcBef>
+                <a:spcPts val="0"/>
+              </a:spcBef>
+              <a:spcAft>
+                <a:spcPts val="0"/>
+              </a:spcAft>
+              <a:buNone/>
+            </a:pPr>
+            <a:r>
+              <a:rPr lang="en-US" dirty="0"/>
+              <a:t>          Get character reaching</a:t>
+            </a:r>
+          </a:p>
+          <a:p>
+            <a:pPr marL="0" lvl="0" indent="0" algn="l" rtl="0">
+              <a:spcBef>
+                <a:spcPts val="0"/>
+              </a:spcBef>
+              <a:spcAft>
+                <a:spcPts val="0"/>
+              </a:spcAft>
+              <a:buNone/>
+            </a:pPr>
+            <a:endParaRPr lang="en-US" dirty="0"/>
+          </a:p>
+          <a:p>
+            <a:pPr marL="0" lvl="0" indent="0" algn="l" rtl="0">
+              <a:spcBef>
+                <a:spcPts val="0"/>
+              </a:spcBef>
+              <a:spcAft>
+                <a:spcPts val="0"/>
+              </a:spcAft>
+              <a:buNone/>
+            </a:pPr>
+            <a:r>
+              <a:rPr lang="en-US" dirty="0"/>
+              <a:t>          leaf node</a:t>
+            </a:r>
+          </a:p>
+          <a:p>
+            <a:pPr marL="0" lvl="0" indent="0" algn="l" rtl="0">
+              <a:spcBef>
+                <a:spcPts val="0"/>
+              </a:spcBef>
+              <a:spcAft>
+                <a:spcPts val="0"/>
+              </a:spcAft>
+              <a:buNone/>
+            </a:pPr>
+            <a:endParaRPr lang="en-US" dirty="0"/>
+          </a:p>
+          <a:p>
+            <a:pPr marL="0" lvl="0" indent="0" algn="l" rtl="0">
+              <a:spcBef>
+                <a:spcPts val="0"/>
+              </a:spcBef>
+              <a:spcAft>
+                <a:spcPts val="0"/>
+              </a:spcAft>
+              <a:buNone/>
+            </a:pPr>
+            <a:endParaRPr lang="en-US" dirty="0"/>
+          </a:p>
+        </p:txBody>
+      </p:sp>
+      <p:sp>
+        <p:nvSpPr>
+          <p:cNvPr id="6" name="Rectangle 5">
+            <a:extLst>
+              <a:ext uri="{FF2B5EF4-FFF2-40B4-BE49-F238E27FC236}">
+                <a16:creationId xmlns:a16="http://schemas.microsoft.com/office/drawing/2014/main" id="{F660A199-0C43-45A9-A3C9-4A7D726FDB22}"/>
+              </a:ext>
+            </a:extLst>
+          </p:cNvPr>
+          <p:cNvSpPr/>
+          <p:nvPr/>
+        </p:nvSpPr>
+        <p:spPr>
+          <a:xfrm rot="5400000">
+            <a:off x="2235993" y="2482992"/>
+            <a:ext cx="1718074" cy="96440"/>
+          </a:xfrm>
+          <a:prstGeom prst="rect">
+            <a:avLst/>
+          </a:prstGeom>
+          <a:solidFill>
+            <a:srgbClr val="26303C"/>
+          </a:solidFill>
+          <a:ln/>
+        </p:spPr>
+        <p:style>
+          <a:lnRef idx="0">
+            <a:schemeClr val="accent3"/>
+          </a:lnRef>
+          <a:fillRef idx="3">
+            <a:schemeClr val="accent3"/>
+          </a:fillRef>
+          <a:effectRef idx="3">
+            <a:schemeClr val="accent3"/>
+          </a:effectRef>
+          <a:fontRef idx="minor">
+            <a:schemeClr val="lt1"/>
+          </a:fontRef>
+        </p:style>
+        <p:txBody>
+          <a:bodyPr rtlCol="0" anchor="ctr"/>
+          <a:lstStyle/>
+          <a:p>
+            <a:pPr algn="ctr"/>
+            <a:endParaRPr lang="en-US"/>
+          </a:p>
+        </p:txBody>
+      </p:sp>
+      <p:sp>
+        <p:nvSpPr>
+          <p:cNvPr id="7" name="Arrow: Right 6">
+            <a:extLst>
+              <a:ext uri="{FF2B5EF4-FFF2-40B4-BE49-F238E27FC236}">
+                <a16:creationId xmlns:a16="http://schemas.microsoft.com/office/drawing/2014/main" id="{458EB76D-8233-4915-8E49-27EFC3540151}"/>
+              </a:ext>
+            </a:extLst>
+          </p:cNvPr>
+          <p:cNvSpPr/>
+          <p:nvPr/>
+        </p:nvSpPr>
+        <p:spPr>
+          <a:xfrm>
+            <a:off x="3779044" y="1518494"/>
+            <a:ext cx="285750" cy="129125"/>
+          </a:xfrm>
+          <a:prstGeom prst="rightArrow">
+            <a:avLst/>
+          </a:prstGeom>
+          <a:solidFill>
+            <a:schemeClr val="bg2"/>
+          </a:solidFill>
+          <a:ln>
+            <a:solidFill>
+              <a:schemeClr val="bg2"/>
+            </a:solidFill>
+          </a:ln>
+        </p:spPr>
+        <p:style>
+          <a:lnRef idx="2">
+            <a:schemeClr val="accent1">
+              <a:shade val="50000"/>
+            </a:schemeClr>
+          </a:lnRef>
+          <a:fillRef idx="1">
+            <a:schemeClr val="accent1"/>
+          </a:fillRef>
+          <a:effectRef idx="0">
+            <a:schemeClr val="accent1"/>
+          </a:effectRef>
+          <a:fontRef idx="minor">
+            <a:schemeClr val="lt1"/>
+          </a:fontRef>
+        </p:style>
+        <p:txBody>
+          <a:bodyPr rtlCol="0" anchor="ctr"/>
+          <a:lstStyle/>
+          <a:p>
+            <a:pPr algn="ctr"/>
+            <a:endParaRPr lang="en-US"/>
+          </a:p>
+        </p:txBody>
+      </p:sp>
+      <p:sp>
+        <p:nvSpPr>
+          <p:cNvPr id="8" name="Arrow: Right 7">
+            <a:extLst>
+              <a:ext uri="{FF2B5EF4-FFF2-40B4-BE49-F238E27FC236}">
+                <a16:creationId xmlns:a16="http://schemas.microsoft.com/office/drawing/2014/main" id="{CB01EA9B-8B83-434F-9E7F-91C5942979E1}"/>
+              </a:ext>
+            </a:extLst>
+          </p:cNvPr>
+          <p:cNvSpPr/>
+          <p:nvPr/>
+        </p:nvSpPr>
+        <p:spPr>
+          <a:xfrm>
+            <a:off x="3779044" y="2153097"/>
+            <a:ext cx="285750" cy="129125"/>
+          </a:xfrm>
+          <a:prstGeom prst="rightArrow">
+            <a:avLst/>
+          </a:prstGeom>
+          <a:solidFill>
+            <a:schemeClr val="bg2"/>
+          </a:solidFill>
+          <a:ln>
+            <a:solidFill>
+              <a:schemeClr val="bg2"/>
+            </a:solidFill>
+          </a:ln>
+        </p:spPr>
+        <p:style>
+          <a:lnRef idx="2">
+            <a:schemeClr val="accent1">
+              <a:shade val="50000"/>
+            </a:schemeClr>
+          </a:lnRef>
+          <a:fillRef idx="1">
+            <a:schemeClr val="accent1"/>
+          </a:fillRef>
+          <a:effectRef idx="0">
+            <a:schemeClr val="accent1"/>
+          </a:effectRef>
+          <a:fontRef idx="minor">
+            <a:schemeClr val="lt1"/>
+          </a:fontRef>
+        </p:style>
+        <p:txBody>
+          <a:bodyPr rtlCol="0" anchor="ctr"/>
+          <a:lstStyle/>
+          <a:p>
+            <a:pPr algn="ctr"/>
+            <a:endParaRPr lang="en-US"/>
+          </a:p>
+        </p:txBody>
+      </p:sp>
+      <p:sp>
+        <p:nvSpPr>
+          <p:cNvPr id="13" name="Rectangle 12">
+            <a:extLst>
+              <a:ext uri="{FF2B5EF4-FFF2-40B4-BE49-F238E27FC236}">
+                <a16:creationId xmlns:a16="http://schemas.microsoft.com/office/drawing/2014/main" id="{E8874752-7DB6-45F7-9269-368977C6910F}"/>
+              </a:ext>
+            </a:extLst>
+          </p:cNvPr>
+          <p:cNvSpPr/>
+          <p:nvPr/>
+        </p:nvSpPr>
+        <p:spPr>
+          <a:xfrm>
+            <a:off x="3485684" y="1278731"/>
+            <a:ext cx="3042410" cy="2764632"/>
+          </a:xfrm>
+          <a:prstGeom prst="rect">
+            <a:avLst/>
+          </a:prstGeom>
+          <a:noFill/>
+          <a:ln>
+            <a:solidFill>
+              <a:schemeClr val="bg2"/>
+            </a:solidFill>
+          </a:ln>
+        </p:spPr>
+        <p:style>
+          <a:lnRef idx="2">
+            <a:schemeClr val="accent1">
+              <a:shade val="50000"/>
+            </a:schemeClr>
+          </a:lnRef>
+          <a:fillRef idx="1">
+            <a:schemeClr val="accent1"/>
+          </a:fillRef>
+          <a:effectRef idx="0">
+            <a:schemeClr val="accent1"/>
+          </a:effectRef>
+          <a:fontRef idx="minor">
+            <a:schemeClr val="lt1"/>
+          </a:fontRef>
+        </p:style>
+        <p:txBody>
+          <a:bodyPr rtlCol="0" anchor="ctr"/>
+          <a:lstStyle/>
+          <a:p>
+            <a:pPr algn="ctr"/>
+            <a:endParaRPr lang="en-US"/>
+          </a:p>
+        </p:txBody>
+      </p:sp>
+      <p:sp>
+        <p:nvSpPr>
+          <p:cNvPr id="23" name="Arrow: Right 22">
+            <a:extLst>
+              <a:ext uri="{FF2B5EF4-FFF2-40B4-BE49-F238E27FC236}">
+                <a16:creationId xmlns:a16="http://schemas.microsoft.com/office/drawing/2014/main" id="{92F91B11-01D9-48FB-93D3-4C91AAB5D68D}"/>
+              </a:ext>
+            </a:extLst>
+          </p:cNvPr>
+          <p:cNvSpPr/>
+          <p:nvPr/>
+        </p:nvSpPr>
+        <p:spPr>
+          <a:xfrm>
+            <a:off x="3779044" y="2801982"/>
+            <a:ext cx="285750" cy="129125"/>
+          </a:xfrm>
+          <a:prstGeom prst="rightArrow">
+            <a:avLst/>
+          </a:prstGeom>
+          <a:solidFill>
+            <a:schemeClr val="bg2"/>
+          </a:solidFill>
+          <a:ln>
+            <a:solidFill>
+              <a:schemeClr val="bg2"/>
+            </a:solidFill>
+          </a:ln>
+        </p:spPr>
+        <p:style>
+          <a:lnRef idx="2">
+            <a:schemeClr val="accent1">
+              <a:shade val="50000"/>
+            </a:schemeClr>
+          </a:lnRef>
+          <a:fillRef idx="1">
+            <a:schemeClr val="accent1"/>
+          </a:fillRef>
+          <a:effectRef idx="0">
+            <a:schemeClr val="accent1"/>
+          </a:effectRef>
+          <a:fontRef idx="minor">
+            <a:schemeClr val="lt1"/>
+          </a:fontRef>
+        </p:style>
+        <p:txBody>
+          <a:bodyPr rtlCol="0" anchor="ctr"/>
+          <a:lstStyle/>
+          <a:p>
+            <a:pPr algn="ctr"/>
+            <a:endParaRPr lang="en-US"/>
           </a:p>
         </p:txBody>
       </p:sp>
@@ -8003,8 +15700,8 @@
 </p:sld>
 </file>
 
-<file path=ppt/slides/slide8.xml><?xml version="1.0" encoding="utf-8"?>
-<p:sld xmlns:a="http://schemas.openxmlformats.org/drawingml/2006/main" xmlns:r="http://schemas.openxmlformats.org/officeDocument/2006/relationships" xmlns:p="http://schemas.openxmlformats.org/presentationml/2006/main" showMasterSp="0">
+<file path=ppt/slides/slide9.xml><?xml version="1.0" encoding="utf-8"?>
+<p:sld xmlns:a="http://schemas.openxmlformats.org/drawingml/2006/main" xmlns:r="http://schemas.openxmlformats.org/officeDocument/2006/relationships" xmlns:p="http://schemas.openxmlformats.org/presentationml/2006/main">
   <p:cSld>
     <p:bg>
       <p:bgPr>
@@ -8021,7 +15718,7 @@
     </p:bg>
     <p:spTree>
       <p:nvGrpSpPr>
-        <p:cNvPr id="1" name="Shape 39"/>
+        <p:cNvPr id="1" name="Shape 119"/>
         <p:cNvGrpSpPr/>
         <p:nvPr/>
       </p:nvGrpSpPr>
@@ -8035,52 +15732,62 @@
       </p:grpSpPr>
       <p:sp>
         <p:nvSpPr>
-          <p:cNvPr id="2" name="TextBox 1">
-            <a:extLst>
-              <a:ext uri="{FF2B5EF4-FFF2-40B4-BE49-F238E27FC236}">
-                <a16:creationId xmlns:a16="http://schemas.microsoft.com/office/drawing/2014/main" id="{F1ADAB7B-10CB-48CC-AF75-2425C87BFF27}"/>
-              </a:ext>
-            </a:extLst>
-          </p:cNvPr>
-          <p:cNvSpPr txBox="1"/>
+          <p:cNvPr id="120" name="Google Shape;120;p18"/>
+          <p:cNvSpPr/>
           <p:nvPr/>
         </p:nvSpPr>
         <p:spPr>
           <a:xfrm>
-            <a:off x="2321719" y="971550"/>
-            <a:ext cx="3743325" cy="635794"/>
-          </a:xfrm>
-          <a:prstGeom prst="rect">
-            <a:avLst/>
+            <a:off x="643589" y="3671678"/>
+            <a:ext cx="1858096" cy="245400"/>
+          </a:xfrm>
+          <a:prstGeom prst="roundRect">
+            <a:avLst>
+              <a:gd name="adj" fmla="val 50000"/>
+            </a:avLst>
           </a:prstGeom>
-          <a:noFill/>
+          <a:solidFill>
+            <a:srgbClr val="2E3E4D"/>
+          </a:solidFill>
+          <a:ln w="9525" cap="flat" cmpd="sng">
+            <a:solidFill>
+              <a:schemeClr val="dk1"/>
+            </a:solidFill>
+            <a:prstDash val="solid"/>
+            <a:round/>
+            <a:headEnd type="none" w="sm" len="sm"/>
+            <a:tailEnd type="none" w="sm" len="sm"/>
+          </a:ln>
         </p:spPr>
         <p:txBody>
-          <a:bodyPr wrap="square" rtlCol="0">
-            <a:spAutoFit/>
+          <a:bodyPr spcFirstLastPara="1" wrap="square" lIns="91425" tIns="91425" rIns="91425" bIns="91425" anchor="ctr" anchorCtr="0">
+            <a:noAutofit/>
           </a:bodyPr>
           <a:lstStyle/>
           <a:p>
-            <a:endParaRPr lang="en-US" dirty="0"/>
+            <a:pPr marL="0" lvl="0" indent="0" algn="ctr" rtl="0">
+              <a:spcBef>
+                <a:spcPts val="0"/>
+              </a:spcBef>
+              <a:spcAft>
+                <a:spcPts val="0"/>
+              </a:spcAft>
+              <a:buNone/>
+            </a:pPr>
+            <a:endParaRPr/>
           </a:p>
         </p:txBody>
       </p:sp>
       <p:sp>
         <p:nvSpPr>
-          <p:cNvPr id="4" name="Google Shape;121;p18">
-            <a:extLst>
-              <a:ext uri="{FF2B5EF4-FFF2-40B4-BE49-F238E27FC236}">
-                <a16:creationId xmlns:a16="http://schemas.microsoft.com/office/drawing/2014/main" id="{94AF0AA5-D846-4ADF-89E0-C2219A7AFBAA}"/>
-              </a:ext>
-            </a:extLst>
-          </p:cNvPr>
+          <p:cNvPr id="121" name="Google Shape;121;p18"/>
           <p:cNvSpPr txBox="1"/>
           <p:nvPr/>
         </p:nvSpPr>
         <p:spPr>
           <a:xfrm>
-            <a:off x="2304918" y="431125"/>
-            <a:ext cx="4534165" cy="459000"/>
+            <a:off x="1834687" y="404329"/>
+            <a:ext cx="5003138" cy="459000"/>
           </a:xfrm>
           <a:prstGeom prst="rect">
             <a:avLst/>
@@ -8112,7 +15819,7 @@
                 <a:cs typeface="Tahoma" panose="020B0604030504040204" pitchFamily="34" charset="0"/>
                 <a:sym typeface="Helvetica Neue"/>
               </a:rPr>
-              <a:t>CHALLENGES</a:t>
+              <a:t>USER INTERFACE</a:t>
             </a:r>
             <a:endParaRPr sz="2400" b="1" dirty="0">
               <a:latin typeface="Verdana" panose="020B0604030504040204" pitchFamily="34" charset="0"/>
@@ -8125,20 +15832,14 @@
       </p:sp>
       <p:sp>
         <p:nvSpPr>
-          <p:cNvPr id="5" name="Google Shape;115;p17">
-            <a:extLst>
-              <a:ext uri="{FF2B5EF4-FFF2-40B4-BE49-F238E27FC236}">
-                <a16:creationId xmlns:a16="http://schemas.microsoft.com/office/drawing/2014/main" id="{2F180E52-F80E-4947-AA46-B58C91EFF926}"/>
-              </a:ext>
-            </a:extLst>
-          </p:cNvPr>
+          <p:cNvPr id="122" name="Google Shape;122;p18"/>
           <p:cNvSpPr txBox="1"/>
           <p:nvPr/>
         </p:nvSpPr>
         <p:spPr>
           <a:xfrm>
-            <a:off x="1196969" y="1289447"/>
-            <a:ext cx="5289556" cy="3500100"/>
+            <a:off x="256918" y="1606049"/>
+            <a:ext cx="2337000" cy="2604839"/>
           </a:xfrm>
           <a:prstGeom prst="rect">
             <a:avLst/>
@@ -8164,168 +15865,285 @@
               <a:buNone/>
             </a:pPr>
             <a:r>
-              <a:rPr lang="en-GB" sz="1800" dirty="0">
+              <a:rPr lang="en-GB" sz="1100" dirty="0">
+                <a:solidFill>
+                  <a:schemeClr val="bg1"/>
+                </a:solidFill>
+              </a:rPr>
+              <a:t>∎</a:t>
+            </a:r>
+            <a:r>
+              <a:rPr lang="en-GB" sz="1100" dirty="0">
+                <a:solidFill>
+                  <a:schemeClr val="tx1"/>
+                </a:solidFill>
+              </a:rPr>
+              <a:t>      </a:t>
+            </a:r>
+            <a:r>
+              <a:rPr lang="en-GB" sz="1100" dirty="0">
+                <a:solidFill>
+                  <a:schemeClr val="bg1"/>
+                </a:solidFill>
+              </a:rPr>
+              <a:t>  AES - 256 File Encryption</a:t>
+            </a:r>
+            <a:endParaRPr sz="1100" dirty="0">
+              <a:solidFill>
+                <a:schemeClr val="bg1"/>
+              </a:solidFill>
+            </a:endParaRPr>
+          </a:p>
+          <a:p>
+            <a:pPr marL="0" lvl="0" indent="0" algn="l" rtl="0">
+              <a:spcBef>
+                <a:spcPts val="0"/>
+              </a:spcBef>
+              <a:spcAft>
+                <a:spcPts val="0"/>
+              </a:spcAft>
+              <a:buNone/>
+            </a:pPr>
+            <a:endParaRPr sz="1100" dirty="0">
+              <a:solidFill>
+                <a:srgbClr val="FF0000"/>
+              </a:solidFill>
+            </a:endParaRPr>
+          </a:p>
+          <a:p>
+            <a:pPr marL="0" lvl="0" indent="0" algn="l" rtl="0">
+              <a:spcBef>
+                <a:spcPts val="0"/>
+              </a:spcBef>
+              <a:spcAft>
+                <a:spcPts val="0"/>
+              </a:spcAft>
+              <a:buNone/>
+            </a:pPr>
+            <a:endParaRPr sz="1100" dirty="0">
+              <a:solidFill>
+                <a:srgbClr val="FF0000"/>
+              </a:solidFill>
+            </a:endParaRPr>
+          </a:p>
+          <a:p>
+            <a:pPr marL="0" lvl="0" indent="0" algn="l" rtl="0">
+              <a:spcBef>
+                <a:spcPts val="0"/>
+              </a:spcBef>
+              <a:spcAft>
+                <a:spcPts val="0"/>
+              </a:spcAft>
+              <a:buNone/>
+            </a:pPr>
+            <a:r>
+              <a:rPr lang="en-GB" sz="1100" dirty="0">
+                <a:solidFill>
+                  <a:schemeClr val="bg1"/>
+                </a:solidFill>
+              </a:rPr>
+              <a:t>∎        AES - 256 File Decryption </a:t>
+            </a:r>
+            <a:endParaRPr sz="1100" dirty="0">
+              <a:solidFill>
+                <a:schemeClr val="bg1"/>
+              </a:solidFill>
+            </a:endParaRPr>
+          </a:p>
+          <a:p>
+            <a:pPr marL="0" lvl="0" indent="0" algn="l" rtl="0">
+              <a:spcBef>
+                <a:spcPts val="0"/>
+              </a:spcBef>
+              <a:spcAft>
+                <a:spcPts val="0"/>
+              </a:spcAft>
+              <a:buNone/>
+            </a:pPr>
+            <a:endParaRPr sz="1100" dirty="0">
+              <a:solidFill>
+                <a:schemeClr val="bg1"/>
+              </a:solidFill>
+            </a:endParaRPr>
+          </a:p>
+          <a:p>
+            <a:pPr marL="0" lvl="0" indent="0" algn="l" rtl="0">
+              <a:spcBef>
+                <a:spcPts val="0"/>
+              </a:spcBef>
+              <a:spcAft>
+                <a:spcPts val="0"/>
+              </a:spcAft>
+              <a:buNone/>
+            </a:pPr>
+            <a:endParaRPr sz="1100" dirty="0">
+              <a:solidFill>
+                <a:schemeClr val="bg1"/>
+              </a:solidFill>
+            </a:endParaRPr>
+          </a:p>
+          <a:p>
+            <a:pPr marL="0" lvl="0" indent="0" algn="l" rtl="0">
+              <a:spcBef>
+                <a:spcPts val="0"/>
+              </a:spcBef>
+              <a:spcAft>
+                <a:spcPts val="0"/>
+              </a:spcAft>
+              <a:buNone/>
+            </a:pPr>
+            <a:r>
+              <a:rPr lang="en-GB" sz="1100" dirty="0">
+                <a:solidFill>
+                  <a:schemeClr val="bg1"/>
+                </a:solidFill>
+              </a:rPr>
+              <a:t>∎        Huffman Compression</a:t>
+            </a:r>
+            <a:endParaRPr sz="1100" dirty="0">
+              <a:solidFill>
+                <a:schemeClr val="bg1"/>
+              </a:solidFill>
+            </a:endParaRPr>
+          </a:p>
+          <a:p>
+            <a:pPr marL="0" lvl="0" indent="0" algn="l" rtl="0">
+              <a:spcBef>
+                <a:spcPts val="0"/>
+              </a:spcBef>
+              <a:spcAft>
+                <a:spcPts val="0"/>
+              </a:spcAft>
+              <a:buNone/>
+            </a:pPr>
+            <a:endParaRPr sz="1100" dirty="0">
+              <a:solidFill>
+                <a:schemeClr val="bg1"/>
+              </a:solidFill>
+            </a:endParaRPr>
+          </a:p>
+          <a:p>
+            <a:pPr marL="0" lvl="0" indent="0" algn="l" rtl="0">
+              <a:spcBef>
+                <a:spcPts val="0"/>
+              </a:spcBef>
+              <a:spcAft>
+                <a:spcPts val="0"/>
+              </a:spcAft>
+              <a:buNone/>
+            </a:pPr>
+            <a:endParaRPr sz="1100" dirty="0">
+              <a:solidFill>
+                <a:schemeClr val="bg1"/>
+              </a:solidFill>
+            </a:endParaRPr>
+          </a:p>
+          <a:p>
+            <a:pPr marL="0" lvl="0" indent="0" algn="l" rtl="0">
+              <a:spcBef>
+                <a:spcPts val="0"/>
+              </a:spcBef>
+              <a:spcAft>
+                <a:spcPts val="0"/>
+              </a:spcAft>
+              <a:buNone/>
+            </a:pPr>
+            <a:r>
+              <a:rPr lang="en-GB" sz="1100" dirty="0">
+                <a:solidFill>
+                  <a:schemeClr val="bg1"/>
+                </a:solidFill>
+              </a:rPr>
+              <a:t>∎        </a:t>
+            </a:r>
+            <a:r>
+              <a:rPr lang="en-GB" sz="1100" dirty="0">
+                <a:solidFill>
+                  <a:schemeClr val="bg2"/>
+                </a:solidFill>
+              </a:rPr>
+              <a:t>Huffman Decompression</a:t>
+            </a:r>
+          </a:p>
+          <a:p>
+            <a:pPr marL="0" lvl="0" indent="0" algn="l" rtl="0">
+              <a:spcBef>
+                <a:spcPts val="0"/>
+              </a:spcBef>
+              <a:spcAft>
+                <a:spcPts val="0"/>
+              </a:spcAft>
+              <a:buNone/>
+            </a:pPr>
+            <a:endParaRPr lang="en-GB" sz="1100" dirty="0">
+              <a:solidFill>
+                <a:schemeClr val="bg2"/>
+              </a:solidFill>
+            </a:endParaRPr>
+          </a:p>
+          <a:p>
+            <a:pPr marL="0" lvl="0" indent="0" algn="l" rtl="0">
+              <a:spcBef>
+                <a:spcPts val="0"/>
+              </a:spcBef>
+              <a:spcAft>
+                <a:spcPts val="0"/>
+              </a:spcAft>
+              <a:buNone/>
+            </a:pPr>
+            <a:endParaRPr lang="en-GB" sz="1100" dirty="0">
+              <a:solidFill>
+                <a:schemeClr val="tx1"/>
+              </a:solidFill>
+            </a:endParaRPr>
+          </a:p>
+          <a:p>
+            <a:r>
+              <a:rPr lang="en-GB" sz="1100" dirty="0">
                 <a:latin typeface="Verdana" panose="020B0604030504040204" pitchFamily="34" charset="0"/>
                 <a:ea typeface="Verdana" panose="020B0604030504040204" pitchFamily="34" charset="0"/>
               </a:rPr>
-              <a:t>∎    Dividing the state arrays into blocks</a:t>
+              <a:t>∎      </a:t>
             </a:r>
-          </a:p>
-          <a:p>
-            <a:pPr marL="0" lvl="0" indent="0" algn="l" rtl="0">
-              <a:spcBef>
-                <a:spcPts val="0"/>
-              </a:spcBef>
-              <a:spcAft>
-                <a:spcPts val="0"/>
-              </a:spcAft>
-              <a:buNone/>
-            </a:pPr>
             <a:r>
-              <a:rPr lang="en-GB" sz="1800" dirty="0">
-                <a:latin typeface="Verdana" panose="020B0604030504040204" pitchFamily="34" charset="0"/>
+              <a:rPr lang="en-GB" sz="1100" dirty="0">
+                <a:solidFill>
+                  <a:schemeClr val="tx1"/>
+                </a:solidFill>
                 <a:ea typeface="Verdana" panose="020B0604030504040204" pitchFamily="34" charset="0"/>
               </a:rPr>
-              <a:t>      of multiple state arrays</a:t>
+              <a:t>User Interface</a:t>
             </a:r>
-          </a:p>
-          <a:p>
-            <a:pPr marL="0" lvl="0" indent="0" algn="l" rtl="0">
-              <a:spcBef>
-                <a:spcPts val="0"/>
-              </a:spcBef>
-              <a:spcAft>
-                <a:spcPts val="0"/>
-              </a:spcAft>
-              <a:buNone/>
-            </a:pPr>
-            <a:endParaRPr lang="en-GB" sz="1800" dirty="0">
-              <a:latin typeface="Verdana" panose="020B0604030504040204" pitchFamily="34" charset="0"/>
-              <a:ea typeface="Verdana" panose="020B0604030504040204" pitchFamily="34" charset="0"/>
-            </a:endParaRPr>
-          </a:p>
-          <a:p>
-            <a:pPr lvl="0"/>
-            <a:r>
-              <a:rPr lang="en-GB" sz="1800" dirty="0">
-                <a:latin typeface="Verdana" panose="020B0604030504040204" pitchFamily="34" charset="0"/>
-                <a:ea typeface="Verdana" panose="020B0604030504040204" pitchFamily="34" charset="0"/>
-              </a:rPr>
-              <a:t>∎    Bit Manipulation</a:t>
-            </a:r>
-          </a:p>
-          <a:p>
-            <a:pPr lvl="0"/>
-            <a:endParaRPr lang="en-GB" sz="1800" dirty="0">
-              <a:latin typeface="Verdana" panose="020B0604030504040204" pitchFamily="34" charset="0"/>
-              <a:ea typeface="Verdana" panose="020B0604030504040204" pitchFamily="34" charset="0"/>
-            </a:endParaRPr>
-          </a:p>
-          <a:p>
-            <a:pPr lvl="0"/>
-            <a:r>
-              <a:rPr lang="en-GB" sz="1800" dirty="0">
-                <a:latin typeface="Verdana" panose="020B0604030504040204" pitchFamily="34" charset="0"/>
-                <a:ea typeface="Verdana" panose="020B0604030504040204" pitchFamily="34" charset="0"/>
-              </a:rPr>
-              <a:t>∎    Galois Field </a:t>
-            </a:r>
-            <a:r>
-              <a:rPr lang="en-GB" sz="1800" dirty="0" err="1">
-                <a:latin typeface="Verdana" panose="020B0604030504040204" pitchFamily="34" charset="0"/>
-                <a:ea typeface="Verdana" panose="020B0604030504040204" pitchFamily="34" charset="0"/>
-              </a:rPr>
-              <a:t>Arithmetics</a:t>
-            </a:r>
-            <a:endParaRPr lang="en-GB" sz="1800" dirty="0">
-              <a:latin typeface="Verdana" panose="020B0604030504040204" pitchFamily="34" charset="0"/>
-              <a:ea typeface="Verdana" panose="020B0604030504040204" pitchFamily="34" charset="0"/>
-            </a:endParaRPr>
-          </a:p>
-          <a:p>
-            <a:pPr lvl="0"/>
-            <a:endParaRPr lang="en-GB" sz="1800" dirty="0">
-              <a:latin typeface="Verdana" panose="020B0604030504040204" pitchFamily="34" charset="0"/>
-              <a:ea typeface="Verdana" panose="020B0604030504040204" pitchFamily="34" charset="0"/>
-            </a:endParaRPr>
-          </a:p>
-          <a:p>
-            <a:pPr lvl="0"/>
-            <a:r>
-              <a:rPr lang="en-GB" sz="1800" dirty="0">
-                <a:latin typeface="Verdana" panose="020B0604030504040204" pitchFamily="34" charset="0"/>
-                <a:ea typeface="Verdana" panose="020B0604030504040204" pitchFamily="34" charset="0"/>
-              </a:rPr>
-              <a:t>∎    Integrating with the Huffman Algorithm</a:t>
-            </a:r>
-            <a:endParaRPr sz="1800" dirty="0">
-              <a:latin typeface="Verdana" panose="020B0604030504040204" pitchFamily="34" charset="0"/>
-              <a:ea typeface="Verdana" panose="020B0604030504040204" pitchFamily="34" charset="0"/>
+            <a:endParaRPr lang="en-GB" sz="1100" dirty="0">
+              <a:solidFill>
+                <a:schemeClr val="tx1"/>
+              </a:solidFill>
+            </a:endParaRPr>
+          </a:p>
+          <a:p>
+            <a:pPr marL="0" lvl="0" indent="0" algn="l" rtl="0">
+              <a:spcBef>
+                <a:spcPts val="0"/>
+              </a:spcBef>
+              <a:spcAft>
+                <a:spcPts val="0"/>
+              </a:spcAft>
+              <a:buNone/>
+            </a:pPr>
+            <a:endParaRPr sz="1100" dirty="0">
+              <a:solidFill>
+                <a:schemeClr val="tx1"/>
+              </a:solidFill>
             </a:endParaRPr>
           </a:p>
         </p:txBody>
       </p:sp>
-    </p:spTree>
-    <p:extLst>
-      <p:ext uri="{BB962C8B-B14F-4D97-AF65-F5344CB8AC3E}">
-        <p14:creationId xmlns:p14="http://schemas.microsoft.com/office/powerpoint/2010/main" val="4204123043"/>
-      </p:ext>
-    </p:extLst>
-  </p:cSld>
-  <p:clrMapOvr>
-    <a:masterClrMapping/>
-  </p:clrMapOvr>
-  <mc:AlternateContent xmlns:mc="http://schemas.openxmlformats.org/markup-compatibility/2006">
-    <mc:Choice xmlns:p14="http://schemas.microsoft.com/office/powerpoint/2010/main" Requires="p14">
-      <p:transition spd="slow" p14:dur="900">
-        <p14:warp dir="in"/>
-      </p:transition>
-    </mc:Choice>
-    <mc:Fallback>
-      <p:transition spd="slow">
-        <p:fade/>
-      </p:transition>
-    </mc:Fallback>
-  </mc:AlternateContent>
-</p:sld>
-</file>
-
-<file path=ppt/slides/slide9.xml><?xml version="1.0" encoding="utf-8"?>
-<p:sld xmlns:a="http://schemas.openxmlformats.org/drawingml/2006/main" xmlns:r="http://schemas.openxmlformats.org/officeDocument/2006/relationships" xmlns:p="http://schemas.openxmlformats.org/presentationml/2006/main" showMasterSp="0">
-  <p:cSld>
-    <p:bg>
-      <p:bgPr>
-        <a:blipFill>
-          <a:blip r:embed="rId3">
-            <a:alphaModFix/>
-          </a:blip>
-          <a:stretch>
-            <a:fillRect/>
-          </a:stretch>
-        </a:blipFill>
-        <a:effectLst/>
-      </p:bgPr>
-    </p:bg>
-    <p:spTree>
-      <p:nvGrpSpPr>
-        <p:cNvPr id="1" name="Shape 39"/>
-        <p:cNvGrpSpPr/>
-        <p:nvPr/>
-      </p:nvGrpSpPr>
-      <p:grpSpPr>
-        <a:xfrm>
-          <a:off x="0" y="0"/>
-          <a:ext cx="0" cy="0"/>
-          <a:chOff x="0" y="0"/>
-          <a:chExt cx="0" cy="0"/>
-        </a:xfrm>
-      </p:grpSpPr>
       <p:sp>
         <p:nvSpPr>
-          <p:cNvPr id="4" name="Google Shape;121;p18">
+          <p:cNvPr id="5" name="Google Shape;123;p18">
             <a:extLst>
               <a:ext uri="{FF2B5EF4-FFF2-40B4-BE49-F238E27FC236}">
-                <a16:creationId xmlns:a16="http://schemas.microsoft.com/office/drawing/2014/main" id="{94AF0AA5-D846-4ADF-89E0-C2219A7AFBAA}"/>
+                <a16:creationId xmlns:a16="http://schemas.microsoft.com/office/drawing/2014/main" id="{82792166-AD0D-47D7-8640-CB12DBE85BD7}"/>
               </a:ext>
             </a:extLst>
           </p:cNvPr>
@@ -8334,8 +16152,8 @@
         </p:nvSpPr>
         <p:spPr>
           <a:xfrm>
-            <a:off x="2304917" y="2017038"/>
-            <a:ext cx="4534165" cy="459000"/>
+            <a:off x="3596143" y="1383089"/>
+            <a:ext cx="3161017" cy="2827800"/>
           </a:xfrm>
           <a:prstGeom prst="rect">
             <a:avLst/>
@@ -8351,7 +16169,7 @@
           </a:bodyPr>
           <a:lstStyle/>
           <a:p>
-            <a:pPr marL="0" lvl="0" indent="0" algn="ctr" rtl="0">
+            <a:pPr marL="0" lvl="0" indent="0" algn="l" rtl="0">
               <a:spcBef>
                 <a:spcPts val="0"/>
               </a:spcBef>
@@ -8361,42 +16179,161 @@
               <a:buNone/>
             </a:pPr>
             <a:r>
-              <a:rPr lang="en-GB" sz="3200" b="1" dirty="0">
-                <a:latin typeface="Verdana" panose="020B0604030504040204" pitchFamily="34" charset="0"/>
-                <a:ea typeface="Verdana" panose="020B0604030504040204" pitchFamily="34" charset="0"/>
-                <a:cs typeface="Tahoma" panose="020B0604030504040204" pitchFamily="34" charset="0"/>
-                <a:sym typeface="Helvetica Neue"/>
-              </a:rPr>
-              <a:t>THE END</a:t>
+              <a:rPr lang="en-US" dirty="0"/>
+              <a:t>User Selection : </a:t>
             </a:r>
-            <a:endParaRPr sz="3200" b="1" dirty="0">
-              <a:latin typeface="Verdana" panose="020B0604030504040204" pitchFamily="34" charset="0"/>
-              <a:ea typeface="Verdana" panose="020B0604030504040204" pitchFamily="34" charset="0"/>
-              <a:cs typeface="Tahoma" panose="020B0604030504040204" pitchFamily="34" charset="0"/>
-              <a:sym typeface="Helvetica Neue"/>
-            </a:endParaRPr>
           </a:p>
         </p:txBody>
       </p:sp>
+      <p:sp>
+        <p:nvSpPr>
+          <p:cNvPr id="6" name="Rectangle 5">
+            <a:extLst>
+              <a:ext uri="{FF2B5EF4-FFF2-40B4-BE49-F238E27FC236}">
+                <a16:creationId xmlns:a16="http://schemas.microsoft.com/office/drawing/2014/main" id="{F660A199-0C43-45A9-A3C9-4A7D726FDB22}"/>
+              </a:ext>
+            </a:extLst>
+          </p:cNvPr>
+          <p:cNvSpPr/>
+          <p:nvPr/>
+        </p:nvSpPr>
+        <p:spPr>
+          <a:xfrm rot="5400000">
+            <a:off x="2235993" y="2482992"/>
+            <a:ext cx="1718074" cy="96440"/>
+          </a:xfrm>
+          <a:prstGeom prst="rect">
+            <a:avLst/>
+          </a:prstGeom>
+          <a:solidFill>
+            <a:srgbClr val="26303C"/>
+          </a:solidFill>
+          <a:ln/>
+        </p:spPr>
+        <p:style>
+          <a:lnRef idx="0">
+            <a:schemeClr val="accent3"/>
+          </a:lnRef>
+          <a:fillRef idx="3">
+            <a:schemeClr val="accent3"/>
+          </a:fillRef>
+          <a:effectRef idx="3">
+            <a:schemeClr val="accent3"/>
+          </a:effectRef>
+          <a:fontRef idx="minor">
+            <a:schemeClr val="lt1"/>
+          </a:fontRef>
+        </p:style>
+        <p:txBody>
+          <a:bodyPr rtlCol="0" anchor="ctr"/>
+          <a:lstStyle/>
+          <a:p>
+            <a:pPr algn="ctr"/>
+            <a:endParaRPr lang="en-US"/>
+          </a:p>
+        </p:txBody>
+      </p:sp>
+      <p:sp>
+        <p:nvSpPr>
+          <p:cNvPr id="13" name="Rectangle 12">
+            <a:extLst>
+              <a:ext uri="{FF2B5EF4-FFF2-40B4-BE49-F238E27FC236}">
+                <a16:creationId xmlns:a16="http://schemas.microsoft.com/office/drawing/2014/main" id="{E8874752-7DB6-45F7-9269-368977C6910F}"/>
+              </a:ext>
+            </a:extLst>
+          </p:cNvPr>
+          <p:cNvSpPr/>
+          <p:nvPr/>
+        </p:nvSpPr>
+        <p:spPr>
+          <a:xfrm>
+            <a:off x="3485684" y="1278731"/>
+            <a:ext cx="3042410" cy="2764632"/>
+          </a:xfrm>
+          <a:prstGeom prst="rect">
+            <a:avLst/>
+          </a:prstGeom>
+          <a:noFill/>
+          <a:ln>
+            <a:solidFill>
+              <a:schemeClr val="bg2"/>
+            </a:solidFill>
+          </a:ln>
+        </p:spPr>
+        <p:style>
+          <a:lnRef idx="2">
+            <a:schemeClr val="accent1">
+              <a:shade val="50000"/>
+            </a:schemeClr>
+          </a:lnRef>
+          <a:fillRef idx="1">
+            <a:schemeClr val="accent1"/>
+          </a:fillRef>
+          <a:effectRef idx="0">
+            <a:schemeClr val="accent1"/>
+          </a:effectRef>
+          <a:fontRef idx="minor">
+            <a:schemeClr val="lt1"/>
+          </a:fontRef>
+        </p:style>
+        <p:txBody>
+          <a:bodyPr rtlCol="0" anchor="ctr"/>
+          <a:lstStyle/>
+          <a:p>
+            <a:pPr algn="ctr"/>
+            <a:endParaRPr lang="en-US"/>
+          </a:p>
+        </p:txBody>
+      </p:sp>
+      <p:pic>
+        <p:nvPicPr>
+          <p:cNvPr id="4" name="Picture 3">
+            <a:extLst>
+              <a:ext uri="{FF2B5EF4-FFF2-40B4-BE49-F238E27FC236}">
+                <a16:creationId xmlns:a16="http://schemas.microsoft.com/office/drawing/2014/main" id="{7CFCD73E-2CFF-4E44-B755-3DADF1C68254}"/>
+              </a:ext>
+            </a:extLst>
+          </p:cNvPr>
+          <p:cNvPicPr>
+            <a:picLocks noChangeAspect="1"/>
+          </p:cNvPicPr>
+          <p:nvPr/>
+        </p:nvPicPr>
+        <p:blipFill>
+          <a:blip r:embed="rId4"/>
+          <a:stretch>
+            <a:fillRect/>
+          </a:stretch>
+        </p:blipFill>
+        <p:spPr>
+          <a:xfrm>
+            <a:off x="3633516" y="1964896"/>
+            <a:ext cx="2746745" cy="1132631"/>
+          </a:xfrm>
+          <a:prstGeom prst="rect">
+            <a:avLst/>
+          </a:prstGeom>
+        </p:spPr>
+      </p:pic>
     </p:spTree>
     <p:extLst>
       <p:ext uri="{BB962C8B-B14F-4D97-AF65-F5344CB8AC3E}">
-        <p14:creationId xmlns:p14="http://schemas.microsoft.com/office/powerpoint/2010/main" val="1877157520"/>
+        <p14:creationId xmlns:p14="http://schemas.microsoft.com/office/powerpoint/2010/main" val="3015645459"/>
       </p:ext>
     </p:extLst>
   </p:cSld>
   <p:clrMapOvr>
     <a:masterClrMapping/>
   </p:clrMapOvr>
-  <mc:AlternateContent xmlns:mc="http://schemas.openxmlformats.org/markup-compatibility/2006">
-    <mc:Choice xmlns:p14="http://schemas.microsoft.com/office/powerpoint/2010/main" Requires="p14">
-      <p:transition p14:dur="100">
-        <p:cut/>
+  <mc:AlternateContent xmlns:mc="http://schemas.openxmlformats.org/markup-compatibility/2006" xmlns:p159="http://schemas.microsoft.com/office/powerpoint/2015/09/main">
+    <mc:Choice Requires="p159">
+      <p:transition xmlns:p14="http://schemas.microsoft.com/office/powerpoint/2010/main" spd="slow" p14:dur="2000">
+        <p159:morph option="byObject"/>
       </p:transition>
     </mc:Choice>
-    <mc:Fallback>
-      <p:transition>
-        <p:cut/>
+    <mc:Fallback xmlns="">
+      <p:transition spd="slow">
+        <p:fade/>
       </p:transition>
     </mc:Fallback>
   </mc:AlternateContent>
